--- a/images/ro-crate-bco-sep-of-concerns.pptx
+++ b/images/ro-crate-bco-sep-of-concerns.pptx
@@ -5,23 +5,22 @@
     <p:sldMasterId id="2147483648" r:id="rId1"/>
   </p:sldMasterIdLst>
   <p:notesMasterIdLst>
-    <p:notesMasterId r:id="rId4"/>
+    <p:notesMasterId r:id="rId3"/>
   </p:notesMasterIdLst>
   <p:handoutMasterIdLst>
-    <p:handoutMasterId r:id="rId5"/>
+    <p:handoutMasterId r:id="rId4"/>
   </p:handoutMasterIdLst>
   <p:sldIdLst>
-    <p:sldId id="363" r:id="rId2"/>
-    <p:sldId id="328" r:id="rId3"/>
+    <p:sldId id="365" r:id="rId2"/>
   </p:sldIdLst>
-  <p:sldSz cx="12192000" cy="6858000"/>
+  <p:sldSz cx="5580063" cy="3138488"/>
   <p:notesSz cx="6858000" cy="9144000"/>
   <p:defaultTextStyle>
     <a:defPPr>
       <a:defRPr lang="sv-SE"/>
     </a:defPPr>
-    <a:lvl1pPr marL="0" algn="l" defTabSz="914400" rtl="0" eaLnBrk="1" latinLnBrk="0" hangingPunct="1">
-      <a:defRPr sz="1800" kern="1200">
+    <a:lvl1pPr marL="0" algn="l" defTabSz="418350" rtl="0" eaLnBrk="1" latinLnBrk="0" hangingPunct="1">
+      <a:defRPr sz="824" kern="1200">
         <a:solidFill>
           <a:schemeClr val="tx1"/>
         </a:solidFill>
@@ -30,8 +29,8 @@
         <a:cs typeface="+mn-cs"/>
       </a:defRPr>
     </a:lvl1pPr>
-    <a:lvl2pPr marL="457200" algn="l" defTabSz="914400" rtl="0" eaLnBrk="1" latinLnBrk="0" hangingPunct="1">
-      <a:defRPr sz="1800" kern="1200">
+    <a:lvl2pPr marL="209175" algn="l" defTabSz="418350" rtl="0" eaLnBrk="1" latinLnBrk="0" hangingPunct="1">
+      <a:defRPr sz="824" kern="1200">
         <a:solidFill>
           <a:schemeClr val="tx1"/>
         </a:solidFill>
@@ -40,8 +39,8 @@
         <a:cs typeface="+mn-cs"/>
       </a:defRPr>
     </a:lvl2pPr>
-    <a:lvl3pPr marL="914400" algn="l" defTabSz="914400" rtl="0" eaLnBrk="1" latinLnBrk="0" hangingPunct="1">
-      <a:defRPr sz="1800" kern="1200">
+    <a:lvl3pPr marL="418350" algn="l" defTabSz="418350" rtl="0" eaLnBrk="1" latinLnBrk="0" hangingPunct="1">
+      <a:defRPr sz="824" kern="1200">
         <a:solidFill>
           <a:schemeClr val="tx1"/>
         </a:solidFill>
@@ -50,8 +49,8 @@
         <a:cs typeface="+mn-cs"/>
       </a:defRPr>
     </a:lvl3pPr>
-    <a:lvl4pPr marL="1371600" algn="l" defTabSz="914400" rtl="0" eaLnBrk="1" latinLnBrk="0" hangingPunct="1">
-      <a:defRPr sz="1800" kern="1200">
+    <a:lvl4pPr marL="627525" algn="l" defTabSz="418350" rtl="0" eaLnBrk="1" latinLnBrk="0" hangingPunct="1">
+      <a:defRPr sz="824" kern="1200">
         <a:solidFill>
           <a:schemeClr val="tx1"/>
         </a:solidFill>
@@ -60,8 +59,8 @@
         <a:cs typeface="+mn-cs"/>
       </a:defRPr>
     </a:lvl4pPr>
-    <a:lvl5pPr marL="1828800" algn="l" defTabSz="914400" rtl="0" eaLnBrk="1" latinLnBrk="0" hangingPunct="1">
-      <a:defRPr sz="1800" kern="1200">
+    <a:lvl5pPr marL="836700" algn="l" defTabSz="418350" rtl="0" eaLnBrk="1" latinLnBrk="0" hangingPunct="1">
+      <a:defRPr sz="824" kern="1200">
         <a:solidFill>
           <a:schemeClr val="tx1"/>
         </a:solidFill>
@@ -70,8 +69,8 @@
         <a:cs typeface="+mn-cs"/>
       </a:defRPr>
     </a:lvl5pPr>
-    <a:lvl6pPr marL="2286000" algn="l" defTabSz="914400" rtl="0" eaLnBrk="1" latinLnBrk="0" hangingPunct="1">
-      <a:defRPr sz="1800" kern="1200">
+    <a:lvl6pPr marL="1045875" algn="l" defTabSz="418350" rtl="0" eaLnBrk="1" latinLnBrk="0" hangingPunct="1">
+      <a:defRPr sz="824" kern="1200">
         <a:solidFill>
           <a:schemeClr val="tx1"/>
         </a:solidFill>
@@ -80,8 +79,8 @@
         <a:cs typeface="+mn-cs"/>
       </a:defRPr>
     </a:lvl6pPr>
-    <a:lvl7pPr marL="2743200" algn="l" defTabSz="914400" rtl="0" eaLnBrk="1" latinLnBrk="0" hangingPunct="1">
-      <a:defRPr sz="1800" kern="1200">
+    <a:lvl7pPr marL="1255050" algn="l" defTabSz="418350" rtl="0" eaLnBrk="1" latinLnBrk="0" hangingPunct="1">
+      <a:defRPr sz="824" kern="1200">
         <a:solidFill>
           <a:schemeClr val="tx1"/>
         </a:solidFill>
@@ -90,8 +89,8 @@
         <a:cs typeface="+mn-cs"/>
       </a:defRPr>
     </a:lvl7pPr>
-    <a:lvl8pPr marL="3200400" algn="l" defTabSz="914400" rtl="0" eaLnBrk="1" latinLnBrk="0" hangingPunct="1">
-      <a:defRPr sz="1800" kern="1200">
+    <a:lvl8pPr marL="1464225" algn="l" defTabSz="418350" rtl="0" eaLnBrk="1" latinLnBrk="0" hangingPunct="1">
+      <a:defRPr sz="824" kern="1200">
         <a:solidFill>
           <a:schemeClr val="tx1"/>
         </a:solidFill>
@@ -100,8 +99,8 @@
         <a:cs typeface="+mn-cs"/>
       </a:defRPr>
     </a:lvl8pPr>
-    <a:lvl9pPr marL="3657600" algn="l" defTabSz="914400" rtl="0" eaLnBrk="1" latinLnBrk="0" hangingPunct="1">
-      <a:defRPr sz="1800" kern="1200">
+    <a:lvl9pPr marL="1673400" algn="l" defTabSz="418350" rtl="0" eaLnBrk="1" latinLnBrk="0" hangingPunct="1">
+      <a:defRPr sz="824" kern="1200">
         <a:solidFill>
           <a:schemeClr val="tx1"/>
         </a:solidFill>
@@ -220,7 +219,7 @@
               <a:rPr lang="en-GB" smtClean="0">
                 <a:latin typeface="PT Sans" panose="020B0503020203020204" pitchFamily="34" charset="77"/>
               </a:rPr>
-              <a:t>03/05/2021</a:t>
+              <a:t>02/06/2021</a:t>
             </a:fld>
             <a:endParaRPr lang="en-GB" dirty="0">
               <a:latin typeface="PT Sans" panose="020B0503020203020204" pitchFamily="34" charset="77"/>
@@ -398,7 +397,7 @@
             <a:fld id="{8AD4BD16-3338-8F46-B931-85D66F380699}" type="datetimeFigureOut">
               <a:rPr lang="en-US" smtClean="0"/>
               <a:pPr/>
-              <a:t>5/3/21</a:t>
+              <a:t>6/2/21</a:t>
             </a:fld>
             <a:endParaRPr lang="en-US" dirty="0"/>
           </a:p>
@@ -576,8 +575,8 @@
   </p:cSld>
   <p:clrMap bg1="lt1" tx1="dk1" bg2="lt2" tx2="dk2" accent1="accent1" accent2="accent2" accent3="accent3" accent4="accent4" accent5="accent5" accent6="accent6" hlink="hlink" folHlink="folHlink"/>
   <p:notesStyle>
-    <a:lvl1pPr marL="0" algn="l" defTabSz="914400" rtl="0" eaLnBrk="1" latinLnBrk="0" hangingPunct="1">
-      <a:defRPr sz="1200" b="0" i="0" kern="1200">
+    <a:lvl1pPr marL="0" algn="l" defTabSz="418350" rtl="0" eaLnBrk="1" latinLnBrk="0" hangingPunct="1">
+      <a:defRPr sz="549" b="0" i="0" kern="1200">
         <a:solidFill>
           <a:schemeClr val="tx1"/>
         </a:solidFill>
@@ -588,165 +587,6 @@
     </a:lvl1pPr>
   </p:notesStyle>
 </p:notesMaster>
-</file>
-
-<file path=ppt/notesSlides/notesSlide1.xml><?xml version="1.0" encoding="utf-8"?>
-<p:notes xmlns:a="http://schemas.openxmlformats.org/drawingml/2006/main" xmlns:r="http://schemas.openxmlformats.org/officeDocument/2006/relationships" xmlns:p="http://schemas.openxmlformats.org/presentationml/2006/main" showMasterSp="0" showMasterPhAnim="0">
-  <p:cSld>
-    <p:spTree>
-      <p:nvGrpSpPr>
-        <p:cNvPr id="1" name="Shape 101"/>
-        <p:cNvGrpSpPr/>
-        <p:nvPr/>
-      </p:nvGrpSpPr>
-      <p:grpSpPr>
-        <a:xfrm>
-          <a:off x="0" y="0"/>
-          <a:ext cx="0" cy="0"/>
-          <a:chOff x="0" y="0"/>
-          <a:chExt cx="0" cy="0"/>
-        </a:xfrm>
-      </p:grpSpPr>
-      <p:sp>
-        <p:nvSpPr>
-          <p:cNvPr id="102" name="Google Shape;102;ga364d922bd_26_22:notes"/>
-          <p:cNvSpPr>
-            <a:spLocks noGrp="1" noRot="1" noChangeAspect="1"/>
-          </p:cNvSpPr>
-          <p:nvPr>
-            <p:ph type="sldImg" idx="2"/>
-          </p:nvPr>
-        </p:nvSpPr>
-        <p:spPr>
-          <a:xfrm>
-            <a:off x="685800" y="1143000"/>
-            <a:ext cx="5486400" cy="3086100"/>
-          </a:xfrm>
-          <a:custGeom>
-            <a:avLst/>
-            <a:gdLst/>
-            <a:ahLst/>
-            <a:cxnLst/>
-            <a:rect l="l" t="t" r="r" b="b"/>
-            <a:pathLst>
-              <a:path w="120000" h="120000" extrusionOk="0">
-                <a:moveTo>
-                  <a:pt x="0" y="0"/>
-                </a:moveTo>
-                <a:lnTo>
-                  <a:pt x="120000" y="0"/>
-                </a:lnTo>
-                <a:lnTo>
-                  <a:pt x="120000" y="120000"/>
-                </a:lnTo>
-                <a:lnTo>
-                  <a:pt x="0" y="120000"/>
-                </a:lnTo>
-                <a:close/>
-              </a:path>
-            </a:pathLst>
-          </a:custGeom>
-        </p:spPr>
-      </p:sp>
-      <p:sp>
-        <p:nvSpPr>
-          <p:cNvPr id="103" name="Google Shape;103;ga364d922bd_26_22:notes"/>
-          <p:cNvSpPr txBox="1">
-            <a:spLocks noGrp="1"/>
-          </p:cNvSpPr>
-          <p:nvPr>
-            <p:ph type="body" idx="1"/>
-          </p:nvPr>
-        </p:nvSpPr>
-        <p:spPr>
-          <a:xfrm>
-            <a:off x="685800" y="4400550"/>
-            <a:ext cx="5486400" cy="3600600"/>
-          </a:xfrm>
-          <a:prstGeom prst="rect">
-            <a:avLst/>
-          </a:prstGeom>
-        </p:spPr>
-        <p:txBody>
-          <a:bodyPr spcFirstLastPara="1" wrap="square" lIns="91425" tIns="91425" rIns="91425" bIns="91425" anchor="t" anchorCtr="0">
-            <a:noAutofit/>
-          </a:bodyPr>
-          <a:lstStyle/>
-          <a:p>
-            <a:pPr marL="0" lvl="0" indent="0" algn="l" rtl="0">
-              <a:spcBef>
-                <a:spcPts val="0"/>
-              </a:spcBef>
-              <a:spcAft>
-                <a:spcPts val="0"/>
-              </a:spcAft>
-              <a:buNone/>
-            </a:pPr>
-            <a:endParaRPr/>
-          </a:p>
-        </p:txBody>
-      </p:sp>
-      <p:sp>
-        <p:nvSpPr>
-          <p:cNvPr id="104" name="Google Shape;104;ga364d922bd_26_22:notes"/>
-          <p:cNvSpPr txBox="1">
-            <a:spLocks noGrp="1"/>
-          </p:cNvSpPr>
-          <p:nvPr>
-            <p:ph type="sldNum" idx="12"/>
-          </p:nvPr>
-        </p:nvSpPr>
-        <p:spPr>
-          <a:xfrm>
-            <a:off x="3884613" y="8685213"/>
-            <a:ext cx="2971800" cy="458700"/>
-          </a:xfrm>
-          <a:prstGeom prst="rect">
-            <a:avLst/>
-          </a:prstGeom>
-          <a:noFill/>
-          <a:ln>
-            <a:noFill/>
-          </a:ln>
-        </p:spPr>
-        <p:txBody>
-          <a:bodyPr spcFirstLastPara="1" wrap="square" lIns="91425" tIns="91425" rIns="91425" bIns="91425" anchor="ctr" anchorCtr="0">
-            <a:noAutofit/>
-          </a:bodyPr>
-          <a:lstStyle/>
-          <a:p>
-            <a:pPr marL="0" lvl="0" indent="0" algn="l" rtl="0">
-              <a:spcBef>
-                <a:spcPts val="0"/>
-              </a:spcBef>
-              <a:spcAft>
-                <a:spcPts val="0"/>
-              </a:spcAft>
-              <a:buClr>
-                <a:srgbClr val="000000"/>
-              </a:buClr>
-              <a:buFont typeface="Arial"/>
-              <a:buNone/>
-            </a:pPr>
-            <a:fld id="{00000000-1234-1234-1234-123412341234}" type="slidenum">
-              <a:rPr lang="en"/>
-              <a:t>2</a:t>
-            </a:fld>
-            <a:endParaRPr/>
-          </a:p>
-        </p:txBody>
-      </p:sp>
-    </p:spTree>
-    <p:extLst>
-      <p:ext uri="{BB962C8B-B14F-4D97-AF65-F5344CB8AC3E}">
-        <p14:creationId xmlns:p14="http://schemas.microsoft.com/office/powerpoint/2010/main" val="486321596"/>
-      </p:ext>
-    </p:extLst>
-  </p:cSld>
-  <p:clrMapOvr>
-    <a:masterClrMapping/>
-  </p:clrMapOvr>
-</p:notes>
 </file>
 
 <file path=ppt/slideLayouts/slideLayout1.xml><?xml version="1.0" encoding="utf-8"?>
@@ -794,8 +634,8 @@
         </p:blipFill>
         <p:spPr>
           <a:xfrm>
-            <a:off x="0" y="1161320"/>
-            <a:ext cx="12192000" cy="5400600"/>
+            <a:off x="0" y="531466"/>
+            <a:ext cx="5580063" cy="2471525"/>
           </a:xfrm>
           <a:prstGeom prst="rect">
             <a:avLst/>
@@ -820,8 +660,8 @@
         </p:nvSpPr>
         <p:spPr>
           <a:xfrm>
-            <a:off x="831056" y="2047558"/>
-            <a:ext cx="10529888" cy="2387600"/>
+            <a:off x="380360" y="937043"/>
+            <a:ext cx="4819344" cy="1092659"/>
           </a:xfrm>
         </p:spPr>
         <p:txBody>
@@ -830,7 +670,7 @@
           </a:bodyPr>
           <a:lstStyle>
             <a:lvl1pPr algn="ctr">
-              <a:defRPr sz="5400"/>
+              <a:defRPr sz="2471"/>
             </a:lvl1pPr>
           </a:lstStyle>
           <a:p>
@@ -860,8 +700,8 @@
         </p:nvSpPr>
         <p:spPr>
           <a:xfrm>
-            <a:off x="1524000" y="4782820"/>
-            <a:ext cx="9144000" cy="538988"/>
+            <a:off x="697509" y="2188805"/>
+            <a:ext cx="4185047" cy="246662"/>
           </a:xfrm>
         </p:spPr>
         <p:txBody>
@@ -869,7 +709,7 @@
             <a:noAutofit/>
           </a:bodyPr>
           <a:lstStyle>
-            <a:lvl1pPr marL="0" marR="0" indent="0" algn="ctr" defTabSz="914400" rtl="0" eaLnBrk="1" fontAlgn="auto" latinLnBrk="0" hangingPunct="1">
+            <a:lvl1pPr marL="0" marR="0" indent="0" algn="ctr" defTabSz="418429" rtl="0" eaLnBrk="1" fontAlgn="auto" latinLnBrk="0" hangingPunct="1">
               <a:lnSpc>
                 <a:spcPct val="90000"/>
               </a:lnSpc>
@@ -877,46 +717,46 @@
                 <a:spcPts val="0"/>
               </a:spcBef>
               <a:spcAft>
-                <a:spcPts val="900"/>
+                <a:spcPts val="412"/>
               </a:spcAft>
               <a:buClrTx/>
               <a:buSzTx/>
               <a:buFont typeface="Wingdings" pitchFamily="2" charset="2"/>
               <a:buNone/>
               <a:tabLst/>
-              <a:defRPr sz="3200"/>
+              <a:defRPr sz="1464"/>
             </a:lvl1pPr>
-            <a:lvl2pPr marL="457200" indent="0" algn="ctr">
+            <a:lvl2pPr marL="209215" indent="0" algn="ctr">
               <a:buNone/>
-              <a:defRPr sz="2000"/>
+              <a:defRPr sz="915"/>
             </a:lvl2pPr>
-            <a:lvl3pPr marL="914400" indent="0" algn="ctr">
+            <a:lvl3pPr marL="418429" indent="0" algn="ctr">
               <a:buNone/>
-              <a:defRPr sz="1800"/>
+              <a:defRPr sz="824"/>
             </a:lvl3pPr>
-            <a:lvl4pPr marL="1371600" indent="0" algn="ctr">
+            <a:lvl4pPr marL="627644" indent="0" algn="ctr">
               <a:buNone/>
-              <a:defRPr sz="1600"/>
+              <a:defRPr sz="732"/>
             </a:lvl4pPr>
-            <a:lvl5pPr marL="1828800" indent="0" algn="ctr">
+            <a:lvl5pPr marL="836859" indent="0" algn="ctr">
               <a:buNone/>
-              <a:defRPr sz="1600"/>
+              <a:defRPr sz="732"/>
             </a:lvl5pPr>
-            <a:lvl6pPr marL="2286000" indent="0" algn="ctr">
+            <a:lvl6pPr marL="1046074" indent="0" algn="ctr">
               <a:buNone/>
-              <a:defRPr sz="1600"/>
+              <a:defRPr sz="732"/>
             </a:lvl6pPr>
-            <a:lvl7pPr marL="2743200" indent="0" algn="ctr">
+            <a:lvl7pPr marL="1255288" indent="0" algn="ctr">
               <a:buNone/>
-              <a:defRPr sz="1600"/>
+              <a:defRPr sz="732"/>
             </a:lvl7pPr>
-            <a:lvl8pPr marL="3200400" indent="0" algn="ctr">
+            <a:lvl8pPr marL="1464503" indent="0" algn="ctr">
               <a:buNone/>
-              <a:defRPr sz="1600"/>
+              <a:defRPr sz="732"/>
             </a:lvl8pPr>
-            <a:lvl9pPr marL="3657600" indent="0" algn="ctr">
+            <a:lvl9pPr marL="1673718" indent="0" algn="ctr">
               <a:buNone/>
-              <a:defRPr sz="1600"/>
+              <a:defRPr sz="732"/>
             </a:lvl9pPr>
           </a:lstStyle>
           <a:p>
@@ -955,8 +795,8 @@
         </p:blipFill>
         <p:spPr>
           <a:xfrm>
-            <a:off x="191344" y="188640"/>
-            <a:ext cx="2372744" cy="881368"/>
+            <a:off x="87576" y="86329"/>
+            <a:ext cx="1085963" cy="403348"/>
           </a:xfrm>
           <a:prstGeom prst="rect">
             <a:avLst/>
@@ -975,8 +815,8 @@
         </p:nvSpPr>
         <p:spPr>
           <a:xfrm>
-            <a:off x="1524127" y="5340223"/>
-            <a:ext cx="9143746" cy="566801"/>
+            <a:off x="697566" y="2443894"/>
+            <a:ext cx="4184931" cy="259390"/>
           </a:xfrm>
         </p:spPr>
         <p:txBody>
@@ -986,11 +826,11 @@
           <a:lstStyle>
             <a:lvl1pPr marL="0" indent="0" algn="ctr">
               <a:buNone/>
-              <a:defRPr sz="2400"/>
+              <a:defRPr sz="1098"/>
             </a:lvl1pPr>
-            <a:lvl2pPr marL="457200" indent="0" algn="ctr">
+            <a:lvl2pPr marL="209215" indent="0" algn="ctr">
               <a:buNone/>
-              <a:defRPr sz="2000"/>
+              <a:defRPr sz="915"/>
             </a:lvl2pPr>
           </a:lstStyle>
           <a:p>
@@ -1039,8 +879,8 @@
         </p:blipFill>
         <p:spPr bwMode="auto">
           <a:xfrm>
-            <a:off x="9390638" y="188640"/>
-            <a:ext cx="2610018" cy="700763"/>
+            <a:off x="4297930" y="86329"/>
+            <a:ext cx="1194559" cy="320696"/>
           </a:xfrm>
           <a:prstGeom prst="rect">
             <a:avLst/>
@@ -1105,8 +945,8 @@
         </p:nvSpPr>
         <p:spPr>
           <a:xfrm>
-            <a:off x="542925" y="273861"/>
-            <a:ext cx="11072813" cy="926326"/>
+            <a:off x="248488" y="125329"/>
+            <a:ext cx="5067831" cy="423923"/>
           </a:xfrm>
           <a:ln>
             <a:noFill/>
@@ -1118,7 +958,7 @@
           </a:bodyPr>
           <a:lstStyle>
             <a:lvl1pPr algn="ctr">
-              <a:defRPr sz="4000"/>
+              <a:defRPr sz="1830"/>
             </a:lvl1pPr>
           </a:lstStyle>
           <a:p>
@@ -1148,24 +988,24 @@
         </p:nvSpPr>
         <p:spPr>
           <a:xfrm>
-            <a:off x="542925" y="1485900"/>
-            <a:ext cx="11072813" cy="4486275"/>
+            <a:off x="248488" y="680006"/>
+            <a:ext cx="5067831" cy="2053094"/>
           </a:xfrm>
         </p:spPr>
         <p:txBody>
           <a:bodyPr/>
           <a:lstStyle>
             <a:lvl1pPr>
-              <a:defRPr sz="2400"/>
+              <a:defRPr sz="1098"/>
             </a:lvl1pPr>
             <a:lvl2pPr>
               <a:lnSpc>
                 <a:spcPct val="100000"/>
               </a:lnSpc>
-              <a:defRPr sz="2000"/>
+              <a:defRPr sz="915"/>
             </a:lvl2pPr>
             <a:lvl3pPr>
-              <a:defRPr sz="1600"/>
+              <a:defRPr sz="732"/>
             </a:lvl3pPr>
           </a:lstStyle>
           <a:p>
@@ -1205,8 +1045,8 @@
         </p:nvSpPr>
         <p:spPr>
           <a:xfrm flipV="1">
-            <a:off x="2113428" y="6377736"/>
-            <a:ext cx="9000000" cy="0"/>
+            <a:off x="967280" y="2918700"/>
+            <a:ext cx="4119141" cy="0"/>
           </a:xfrm>
           <a:prstGeom prst="rect">
             <a:avLst/>
@@ -1241,7 +1081,7 @@
           <a:lstStyle/>
           <a:p>
             <a:pPr algn="ctr"/>
-            <a:endParaRPr lang="en-AU" b="0" i="0" dirty="0">
+            <a:endParaRPr lang="en-AU" sz="377" b="0" i="0" dirty="0">
               <a:latin typeface="PT Sans" panose="020B0503020203020204" pitchFamily="34" charset="77"/>
             </a:endParaRPr>
           </a:p>
@@ -1275,8 +1115,8 @@
         </p:blipFill>
         <p:spPr>
           <a:xfrm>
-            <a:off x="269788" y="6115363"/>
-            <a:ext cx="1599416" cy="595774"/>
+            <a:off x="123477" y="2798630"/>
+            <a:ext cx="732024" cy="272649"/>
           </a:xfrm>
           <a:prstGeom prst="rect">
             <a:avLst/>
@@ -1301,8 +1141,8 @@
         </p:nvSpPr>
         <p:spPr>
           <a:xfrm>
-            <a:off x="11441858" y="6244536"/>
-            <a:ext cx="432000" cy="288000"/>
+            <a:off x="5236737" y="2857743"/>
+            <a:ext cx="197719" cy="131800"/>
           </a:xfrm>
           <a:ln w="0">
             <a:solidFill>
@@ -1314,7 +1154,7 @@
           <a:bodyPr/>
           <a:lstStyle>
             <a:lvl1pPr algn="ctr">
-              <a:defRPr sz="1600" b="0" i="0">
+              <a:defRPr sz="732" b="0" i="0">
                 <a:solidFill>
                   <a:srgbClr val="DA9A36"/>
                 </a:solidFill>
@@ -1380,8 +1220,8 @@
         </p:nvSpPr>
         <p:spPr>
           <a:xfrm>
-            <a:off x="542925" y="273861"/>
-            <a:ext cx="11072813" cy="926326"/>
+            <a:off x="248488" y="125329"/>
+            <a:ext cx="5067831" cy="423923"/>
           </a:xfrm>
           <a:ln>
             <a:noFill/>
@@ -1393,7 +1233,7 @@
           </a:bodyPr>
           <a:lstStyle>
             <a:lvl1pPr algn="ctr">
-              <a:defRPr sz="4000"/>
+              <a:defRPr sz="1830"/>
             </a:lvl1pPr>
           </a:lstStyle>
           <a:p>
@@ -1419,8 +1259,8 @@
         </p:nvSpPr>
         <p:spPr>
           <a:xfrm flipV="1">
-            <a:off x="2113428" y="6377736"/>
-            <a:ext cx="9000000" cy="0"/>
+            <a:off x="967280" y="2918700"/>
+            <a:ext cx="4119141" cy="0"/>
           </a:xfrm>
           <a:prstGeom prst="rect">
             <a:avLst/>
@@ -1455,7 +1295,7 @@
           <a:lstStyle/>
           <a:p>
             <a:pPr algn="ctr"/>
-            <a:endParaRPr lang="en-AU" b="0" i="0" dirty="0">
+            <a:endParaRPr lang="en-AU" sz="377" b="0" i="0" dirty="0">
               <a:latin typeface="PT Sans" panose="020B0503020203020204" pitchFamily="34" charset="77"/>
             </a:endParaRPr>
           </a:p>
@@ -1489,8 +1329,8 @@
         </p:blipFill>
         <p:spPr>
           <a:xfrm>
-            <a:off x="269788" y="6115363"/>
-            <a:ext cx="1599416" cy="595774"/>
+            <a:off x="123477" y="2798630"/>
+            <a:ext cx="732024" cy="272649"/>
           </a:xfrm>
           <a:prstGeom prst="rect">
             <a:avLst/>
@@ -1515,8 +1355,8 @@
         </p:nvSpPr>
         <p:spPr>
           <a:xfrm>
-            <a:off x="11441858" y="6244536"/>
-            <a:ext cx="432000" cy="288000"/>
+            <a:off x="5236737" y="2857743"/>
+            <a:ext cx="197719" cy="131800"/>
           </a:xfrm>
           <a:ln w="0">
             <a:solidFill>
@@ -1528,7 +1368,7 @@
           <a:bodyPr/>
           <a:lstStyle>
             <a:lvl1pPr algn="ctr">
-              <a:defRPr sz="1600" b="0" i="0">
+              <a:defRPr sz="732" b="0" i="0">
                 <a:solidFill>
                   <a:srgbClr val="DA9A36"/>
                 </a:solidFill>
@@ -1590,8 +1430,8 @@
         </p:nvSpPr>
         <p:spPr>
           <a:xfrm flipV="1">
-            <a:off x="2113428" y="6377736"/>
-            <a:ext cx="9000000" cy="0"/>
+            <a:off x="967280" y="2918700"/>
+            <a:ext cx="4119141" cy="0"/>
           </a:xfrm>
           <a:prstGeom prst="rect">
             <a:avLst/>
@@ -1626,7 +1466,7 @@
           <a:lstStyle/>
           <a:p>
             <a:pPr algn="ctr"/>
-            <a:endParaRPr lang="en-AU" b="0" i="0" dirty="0">
+            <a:endParaRPr lang="en-AU" sz="377" b="0" i="0" dirty="0">
               <a:latin typeface="PT Sans" panose="020B0503020203020204" pitchFamily="34" charset="77"/>
             </a:endParaRPr>
           </a:p>
@@ -1660,8 +1500,8 @@
         </p:blipFill>
         <p:spPr>
           <a:xfrm>
-            <a:off x="269788" y="6115363"/>
-            <a:ext cx="1599416" cy="595774"/>
+            <a:off x="123477" y="2798630"/>
+            <a:ext cx="732024" cy="272649"/>
           </a:xfrm>
           <a:prstGeom prst="rect">
             <a:avLst/>
@@ -1686,8 +1526,8 @@
         </p:nvSpPr>
         <p:spPr>
           <a:xfrm>
-            <a:off x="11441858" y="6244536"/>
-            <a:ext cx="432000" cy="288000"/>
+            <a:off x="5236737" y="2857743"/>
+            <a:ext cx="197719" cy="131800"/>
           </a:xfrm>
           <a:ln w="0">
             <a:solidFill>
@@ -1699,7 +1539,7 @@
           <a:bodyPr/>
           <a:lstStyle>
             <a:lvl1pPr algn="ctr">
-              <a:defRPr sz="1600" b="0" i="0">
+              <a:defRPr sz="732" b="0" i="0">
                 <a:solidFill>
                   <a:srgbClr val="DA9A36"/>
                 </a:solidFill>
@@ -1775,8 +1615,8 @@
         </p:blipFill>
         <p:spPr>
           <a:xfrm>
-            <a:off x="119336" y="3525239"/>
-            <a:ext cx="1319914" cy="1670774"/>
+            <a:off x="54619" y="1613288"/>
+            <a:ext cx="604101" cy="764611"/>
           </a:xfrm>
           <a:prstGeom prst="rect">
             <a:avLst/>
@@ -1811,8 +1651,8 @@
         </p:blipFill>
         <p:spPr>
           <a:xfrm>
-            <a:off x="767408" y="3458471"/>
-            <a:ext cx="3855276" cy="1521518"/>
+            <a:off x="351229" y="1582731"/>
+            <a:ext cx="1764492" cy="696306"/>
           </a:xfrm>
           <a:prstGeom prst="rect">
             <a:avLst/>
@@ -1847,8 +1687,8 @@
         </p:blipFill>
         <p:spPr>
           <a:xfrm>
-            <a:off x="7392144" y="3626361"/>
-            <a:ext cx="2407640" cy="1437896"/>
+            <a:off x="3383254" y="1659565"/>
+            <a:ext cx="1101934" cy="658037"/>
           </a:xfrm>
           <a:prstGeom prst="rect">
             <a:avLst/>
@@ -1883,8 +1723,8 @@
         </p:blipFill>
         <p:spPr>
           <a:xfrm>
-            <a:off x="3719736" y="3578273"/>
-            <a:ext cx="1891292" cy="609628"/>
+            <a:off x="1702457" y="1637557"/>
+            <a:ext cx="865611" cy="278990"/>
           </a:xfrm>
           <a:prstGeom prst="rect">
             <a:avLst/>
@@ -1919,8 +1759,8 @@
         </p:blipFill>
         <p:spPr>
           <a:xfrm>
-            <a:off x="5879976" y="3611837"/>
-            <a:ext cx="781031" cy="781031"/>
+            <a:off x="2691161" y="1652918"/>
+            <a:ext cx="357464" cy="357430"/>
           </a:xfrm>
           <a:prstGeom prst="rect">
             <a:avLst/>
@@ -1955,8 +1795,8 @@
         </p:blipFill>
         <p:spPr>
           <a:xfrm>
-            <a:off x="9703864" y="4432945"/>
-            <a:ext cx="1144664" cy="475036"/>
+            <a:off x="4441287" y="2028688"/>
+            <a:ext cx="523892" cy="217395"/>
           </a:xfrm>
           <a:prstGeom prst="rect">
             <a:avLst/>
@@ -1991,8 +1831,8 @@
         </p:blipFill>
         <p:spPr>
           <a:xfrm>
-            <a:off x="2279576" y="3667439"/>
-            <a:ext cx="1232374" cy="304438"/>
+            <a:off x="1043322" y="1678364"/>
+            <a:ext cx="564036" cy="139323"/>
           </a:xfrm>
           <a:prstGeom prst="rect">
             <a:avLst/>
@@ -2027,8 +1867,8 @@
         </p:blipFill>
         <p:spPr>
           <a:xfrm>
-            <a:off x="10992544" y="3564755"/>
-            <a:ext cx="1071904" cy="1559250"/>
+            <a:off x="5031093" y="1631371"/>
+            <a:ext cx="490592" cy="713574"/>
           </a:xfrm>
           <a:prstGeom prst="rect">
             <a:avLst/>
@@ -2063,8 +1903,8 @@
         </p:blipFill>
         <p:spPr>
           <a:xfrm>
-            <a:off x="8904312" y="3662280"/>
-            <a:ext cx="1864601" cy="597629"/>
+            <a:off x="4075347" y="1676002"/>
+            <a:ext cx="853395" cy="273498"/>
           </a:xfrm>
           <a:prstGeom prst="rect">
             <a:avLst/>
@@ -2099,8 +1939,8 @@
         </p:blipFill>
         <p:spPr>
           <a:xfrm>
-            <a:off x="7104112" y="3626361"/>
-            <a:ext cx="1050290" cy="1056594"/>
+            <a:off x="3251428" y="1659565"/>
+            <a:ext cx="480699" cy="483539"/>
           </a:xfrm>
           <a:prstGeom prst="rect">
             <a:avLst/>
@@ -2135,8 +1975,8 @@
         </p:blipFill>
         <p:spPr>
           <a:xfrm>
-            <a:off x="2495600" y="4554719"/>
-            <a:ext cx="1671882" cy="353262"/>
+            <a:off x="1142192" y="2084417"/>
+            <a:ext cx="765191" cy="161666"/>
           </a:xfrm>
           <a:prstGeom prst="rect">
             <a:avLst/>
@@ -2171,8 +2011,8 @@
         </p:blipFill>
         <p:spPr>
           <a:xfrm>
-            <a:off x="4079776" y="4115893"/>
-            <a:ext cx="1249315" cy="1015318"/>
+            <a:off x="1867242" y="1883593"/>
+            <a:ext cx="571789" cy="464649"/>
           </a:xfrm>
           <a:prstGeom prst="rect">
             <a:avLst/>
@@ -2207,8 +2047,8 @@
         </p:blipFill>
         <p:spPr>
           <a:xfrm>
-            <a:off x="1559496" y="4547941"/>
-            <a:ext cx="928074" cy="587497"/>
+            <a:off x="713755" y="2081315"/>
+            <a:ext cx="424763" cy="268862"/>
           </a:xfrm>
           <a:prstGeom prst="rect">
             <a:avLst/>
@@ -2243,8 +2083,8 @@
         </p:blipFill>
         <p:spPr>
           <a:xfrm>
-            <a:off x="3688848" y="400470"/>
-            <a:ext cx="4485160" cy="1666036"/>
+            <a:off x="1688321" y="183272"/>
+            <a:ext cx="2052778" cy="762443"/>
           </a:xfrm>
           <a:prstGeom prst="rect">
             <a:avLst/>
@@ -2265,8 +2105,8 @@
         </p:nvSpPr>
         <p:spPr>
           <a:xfrm>
-            <a:off x="0" y="2301240"/>
-            <a:ext cx="12192000" cy="45719"/>
+            <a:off x="0" y="1053138"/>
+            <a:ext cx="5580063" cy="20923"/>
           </a:xfrm>
           <a:prstGeom prst="rect">
             <a:avLst/>
@@ -2301,7 +2141,7 @@
           <a:lstStyle/>
           <a:p>
             <a:pPr algn="ctr"/>
-            <a:endParaRPr lang="en-AU" b="0" i="0" dirty="0">
+            <a:endParaRPr lang="en-AU" sz="377" b="0" i="0" dirty="0">
               <a:latin typeface="PT Sans" panose="020B0503020203020204" pitchFamily="34" charset="77"/>
             </a:endParaRPr>
           </a:p>
@@ -2315,8 +2155,8 @@
         </p:nvSpPr>
         <p:spPr>
           <a:xfrm>
-            <a:off x="0" y="2353347"/>
-            <a:ext cx="12192000" cy="892552"/>
+            <a:off x="0" y="1051987"/>
+            <a:ext cx="5580063" cy="458459"/>
           </a:xfrm>
           <a:prstGeom prst="rect">
             <a:avLst/>
@@ -2334,7 +2174,7 @@
           <a:lstStyle/>
           <a:p>
             <a:pPr algn="ctr"/>
-            <a:endParaRPr lang="en-GB" sz="1200" b="0" i="0" dirty="0">
+            <a:endParaRPr lang="en-GB" sz="549" b="0" i="0" dirty="0">
               <a:solidFill>
                 <a:schemeClr val="bg1"/>
               </a:solidFill>
@@ -2346,7 +2186,7 @@
           <a:p>
             <a:pPr algn="ctr"/>
             <a:r>
-              <a:rPr lang="en-GB" sz="2800" b="0" i="0" dirty="0">
+              <a:rPr lang="en-GB" sz="1281" b="0" i="0" dirty="0">
                 <a:solidFill>
                   <a:schemeClr val="bg1"/>
                 </a:solidFill>
@@ -2359,7 +2199,7 @@
           </a:p>
           <a:p>
             <a:pPr algn="ctr"/>
-            <a:endParaRPr lang="en-GB" sz="1200" b="0" i="0" dirty="0">
+            <a:endParaRPr lang="en-GB" sz="549" b="0" i="0" dirty="0">
               <a:solidFill>
                 <a:schemeClr val="bg1"/>
               </a:solidFill>
@@ -2384,8 +2224,8 @@
         </p:nvSpPr>
         <p:spPr>
           <a:xfrm>
-            <a:off x="6729984" y="5842403"/>
-            <a:ext cx="3840480" cy="830997"/>
+            <a:off x="3080195" y="2673712"/>
+            <a:ext cx="1757720" cy="430311"/>
           </a:xfrm>
           <a:prstGeom prst="rect">
             <a:avLst/>
@@ -2399,7 +2239,7 @@
           <a:lstStyle/>
           <a:p>
             <a:r>
-              <a:rPr lang="en-GB" sz="1600" b="0" i="0" dirty="0" err="1">
+              <a:rPr lang="en-GB" sz="732" b="0" i="0" dirty="0" err="1">
                 <a:latin typeface="PT Sans" panose="020B0503020203020204" pitchFamily="34" charset="77"/>
                 <a:ea typeface="PT Sans" charset="-52"/>
                 <a:cs typeface="Arial" panose="020B0604020202020204" pitchFamily="34" charset="0"/>
@@ -2407,7 +2247,7 @@
               <a:t>BioExcel</a:t>
             </a:r>
             <a:r>
-              <a:rPr lang="en-GB" sz="1600" b="0" i="0" dirty="0">
+              <a:rPr lang="en-GB" sz="732" b="0" i="0" dirty="0">
                 <a:latin typeface="PT Sans" panose="020B0503020203020204" pitchFamily="34" charset="77"/>
                 <a:ea typeface="PT Sans" charset="-52"/>
                 <a:cs typeface="Arial" panose="020B0604020202020204" pitchFamily="34" charset="0"/>
@@ -2431,8 +2271,8 @@
         </p:nvSpPr>
         <p:spPr>
           <a:xfrm>
-            <a:off x="0" y="5464238"/>
-            <a:ext cx="12192000" cy="45719"/>
+            <a:off x="0" y="2500649"/>
+            <a:ext cx="5580063" cy="20923"/>
           </a:xfrm>
           <a:prstGeom prst="rect">
             <a:avLst/>
@@ -2467,7 +2307,7 @@
           <a:lstStyle/>
           <a:p>
             <a:pPr algn="ctr"/>
-            <a:endParaRPr lang="en-AU" b="0" i="0" dirty="0">
+            <a:endParaRPr lang="en-AU" sz="377" b="0" i="0" dirty="0">
               <a:latin typeface="PT Sans" panose="020B0503020203020204" pitchFamily="34" charset="77"/>
             </a:endParaRPr>
           </a:p>
@@ -2502,8 +2342,8 @@
         </p:blipFill>
         <p:spPr bwMode="auto">
           <a:xfrm>
-            <a:off x="717784" y="5667573"/>
-            <a:ext cx="3746242" cy="1005827"/>
+            <a:off x="328517" y="2593702"/>
+            <a:ext cx="1714589" cy="460306"/>
           </a:xfrm>
           <a:prstGeom prst="rect">
             <a:avLst/>
@@ -2548,8 +2388,8 @@
         </p:blipFill>
         <p:spPr>
           <a:xfrm>
-            <a:off x="5483514" y="4502219"/>
-            <a:ext cx="1549400" cy="647700"/>
+            <a:off x="2509707" y="2060392"/>
+            <a:ext cx="709133" cy="296413"/>
           </a:xfrm>
           <a:prstGeom prst="rect">
             <a:avLst/>
@@ -2634,8 +2474,8 @@
         </p:nvSpPr>
         <p:spPr>
           <a:xfrm>
-            <a:off x="838200" y="365125"/>
-            <a:ext cx="10515600" cy="1325563"/>
+            <a:off x="383630" y="167097"/>
+            <a:ext cx="4812804" cy="606629"/>
           </a:xfrm>
           <a:prstGeom prst="rect">
             <a:avLst/>
@@ -2673,8 +2513,8 @@
         </p:nvSpPr>
         <p:spPr>
           <a:xfrm>
-            <a:off x="838200" y="1825625"/>
-            <a:ext cx="10515600" cy="4351338"/>
+            <a:off x="383630" y="835477"/>
+            <a:ext cx="4812804" cy="1991342"/>
           </a:xfrm>
           <a:prstGeom prst="rect">
             <a:avLst/>
@@ -2741,8 +2581,8 @@
         </p:nvSpPr>
         <p:spPr>
           <a:xfrm>
-            <a:off x="838200" y="6356350"/>
-            <a:ext cx="2743200" cy="365125"/>
+            <a:off x="383629" y="2908914"/>
+            <a:ext cx="1255514" cy="167095"/>
           </a:xfrm>
           <a:prstGeom prst="rect">
             <a:avLst/>
@@ -2752,7 +2592,7 @@
           <a:bodyPr vert="horz" lIns="91440" tIns="45720" rIns="91440" bIns="45720" rtlCol="0" anchor="ctr"/>
           <a:lstStyle>
             <a:lvl1pPr algn="l">
-              <a:defRPr sz="1200" b="0" i="0">
+              <a:defRPr sz="549" b="0" i="0">
                 <a:solidFill>
                   <a:schemeClr val="tx1">
                     <a:tint val="75000"/>
@@ -2785,8 +2625,8 @@
         </p:nvSpPr>
         <p:spPr>
           <a:xfrm>
-            <a:off x="4038600" y="6356350"/>
-            <a:ext cx="4114800" cy="365125"/>
+            <a:off x="1848397" y="2908914"/>
+            <a:ext cx="1883271" cy="167095"/>
           </a:xfrm>
           <a:prstGeom prst="rect">
             <a:avLst/>
@@ -2796,7 +2636,7 @@
           <a:bodyPr vert="horz" lIns="91440" tIns="45720" rIns="91440" bIns="45720" rtlCol="0" anchor="ctr"/>
           <a:lstStyle>
             <a:lvl1pPr algn="ctr">
-              <a:defRPr sz="1200" b="0" i="0">
+              <a:defRPr sz="549" b="0" i="0">
                 <a:solidFill>
                   <a:schemeClr val="tx1">
                     <a:tint val="75000"/>
@@ -2829,8 +2669,8 @@
         </p:nvSpPr>
         <p:spPr>
           <a:xfrm>
-            <a:off x="8610600" y="6356350"/>
-            <a:ext cx="2743200" cy="365125"/>
+            <a:off x="3940920" y="2908914"/>
+            <a:ext cx="1255514" cy="167095"/>
           </a:xfrm>
           <a:prstGeom prst="rect">
             <a:avLst/>
@@ -2840,7 +2680,7 @@
           <a:bodyPr vert="horz" lIns="91440" tIns="45720" rIns="91440" bIns="45720" rtlCol="0" anchor="ctr"/>
           <a:lstStyle>
             <a:lvl1pPr algn="r">
-              <a:defRPr sz="1200" b="0" i="0">
+              <a:defRPr sz="549" b="0" i="0">
                 <a:solidFill>
                   <a:schemeClr val="tx1">
                     <a:tint val="75000"/>
@@ -2879,7 +2719,7 @@
   <p:hf hdr="0" ftr="0" dt="0"/>
   <p:txStyles>
     <p:titleStyle>
-      <a:lvl1pPr algn="l" defTabSz="914400" rtl="0" eaLnBrk="1" latinLnBrk="0" hangingPunct="1">
+      <a:lvl1pPr algn="l" defTabSz="418429" rtl="0" eaLnBrk="1" latinLnBrk="0" hangingPunct="1">
         <a:lnSpc>
           <a:spcPct val="90000"/>
         </a:lnSpc>
@@ -2887,7 +2727,7 @@
           <a:spcPct val="0"/>
         </a:spcBef>
         <a:buNone/>
-        <a:defRPr sz="4400" b="0" i="0" kern="1200">
+        <a:defRPr sz="2013" b="0" i="0" kern="1200">
           <a:solidFill>
             <a:schemeClr val="tx1"/>
           </a:solidFill>
@@ -2898,7 +2738,7 @@
       </a:lvl1pPr>
     </p:titleStyle>
     <p:bodyStyle>
-      <a:lvl1pPr marL="228600" indent="-228600" algn="l" defTabSz="914400" rtl="0" eaLnBrk="1" latinLnBrk="0" hangingPunct="1">
+      <a:lvl1pPr marL="104607" indent="-104607" algn="l" defTabSz="418429" rtl="0" eaLnBrk="1" latinLnBrk="0" hangingPunct="1">
         <a:lnSpc>
           <a:spcPct val="100000"/>
         </a:lnSpc>
@@ -2906,11 +2746,11 @@
           <a:spcPts val="0"/>
         </a:spcBef>
         <a:spcAft>
-          <a:spcPts val="900"/>
+          <a:spcPts val="412"/>
         </a:spcAft>
         <a:buFont typeface="Wingdings" pitchFamily="2" charset="2"/>
         <a:buChar char="§"/>
-        <a:defRPr sz="2800" b="0" i="0" kern="1200">
+        <a:defRPr sz="1281" b="0" i="0" kern="1200">
           <a:solidFill>
             <a:schemeClr val="tx1"/>
           </a:solidFill>
@@ -2919,7 +2759,7 @@
           <a:cs typeface="+mn-cs"/>
         </a:defRPr>
       </a:lvl1pPr>
-      <a:lvl2pPr marL="685800" indent="-228600" algn="l" defTabSz="914400" rtl="0" eaLnBrk="1" latinLnBrk="0" hangingPunct="1">
+      <a:lvl2pPr marL="313822" indent="-104607" algn="l" defTabSz="418429" rtl="0" eaLnBrk="1" latinLnBrk="0" hangingPunct="1">
         <a:lnSpc>
           <a:spcPct val="100000"/>
         </a:lnSpc>
@@ -2927,11 +2767,11 @@
           <a:spcPts val="0"/>
         </a:spcBef>
         <a:spcAft>
-          <a:spcPts val="900"/>
+          <a:spcPts val="412"/>
         </a:spcAft>
         <a:buFont typeface="Wingdings" pitchFamily="2" charset="2"/>
         <a:buChar char="§"/>
-        <a:defRPr sz="2400" b="0" i="0" kern="1200">
+        <a:defRPr sz="1098" b="0" i="0" kern="1200">
           <a:solidFill>
             <a:schemeClr val="tx1"/>
           </a:solidFill>
@@ -2940,7 +2780,7 @@
           <a:cs typeface="+mn-cs"/>
         </a:defRPr>
       </a:lvl2pPr>
-      <a:lvl3pPr marL="1143000" indent="-228600" algn="l" defTabSz="914400" rtl="0" eaLnBrk="1" latinLnBrk="0" hangingPunct="1">
+      <a:lvl3pPr marL="523037" indent="-104607" algn="l" defTabSz="418429" rtl="0" eaLnBrk="1" latinLnBrk="0" hangingPunct="1">
         <a:lnSpc>
           <a:spcPct val="100000"/>
         </a:lnSpc>
@@ -2948,11 +2788,11 @@
           <a:spcPts val="0"/>
         </a:spcBef>
         <a:spcAft>
-          <a:spcPts val="900"/>
+          <a:spcPts val="412"/>
         </a:spcAft>
         <a:buFont typeface="Wingdings" pitchFamily="2" charset="2"/>
         <a:buChar char="§"/>
-        <a:defRPr sz="2000" b="0" i="0" kern="1200">
+        <a:defRPr sz="915" b="0" i="0" kern="1200">
           <a:solidFill>
             <a:schemeClr val="tx1"/>
           </a:solidFill>
@@ -2961,7 +2801,7 @@
           <a:cs typeface="+mn-cs"/>
         </a:defRPr>
       </a:lvl3pPr>
-      <a:lvl4pPr marL="1600200" indent="-228600" algn="l" defTabSz="914400" rtl="0" eaLnBrk="1" latinLnBrk="0" hangingPunct="1">
+      <a:lvl4pPr marL="732252" indent="-104607" algn="l" defTabSz="418429" rtl="0" eaLnBrk="1" latinLnBrk="0" hangingPunct="1">
         <a:lnSpc>
           <a:spcPct val="100000"/>
         </a:lnSpc>
@@ -2969,11 +2809,11 @@
           <a:spcPts val="0"/>
         </a:spcBef>
         <a:spcAft>
-          <a:spcPts val="900"/>
+          <a:spcPts val="412"/>
         </a:spcAft>
         <a:buFont typeface="Wingdings" pitchFamily="2" charset="2"/>
         <a:buChar char="§"/>
-        <a:defRPr sz="1800" b="0" i="0" kern="1200">
+        <a:defRPr sz="824" b="0" i="0" kern="1200">
           <a:solidFill>
             <a:schemeClr val="tx1"/>
           </a:solidFill>
@@ -2982,7 +2822,7 @@
           <a:cs typeface="+mn-cs"/>
         </a:defRPr>
       </a:lvl4pPr>
-      <a:lvl5pPr marL="2057400" indent="-228600" algn="l" defTabSz="914400" rtl="0" eaLnBrk="1" latinLnBrk="0" hangingPunct="1">
+      <a:lvl5pPr marL="941466" indent="-104607" algn="l" defTabSz="418429" rtl="0" eaLnBrk="1" latinLnBrk="0" hangingPunct="1">
         <a:lnSpc>
           <a:spcPct val="100000"/>
         </a:lnSpc>
@@ -2990,11 +2830,11 @@
           <a:spcPts val="0"/>
         </a:spcBef>
         <a:spcAft>
-          <a:spcPts val="900"/>
+          <a:spcPts val="412"/>
         </a:spcAft>
         <a:buFont typeface="Wingdings" pitchFamily="2" charset="2"/>
         <a:buChar char="§"/>
-        <a:defRPr sz="1800" b="0" i="0" kern="1200">
+        <a:defRPr sz="824" b="0" i="0" kern="1200">
           <a:solidFill>
             <a:schemeClr val="tx1"/>
           </a:solidFill>
@@ -3003,16 +2843,16 @@
           <a:cs typeface="+mn-cs"/>
         </a:defRPr>
       </a:lvl5pPr>
-      <a:lvl6pPr marL="2514600" indent="-228600" algn="l" defTabSz="914400" rtl="0" eaLnBrk="1" latinLnBrk="0" hangingPunct="1">
+      <a:lvl6pPr marL="1150681" indent="-104607" algn="l" defTabSz="418429" rtl="0" eaLnBrk="1" latinLnBrk="0" hangingPunct="1">
         <a:lnSpc>
           <a:spcPct val="90000"/>
         </a:lnSpc>
         <a:spcBef>
-          <a:spcPts val="500"/>
+          <a:spcPts val="229"/>
         </a:spcBef>
         <a:buFont typeface="Arial" panose="020B0604020202020204" pitchFamily="34" charset="0"/>
         <a:buChar char="•"/>
-        <a:defRPr sz="1800" kern="1200">
+        <a:defRPr sz="824" kern="1200">
           <a:solidFill>
             <a:schemeClr val="tx1"/>
           </a:solidFill>
@@ -3021,16 +2861,16 @@
           <a:cs typeface="+mn-cs"/>
         </a:defRPr>
       </a:lvl6pPr>
-      <a:lvl7pPr marL="2971800" indent="-228600" algn="l" defTabSz="914400" rtl="0" eaLnBrk="1" latinLnBrk="0" hangingPunct="1">
+      <a:lvl7pPr marL="1359896" indent="-104607" algn="l" defTabSz="418429" rtl="0" eaLnBrk="1" latinLnBrk="0" hangingPunct="1">
         <a:lnSpc>
           <a:spcPct val="90000"/>
         </a:lnSpc>
         <a:spcBef>
-          <a:spcPts val="500"/>
+          <a:spcPts val="229"/>
         </a:spcBef>
         <a:buFont typeface="Arial" panose="020B0604020202020204" pitchFamily="34" charset="0"/>
         <a:buChar char="•"/>
-        <a:defRPr sz="1800" kern="1200">
+        <a:defRPr sz="824" kern="1200">
           <a:solidFill>
             <a:schemeClr val="tx1"/>
           </a:solidFill>
@@ -3039,16 +2879,16 @@
           <a:cs typeface="+mn-cs"/>
         </a:defRPr>
       </a:lvl7pPr>
-      <a:lvl8pPr marL="3429000" indent="-228600" algn="l" defTabSz="914400" rtl="0" eaLnBrk="1" latinLnBrk="0" hangingPunct="1">
+      <a:lvl8pPr marL="1569110" indent="-104607" algn="l" defTabSz="418429" rtl="0" eaLnBrk="1" latinLnBrk="0" hangingPunct="1">
         <a:lnSpc>
           <a:spcPct val="90000"/>
         </a:lnSpc>
         <a:spcBef>
-          <a:spcPts val="500"/>
+          <a:spcPts val="229"/>
         </a:spcBef>
         <a:buFont typeface="Arial" panose="020B0604020202020204" pitchFamily="34" charset="0"/>
         <a:buChar char="•"/>
-        <a:defRPr sz="1800" kern="1200">
+        <a:defRPr sz="824" kern="1200">
           <a:solidFill>
             <a:schemeClr val="tx1"/>
           </a:solidFill>
@@ -3057,16 +2897,16 @@
           <a:cs typeface="+mn-cs"/>
         </a:defRPr>
       </a:lvl8pPr>
-      <a:lvl9pPr marL="3886200" indent="-228600" algn="l" defTabSz="914400" rtl="0" eaLnBrk="1" latinLnBrk="0" hangingPunct="1">
+      <a:lvl9pPr marL="1778325" indent="-104607" algn="l" defTabSz="418429" rtl="0" eaLnBrk="1" latinLnBrk="0" hangingPunct="1">
         <a:lnSpc>
           <a:spcPct val="90000"/>
         </a:lnSpc>
         <a:spcBef>
-          <a:spcPts val="500"/>
+          <a:spcPts val="229"/>
         </a:spcBef>
         <a:buFont typeface="Arial" panose="020B0604020202020204" pitchFamily="34" charset="0"/>
         <a:buChar char="•"/>
-        <a:defRPr sz="1800" kern="1200">
+        <a:defRPr sz="824" kern="1200">
           <a:solidFill>
             <a:schemeClr val="tx1"/>
           </a:solidFill>
@@ -3080,8 +2920,8 @@
       <a:defPPr>
         <a:defRPr lang="sv-SE"/>
       </a:defPPr>
-      <a:lvl1pPr marL="0" algn="l" defTabSz="914400" rtl="0" eaLnBrk="1" latinLnBrk="0" hangingPunct="1">
-        <a:defRPr sz="1800" kern="1200">
+      <a:lvl1pPr marL="0" algn="l" defTabSz="418429" rtl="0" eaLnBrk="1" latinLnBrk="0" hangingPunct="1">
+        <a:defRPr sz="824" kern="1200">
           <a:solidFill>
             <a:schemeClr val="tx1"/>
           </a:solidFill>
@@ -3090,8 +2930,8 @@
           <a:cs typeface="+mn-cs"/>
         </a:defRPr>
       </a:lvl1pPr>
-      <a:lvl2pPr marL="457200" algn="l" defTabSz="914400" rtl="0" eaLnBrk="1" latinLnBrk="0" hangingPunct="1">
-        <a:defRPr sz="1800" kern="1200">
+      <a:lvl2pPr marL="209215" algn="l" defTabSz="418429" rtl="0" eaLnBrk="1" latinLnBrk="0" hangingPunct="1">
+        <a:defRPr sz="824" kern="1200">
           <a:solidFill>
             <a:schemeClr val="tx1"/>
           </a:solidFill>
@@ -3100,8 +2940,8 @@
           <a:cs typeface="+mn-cs"/>
         </a:defRPr>
       </a:lvl2pPr>
-      <a:lvl3pPr marL="914400" algn="l" defTabSz="914400" rtl="0" eaLnBrk="1" latinLnBrk="0" hangingPunct="1">
-        <a:defRPr sz="1800" kern="1200">
+      <a:lvl3pPr marL="418429" algn="l" defTabSz="418429" rtl="0" eaLnBrk="1" latinLnBrk="0" hangingPunct="1">
+        <a:defRPr sz="824" kern="1200">
           <a:solidFill>
             <a:schemeClr val="tx1"/>
           </a:solidFill>
@@ -3110,8 +2950,8 @@
           <a:cs typeface="+mn-cs"/>
         </a:defRPr>
       </a:lvl3pPr>
-      <a:lvl4pPr marL="1371600" algn="l" defTabSz="914400" rtl="0" eaLnBrk="1" latinLnBrk="0" hangingPunct="1">
-        <a:defRPr sz="1800" kern="1200">
+      <a:lvl4pPr marL="627644" algn="l" defTabSz="418429" rtl="0" eaLnBrk="1" latinLnBrk="0" hangingPunct="1">
+        <a:defRPr sz="824" kern="1200">
           <a:solidFill>
             <a:schemeClr val="tx1"/>
           </a:solidFill>
@@ -3120,8 +2960,8 @@
           <a:cs typeface="+mn-cs"/>
         </a:defRPr>
       </a:lvl4pPr>
-      <a:lvl5pPr marL="1828800" algn="l" defTabSz="914400" rtl="0" eaLnBrk="1" latinLnBrk="0" hangingPunct="1">
-        <a:defRPr sz="1800" kern="1200">
+      <a:lvl5pPr marL="836859" algn="l" defTabSz="418429" rtl="0" eaLnBrk="1" latinLnBrk="0" hangingPunct="1">
+        <a:defRPr sz="824" kern="1200">
           <a:solidFill>
             <a:schemeClr val="tx1"/>
           </a:solidFill>
@@ -3130,8 +2970,8 @@
           <a:cs typeface="+mn-cs"/>
         </a:defRPr>
       </a:lvl5pPr>
-      <a:lvl6pPr marL="2286000" algn="l" defTabSz="914400" rtl="0" eaLnBrk="1" latinLnBrk="0" hangingPunct="1">
-        <a:defRPr sz="1800" kern="1200">
+      <a:lvl6pPr marL="1046074" algn="l" defTabSz="418429" rtl="0" eaLnBrk="1" latinLnBrk="0" hangingPunct="1">
+        <a:defRPr sz="824" kern="1200">
           <a:solidFill>
             <a:schemeClr val="tx1"/>
           </a:solidFill>
@@ -3140,8 +2980,8 @@
           <a:cs typeface="+mn-cs"/>
         </a:defRPr>
       </a:lvl6pPr>
-      <a:lvl7pPr marL="2743200" algn="l" defTabSz="914400" rtl="0" eaLnBrk="1" latinLnBrk="0" hangingPunct="1">
-        <a:defRPr sz="1800" kern="1200">
+      <a:lvl7pPr marL="1255288" algn="l" defTabSz="418429" rtl="0" eaLnBrk="1" latinLnBrk="0" hangingPunct="1">
+        <a:defRPr sz="824" kern="1200">
           <a:solidFill>
             <a:schemeClr val="tx1"/>
           </a:solidFill>
@@ -3150,8 +2990,8 @@
           <a:cs typeface="+mn-cs"/>
         </a:defRPr>
       </a:lvl7pPr>
-      <a:lvl8pPr marL="3200400" algn="l" defTabSz="914400" rtl="0" eaLnBrk="1" latinLnBrk="0" hangingPunct="1">
-        <a:defRPr sz="1800" kern="1200">
+      <a:lvl8pPr marL="1464503" algn="l" defTabSz="418429" rtl="0" eaLnBrk="1" latinLnBrk="0" hangingPunct="1">
+        <a:defRPr sz="824" kern="1200">
           <a:solidFill>
             <a:schemeClr val="tx1"/>
           </a:solidFill>
@@ -3160,8 +3000,8 @@
           <a:cs typeface="+mn-cs"/>
         </a:defRPr>
       </a:lvl8pPr>
-      <a:lvl9pPr marL="3657600" algn="l" defTabSz="914400" rtl="0" eaLnBrk="1" latinLnBrk="0" hangingPunct="1">
-        <a:defRPr sz="1800" kern="1200">
+      <a:lvl9pPr marL="1673718" algn="l" defTabSz="418429" rtl="0" eaLnBrk="1" latinLnBrk="0" hangingPunct="1">
+        <a:defRPr sz="824" kern="1200">
           <a:solidFill>
             <a:schemeClr val="tx1"/>
           </a:solidFill>
@@ -3175,47 +3015,47 @@
   <p:extLst>
     <p:ext uri="{27BBF7A9-308A-43DC-89C8-2F10F3537804}">
       <p15:sldGuideLst xmlns:p15="http://schemas.microsoft.com/office/powerpoint/2012/main">
-        <p15:guide id="1" orient="horz" pos="777">
+        <p15:guide id="1" orient="horz" pos="356" userDrawn="1">
           <p15:clr>
             <a:srgbClr val="F26B43"/>
           </p15:clr>
         </p15:guide>
-        <p15:guide id="2" pos="189">
+        <p15:guide id="2" pos="87" userDrawn="1">
           <p15:clr>
             <a:srgbClr val="F26B43"/>
           </p15:clr>
         </p15:guide>
-        <p15:guide id="3" pos="7491">
+        <p15:guide id="3" pos="3428" userDrawn="1">
           <p15:clr>
             <a:srgbClr val="F26B43"/>
           </p15:clr>
         </p15:guide>
-        <p15:guide id="4" pos="7151">
+        <p15:guide id="4" pos="3273" userDrawn="1">
           <p15:clr>
             <a:srgbClr val="F26B43"/>
           </p15:clr>
         </p15:guide>
-        <p15:guide id="5" pos="529">
+        <p15:guide id="5" pos="242" userDrawn="1">
           <p15:clr>
             <a:srgbClr val="F26B43"/>
           </p15:clr>
         </p15:guide>
-        <p15:guide id="6" pos="3840">
+        <p15:guide id="6" pos="1758" userDrawn="1">
           <p15:clr>
             <a:srgbClr val="F26B43"/>
           </p15:clr>
         </p15:guide>
-        <p15:guide id="7" pos="347">
+        <p15:guide id="7" pos="159" userDrawn="1">
           <p15:clr>
             <a:srgbClr val="F26B43"/>
           </p15:clr>
         </p15:guide>
-        <p15:guide id="8" orient="horz" pos="1117">
+        <p15:guide id="8" orient="horz" pos="511" userDrawn="1">
           <p15:clr>
             <a:srgbClr val="F26B43"/>
           </p15:clr>
         </p15:guide>
-        <p15:guide id="9" orient="horz" pos="2840">
+        <p15:guide id="9" orient="horz" pos="1300" userDrawn="1">
           <p15:clr>
             <a:srgbClr val="F26B43"/>
           </p15:clr>
@@ -3245,10 +3085,10 @@
       </p:grpSpPr>
       <p:pic>
         <p:nvPicPr>
-          <p:cNvPr id="2" name="Picture 1">
-            <a:extLst>
-              <a:ext uri="{FF2B5EF4-FFF2-40B4-BE49-F238E27FC236}">
-                <a16:creationId xmlns:a16="http://schemas.microsoft.com/office/drawing/2014/main" id="{062F41AC-3EAF-D742-8180-EC7CDDB8BD16}"/>
+          <p:cNvPr id="3" name="Picture 2">
+            <a:extLst>
+              <a:ext uri="{FF2B5EF4-FFF2-40B4-BE49-F238E27FC236}">
+                <a16:creationId xmlns:a16="http://schemas.microsoft.com/office/drawing/2014/main" id="{9A5CE547-C210-9345-9410-7EE9BCA28530}"/>
               </a:ext>
             </a:extLst>
           </p:cNvPr>
@@ -3264,8 +3104,8 @@
         </p:blipFill>
         <p:spPr>
           <a:xfrm>
-            <a:off x="2026285" y="6013929"/>
-            <a:ext cx="824200" cy="670084"/>
+            <a:off x="887868" y="2694092"/>
+            <a:ext cx="373272" cy="303475"/>
           </a:xfrm>
           <a:prstGeom prst="rect">
             <a:avLst/>
@@ -3274,10 +3114,10 @@
       </p:pic>
       <p:grpSp>
         <p:nvGrpSpPr>
-          <p:cNvPr id="3" name="Group 2">
-            <a:extLst>
-              <a:ext uri="{FF2B5EF4-FFF2-40B4-BE49-F238E27FC236}">
-                <a16:creationId xmlns:a16="http://schemas.microsoft.com/office/drawing/2014/main" id="{DD7A21A9-074A-E04E-AAA7-8312083A82A4}"/>
+          <p:cNvPr id="4" name="Group 3">
+            <a:extLst>
+              <a:ext uri="{FF2B5EF4-FFF2-40B4-BE49-F238E27FC236}">
+                <a16:creationId xmlns:a16="http://schemas.microsoft.com/office/drawing/2014/main" id="{45738B7D-B252-654E-B709-A76134276DE4}"/>
               </a:ext>
             </a:extLst>
           </p:cNvPr>
@@ -3286,18 +3126,18 @@
         </p:nvGrpSpPr>
         <p:grpSpPr>
           <a:xfrm>
-            <a:off x="258117" y="890282"/>
-            <a:ext cx="10660301" cy="5145246"/>
+            <a:off x="87082" y="373642"/>
+            <a:ext cx="4827948" cy="2330233"/>
             <a:chOff x="363611" y="1360324"/>
             <a:chExt cx="10660301" cy="5070509"/>
           </a:xfrm>
         </p:grpSpPr>
         <p:sp>
           <p:nvSpPr>
-            <p:cNvPr id="4" name="Rounded Rectangle 3">
+            <p:cNvPr id="45" name="Rounded Rectangle 44">
               <a:extLst>
                 <a:ext uri="{FF2B5EF4-FFF2-40B4-BE49-F238E27FC236}">
-                  <a16:creationId xmlns:a16="http://schemas.microsoft.com/office/drawing/2014/main" id="{7E306836-334D-FE48-9678-01C05E90EB34}"/>
+                  <a16:creationId xmlns:a16="http://schemas.microsoft.com/office/drawing/2014/main" id="{E8048AA3-781B-F048-97A9-4E6A8BB2C2E6}"/>
                 </a:ext>
               </a:extLst>
             </p:cNvPr>
@@ -3340,10 +3180,10 @@
         </p:sp>
         <p:pic>
           <p:nvPicPr>
-            <p:cNvPr id="5" name="Google Shape;133;p16">
+            <p:cNvPr id="46" name="Google Shape;133;p16">
               <a:extLst>
                 <a:ext uri="{FF2B5EF4-FFF2-40B4-BE49-F238E27FC236}">
-                  <a16:creationId xmlns:a16="http://schemas.microsoft.com/office/drawing/2014/main" id="{F34B877E-A437-7044-BA9A-0FA129D5FDAB}"/>
+                  <a16:creationId xmlns:a16="http://schemas.microsoft.com/office/drawing/2014/main" id="{1F4562C0-97E6-E94A-958B-E4BC77183C10}"/>
                 </a:ext>
               </a:extLst>
             </p:cNvPr>
@@ -3375,10 +3215,10 @@
       </p:grpSp>
       <p:sp>
         <p:nvSpPr>
-          <p:cNvPr id="6" name="Rounded Rectangle 5">
-            <a:extLst>
-              <a:ext uri="{FF2B5EF4-FFF2-40B4-BE49-F238E27FC236}">
-                <a16:creationId xmlns:a16="http://schemas.microsoft.com/office/drawing/2014/main" id="{5F7D7621-FAF5-0142-A8C9-3F74D6EC8929}"/>
+          <p:cNvPr id="5" name="Rounded Rectangle 4">
+            <a:extLst>
+              <a:ext uri="{FF2B5EF4-FFF2-40B4-BE49-F238E27FC236}">
+                <a16:creationId xmlns:a16="http://schemas.microsoft.com/office/drawing/2014/main" id="{6EE729C4-6CCE-3143-878B-7F14CD3CFA5B}"/>
               </a:ext>
             </a:extLst>
           </p:cNvPr>
@@ -3387,8 +3227,8 @@
         </p:nvSpPr>
         <p:spPr>
           <a:xfrm>
-            <a:off x="678277" y="1453338"/>
-            <a:ext cx="9286600" cy="4545875"/>
+            <a:off x="264379" y="573575"/>
+            <a:ext cx="4205811" cy="2058783"/>
           </a:xfrm>
           <a:prstGeom prst="roundRect">
             <a:avLst/>
@@ -3427,10 +3267,10 @@
       </p:sp>
       <p:pic>
         <p:nvPicPr>
-          <p:cNvPr id="7" name="Google Shape;108;p16">
-            <a:extLst>
-              <a:ext uri="{FF2B5EF4-FFF2-40B4-BE49-F238E27FC236}">
-                <a16:creationId xmlns:a16="http://schemas.microsoft.com/office/drawing/2014/main" id="{5C899957-D644-BD43-99EA-2F81B3D2DE1C}"/>
+          <p:cNvPr id="6" name="Google Shape;108;p16">
+            <a:extLst>
+              <a:ext uri="{FF2B5EF4-FFF2-40B4-BE49-F238E27FC236}">
+                <a16:creationId xmlns:a16="http://schemas.microsoft.com/office/drawing/2014/main" id="{584C2B0D-2955-5A40-A3D1-EA22532BA94E}"/>
               </a:ext>
             </a:extLst>
           </p:cNvPr>
@@ -3447,8 +3287,8 @@
         </p:blipFill>
         <p:spPr>
           <a:xfrm>
-            <a:off x="1073933" y="1524308"/>
-            <a:ext cx="2403559" cy="722300"/>
+            <a:off x="456557" y="660786"/>
+            <a:ext cx="1088549" cy="327123"/>
           </a:xfrm>
           <a:prstGeom prst="rect">
             <a:avLst/>
@@ -3461,10 +3301,10 @@
       </p:pic>
       <p:pic>
         <p:nvPicPr>
-          <p:cNvPr id="8" name="Google Shape;110;p16">
-            <a:extLst>
-              <a:ext uri="{FF2B5EF4-FFF2-40B4-BE49-F238E27FC236}">
-                <a16:creationId xmlns:a16="http://schemas.microsoft.com/office/drawing/2014/main" id="{00EB1BF7-BA3D-1641-9B28-5997908B6062}"/>
+          <p:cNvPr id="7" name="Google Shape;110;p16">
+            <a:extLst>
+              <a:ext uri="{FF2B5EF4-FFF2-40B4-BE49-F238E27FC236}">
+                <a16:creationId xmlns:a16="http://schemas.microsoft.com/office/drawing/2014/main" id="{D701BF15-B041-D345-8256-829625BBF733}"/>
               </a:ext>
             </a:extLst>
           </p:cNvPr>
@@ -3481,8 +3321,8 @@
         </p:blipFill>
         <p:spPr>
           <a:xfrm>
-            <a:off x="6355866" y="2167983"/>
-            <a:ext cx="2215341" cy="722300"/>
+            <a:off x="2848695" y="952300"/>
+            <a:ext cx="1003307" cy="327123"/>
           </a:xfrm>
           <a:prstGeom prst="rect">
             <a:avLst/>
@@ -3495,10 +3335,10 @@
       </p:pic>
       <p:pic>
         <p:nvPicPr>
-          <p:cNvPr id="9" name="Google Shape;111;p16">
-            <a:extLst>
-              <a:ext uri="{FF2B5EF4-FFF2-40B4-BE49-F238E27FC236}">
-                <a16:creationId xmlns:a16="http://schemas.microsoft.com/office/drawing/2014/main" id="{BD360512-26E5-5146-9352-A82E500A60B3}"/>
+          <p:cNvPr id="8" name="Google Shape;111;p16">
+            <a:extLst>
+              <a:ext uri="{FF2B5EF4-FFF2-40B4-BE49-F238E27FC236}">
+                <a16:creationId xmlns:a16="http://schemas.microsoft.com/office/drawing/2014/main" id="{E441E5DD-0015-094D-B8B1-666E1F6BEF01}"/>
               </a:ext>
             </a:extLst>
           </p:cNvPr>
@@ -3515,8 +3355,8 @@
         </p:blipFill>
         <p:spPr>
           <a:xfrm>
-            <a:off x="6268045" y="6267924"/>
-            <a:ext cx="1667207" cy="271208"/>
+            <a:off x="2808920" y="2809124"/>
+            <a:ext cx="755062" cy="122828"/>
           </a:xfrm>
           <a:prstGeom prst="rect">
             <a:avLst/>
@@ -3529,10 +3369,10 @@
       </p:pic>
       <p:pic>
         <p:nvPicPr>
-          <p:cNvPr id="10" name="Google Shape;113;p16">
-            <a:extLst>
-              <a:ext uri="{FF2B5EF4-FFF2-40B4-BE49-F238E27FC236}">
-                <a16:creationId xmlns:a16="http://schemas.microsoft.com/office/drawing/2014/main" id="{B4A5F1A2-68E0-F740-BC88-2E5080636115}"/>
+          <p:cNvPr id="9" name="Google Shape;113;p16">
+            <a:extLst>
+              <a:ext uri="{FF2B5EF4-FFF2-40B4-BE49-F238E27FC236}">
+                <a16:creationId xmlns:a16="http://schemas.microsoft.com/office/drawing/2014/main" id="{C9F55AF9-86BB-154D-8422-39CEEBC7618F}"/>
               </a:ext>
             </a:extLst>
           </p:cNvPr>
@@ -3549,8 +3389,8 @@
         </p:blipFill>
         <p:spPr>
           <a:xfrm>
-            <a:off x="3989914" y="6158816"/>
-            <a:ext cx="1918303" cy="461433"/>
+            <a:off x="1777177" y="2759710"/>
+            <a:ext cx="868781" cy="208979"/>
           </a:xfrm>
           <a:prstGeom prst="rect">
             <a:avLst/>
@@ -3563,10 +3403,10 @@
       </p:pic>
       <p:pic>
         <p:nvPicPr>
-          <p:cNvPr id="11" name="Google Shape;125;p16">
-            <a:extLst>
-              <a:ext uri="{FF2B5EF4-FFF2-40B4-BE49-F238E27FC236}">
-                <a16:creationId xmlns:a16="http://schemas.microsoft.com/office/drawing/2014/main" id="{CD75AD20-C41F-BC4E-8DE9-06759E26F6E1}"/>
+          <p:cNvPr id="10" name="Google Shape;125;p16">
+            <a:extLst>
+              <a:ext uri="{FF2B5EF4-FFF2-40B4-BE49-F238E27FC236}">
+                <a16:creationId xmlns:a16="http://schemas.microsoft.com/office/drawing/2014/main" id="{A0331FAF-42AB-2E48-95DA-FB5A7A1BDACD}"/>
               </a:ext>
             </a:extLst>
           </p:cNvPr>
@@ -3583,8 +3423,8 @@
         </p:blipFill>
         <p:spPr>
           <a:xfrm>
-            <a:off x="4119067" y="4880797"/>
-            <a:ext cx="1352820" cy="271233"/>
+            <a:off x="1835669" y="2180909"/>
+            <a:ext cx="612679" cy="122839"/>
           </a:xfrm>
           <a:prstGeom prst="rect">
             <a:avLst/>
@@ -3597,10 +3437,10 @@
       </p:pic>
       <p:pic>
         <p:nvPicPr>
-          <p:cNvPr id="12" name="Google Shape;128;p16">
-            <a:extLst>
-              <a:ext uri="{FF2B5EF4-FFF2-40B4-BE49-F238E27FC236}">
-                <a16:creationId xmlns:a16="http://schemas.microsoft.com/office/drawing/2014/main" id="{653A831A-6C46-4E46-8F96-9E1001F4C767}"/>
+          <p:cNvPr id="11" name="Google Shape;128;p16">
+            <a:extLst>
+              <a:ext uri="{FF2B5EF4-FFF2-40B4-BE49-F238E27FC236}">
+                <a16:creationId xmlns:a16="http://schemas.microsoft.com/office/drawing/2014/main" id="{BE968728-D6EA-7A4C-A6C3-A6A22C72AA93}"/>
               </a:ext>
             </a:extLst>
           </p:cNvPr>
@@ -3617,8 +3457,8 @@
         </p:blipFill>
         <p:spPr>
           <a:xfrm>
-            <a:off x="11142635" y="1730570"/>
-            <a:ext cx="958533" cy="416533"/>
+            <a:off x="5016575" y="754200"/>
+            <a:ext cx="434110" cy="188644"/>
           </a:xfrm>
           <a:prstGeom prst="rect">
             <a:avLst/>
@@ -3631,10 +3471,10 @@
       </p:pic>
       <p:pic>
         <p:nvPicPr>
-          <p:cNvPr id="13" name="Google Shape;135;p16">
-            <a:extLst>
-              <a:ext uri="{FF2B5EF4-FFF2-40B4-BE49-F238E27FC236}">
-                <a16:creationId xmlns:a16="http://schemas.microsoft.com/office/drawing/2014/main" id="{0C698026-7A6B-FA44-8CE3-5635609BD870}"/>
+          <p:cNvPr id="12" name="Google Shape;135;p16">
+            <a:extLst>
+              <a:ext uri="{FF2B5EF4-FFF2-40B4-BE49-F238E27FC236}">
+                <a16:creationId xmlns:a16="http://schemas.microsoft.com/office/drawing/2014/main" id="{2383FF6B-0E23-544F-B8A0-5DA17202C10A}"/>
               </a:ext>
             </a:extLst>
           </p:cNvPr>
@@ -3651,8 +3491,8 @@
         </p:blipFill>
         <p:spPr>
           <a:xfrm>
-            <a:off x="11190860" y="80402"/>
-            <a:ext cx="722400" cy="722400"/>
+            <a:off x="5038416" y="6855"/>
+            <a:ext cx="327168" cy="327168"/>
           </a:xfrm>
           <a:prstGeom prst="rect">
             <a:avLst/>
@@ -3665,10 +3505,10 @@
       </p:pic>
       <p:pic>
         <p:nvPicPr>
-          <p:cNvPr id="14" name="Google Shape;141;p16">
-            <a:extLst>
-              <a:ext uri="{FF2B5EF4-FFF2-40B4-BE49-F238E27FC236}">
-                <a16:creationId xmlns:a16="http://schemas.microsoft.com/office/drawing/2014/main" id="{2AC8E66F-950C-F847-8410-487229A60341}"/>
+          <p:cNvPr id="13" name="Google Shape;141;p16">
+            <a:extLst>
+              <a:ext uri="{FF2B5EF4-FFF2-40B4-BE49-F238E27FC236}">
+                <a16:creationId xmlns:a16="http://schemas.microsoft.com/office/drawing/2014/main" id="{F07C8785-56A6-8C46-BD0A-DE25918604B0}"/>
               </a:ext>
             </a:extLst>
           </p:cNvPr>
@@ -3685,8 +3525,8 @@
         </p:blipFill>
         <p:spPr>
           <a:xfrm>
-            <a:off x="10318380" y="77000"/>
-            <a:ext cx="657400" cy="657400"/>
+            <a:off x="4643278" y="5314"/>
+            <a:ext cx="297730" cy="297730"/>
           </a:xfrm>
           <a:prstGeom prst="rect">
             <a:avLst/>
@@ -3699,10 +3539,10 @@
       </p:pic>
       <p:pic>
         <p:nvPicPr>
-          <p:cNvPr id="15" name="Google Shape;107;p16">
-            <a:extLst>
-              <a:ext uri="{FF2B5EF4-FFF2-40B4-BE49-F238E27FC236}">
-                <a16:creationId xmlns:a16="http://schemas.microsoft.com/office/drawing/2014/main" id="{7110F417-6C8D-6E4D-B0C5-E6AC02565531}"/>
+          <p:cNvPr id="14" name="Google Shape;107;p16">
+            <a:extLst>
+              <a:ext uri="{FF2B5EF4-FFF2-40B4-BE49-F238E27FC236}">
+                <a16:creationId xmlns:a16="http://schemas.microsoft.com/office/drawing/2014/main" id="{A5026CC8-F8E7-174F-B789-6EF7DECD627F}"/>
               </a:ext>
             </a:extLst>
           </p:cNvPr>
@@ -3719,8 +3559,8 @@
         </p:blipFill>
         <p:spPr>
           <a:xfrm>
-            <a:off x="9964877" y="881573"/>
-            <a:ext cx="988716" cy="1208448"/>
+            <a:off x="4483180" y="369697"/>
+            <a:ext cx="447780" cy="547295"/>
           </a:xfrm>
           <a:prstGeom prst="rect">
             <a:avLst/>
@@ -3733,10 +3573,10 @@
       </p:pic>
       <p:pic>
         <p:nvPicPr>
-          <p:cNvPr id="16" name="Picture 15">
-            <a:extLst>
-              <a:ext uri="{FF2B5EF4-FFF2-40B4-BE49-F238E27FC236}">
-                <a16:creationId xmlns:a16="http://schemas.microsoft.com/office/drawing/2014/main" id="{2D3172EF-F247-1546-9B25-F6026297BED9}"/>
+          <p:cNvPr id="15" name="Picture 14">
+            <a:extLst>
+              <a:ext uri="{FF2B5EF4-FFF2-40B4-BE49-F238E27FC236}">
+                <a16:creationId xmlns:a16="http://schemas.microsoft.com/office/drawing/2014/main" id="{5DA52178-9A13-D54B-8C4D-D171D0AF519E}"/>
               </a:ext>
             </a:extLst>
           </p:cNvPr>
@@ -3753,8 +3593,8 @@
         </p:blipFill>
         <p:spPr>
           <a:xfrm>
-            <a:off x="8558544" y="4152992"/>
-            <a:ext cx="1406333" cy="1839906"/>
+            <a:off x="3846266" y="1851292"/>
+            <a:ext cx="636915" cy="833276"/>
           </a:xfrm>
           <a:prstGeom prst="rect">
             <a:avLst/>
@@ -3763,10 +3603,10 @@
       </p:pic>
       <p:sp>
         <p:nvSpPr>
-          <p:cNvPr id="17" name="Rectangle 16">
-            <a:extLst>
-              <a:ext uri="{FF2B5EF4-FFF2-40B4-BE49-F238E27FC236}">
-                <a16:creationId xmlns:a16="http://schemas.microsoft.com/office/drawing/2014/main" id="{FBEF7987-53D9-D04A-9E17-A2800309A841}"/>
+          <p:cNvPr id="16" name="Rectangle 15">
+            <a:extLst>
+              <a:ext uri="{FF2B5EF4-FFF2-40B4-BE49-F238E27FC236}">
+                <a16:creationId xmlns:a16="http://schemas.microsoft.com/office/drawing/2014/main" id="{769B3570-1F55-2A40-931E-0E2C7B686A2C}"/>
               </a:ext>
             </a:extLst>
           </p:cNvPr>
@@ -3775,8 +3615,8 @@
         </p:nvSpPr>
         <p:spPr>
           <a:xfrm>
-            <a:off x="8735766" y="3885591"/>
-            <a:ext cx="864339" cy="276999"/>
+            <a:off x="3763070" y="1628478"/>
+            <a:ext cx="697627" cy="230832"/>
           </a:xfrm>
           <a:prstGeom prst="rect">
             <a:avLst/>
@@ -3790,7 +3630,7 @@
           <a:p>
             <a:pPr algn="ctr"/>
             <a:r>
-              <a:rPr lang="en-GB" sz="1200" b="1" dirty="0">
+              <a:rPr lang="en-GB" sz="900" b="1" dirty="0">
                 <a:latin typeface="Consolas" panose="020B0609020204030204" pitchFamily="49" charset="0"/>
                 <a:ea typeface="Roboto Mono"/>
                 <a:cs typeface="Consolas" panose="020B0609020204030204" pitchFamily="49" charset="0"/>
@@ -3798,7 +3638,7 @@
               </a:rPr>
               <a:t>results/</a:t>
             </a:r>
-            <a:endParaRPr lang="en-US" sz="1200" dirty="0">
+            <a:endParaRPr lang="en-US" sz="900" dirty="0">
               <a:latin typeface="PT Sans" panose="020B0503020203020204" pitchFamily="34" charset="77"/>
             </a:endParaRPr>
           </a:p>
@@ -3806,10 +3646,10 @@
       </p:sp>
       <p:pic>
         <p:nvPicPr>
-          <p:cNvPr id="18" name="Graphic 17">
-            <a:extLst>
-              <a:ext uri="{FF2B5EF4-FFF2-40B4-BE49-F238E27FC236}">
-                <a16:creationId xmlns:a16="http://schemas.microsoft.com/office/drawing/2014/main" id="{70E25F50-6547-5A42-9F14-1EC0D3EF4F57}"/>
+          <p:cNvPr id="17" name="Graphic 16">
+            <a:extLst>
+              <a:ext uri="{FF2B5EF4-FFF2-40B4-BE49-F238E27FC236}">
+                <a16:creationId xmlns:a16="http://schemas.microsoft.com/office/drawing/2014/main" id="{C3712947-7B8E-3E45-8649-9BC1E7385ADB}"/>
               </a:ext>
             </a:extLst>
           </p:cNvPr>
@@ -3832,8 +3672,8 @@
         </p:blipFill>
         <p:spPr>
           <a:xfrm>
-            <a:off x="1113618" y="6505545"/>
-            <a:ext cx="849274" cy="286119"/>
+            <a:off x="474530" y="2916741"/>
+            <a:ext cx="384628" cy="129581"/>
           </a:xfrm>
           <a:prstGeom prst="rect">
             <a:avLst/>
@@ -3842,10 +3682,10 @@
       </p:pic>
       <p:sp>
         <p:nvSpPr>
-          <p:cNvPr id="19" name="Rectangle 18">
-            <a:extLst>
-              <a:ext uri="{FF2B5EF4-FFF2-40B4-BE49-F238E27FC236}">
-                <a16:creationId xmlns:a16="http://schemas.microsoft.com/office/drawing/2014/main" id="{6559405B-F0EE-154B-A1DA-D732966DFE18}"/>
+          <p:cNvPr id="18" name="Rectangle 17">
+            <a:extLst>
+              <a:ext uri="{FF2B5EF4-FFF2-40B4-BE49-F238E27FC236}">
+                <a16:creationId xmlns:a16="http://schemas.microsoft.com/office/drawing/2014/main" id="{A65AD2BF-62CF-AD4B-9D8C-580E3BA52FE7}"/>
               </a:ext>
             </a:extLst>
           </p:cNvPr>
@@ -3854,8 +3694,8 @@
         </p:nvSpPr>
         <p:spPr>
           <a:xfrm>
-            <a:off x="5844882" y="2730698"/>
-            <a:ext cx="920445" cy="369332"/>
+            <a:off x="2557041" y="1207149"/>
+            <a:ext cx="537327" cy="219163"/>
           </a:xfrm>
           <a:prstGeom prst="rect">
             <a:avLst/>
@@ -3870,7 +3710,9 @@
             <a:pPr algn="ctr"/>
             <a:r>
               <a:rPr lang="en-US" b="1" dirty="0">
-                <a:latin typeface="PT Sans" panose="020B0503020203020204" pitchFamily="34" charset="77"/>
+                <a:latin typeface="STIXGeneral" pitchFamily="2" charset="2"/>
+                <a:ea typeface="STIXGeneral" pitchFamily="2" charset="2"/>
+                <a:cs typeface="STIXGeneral" pitchFamily="2" charset="2"/>
               </a:rPr>
               <a:t>Explain</a:t>
             </a:r>
@@ -3879,10 +3721,10 @@
       </p:sp>
       <p:sp>
         <p:nvSpPr>
-          <p:cNvPr id="20" name="Rectangle 19">
-            <a:extLst>
-              <a:ext uri="{FF2B5EF4-FFF2-40B4-BE49-F238E27FC236}">
-                <a16:creationId xmlns:a16="http://schemas.microsoft.com/office/drawing/2014/main" id="{87338B42-08C7-1142-A833-AE82BE4F73BD}"/>
+          <p:cNvPr id="19" name="Rectangle 18">
+            <a:extLst>
+              <a:ext uri="{FF2B5EF4-FFF2-40B4-BE49-F238E27FC236}">
+                <a16:creationId xmlns:a16="http://schemas.microsoft.com/office/drawing/2014/main" id="{4CD84BFE-759C-E14C-B9E3-F1F794FDA643}"/>
               </a:ext>
             </a:extLst>
           </p:cNvPr>
@@ -3891,8 +3733,8 @@
         </p:nvSpPr>
         <p:spPr>
           <a:xfrm>
-            <a:off x="1873650" y="2316661"/>
-            <a:ext cx="2135649" cy="369332"/>
+            <a:off x="698799" y="1019635"/>
+            <a:ext cx="1087157" cy="219163"/>
           </a:xfrm>
           <a:prstGeom prst="rect">
             <a:avLst/>
@@ -3907,7 +3749,9 @@
             <a:pPr algn="r"/>
             <a:r>
               <a:rPr lang="en-US" b="1" dirty="0">
-                <a:latin typeface="PT Sans" panose="020B0503020203020204" pitchFamily="34" charset="77"/>
+                <a:latin typeface="STIXGeneral" pitchFamily="2" charset="2"/>
+                <a:ea typeface="STIXGeneral" pitchFamily="2" charset="2"/>
+                <a:cs typeface="STIXGeneral" pitchFamily="2" charset="2"/>
               </a:rPr>
               <a:t>Describe and Relate</a:t>
             </a:r>
@@ -3916,10 +3760,10 @@
       </p:sp>
       <p:sp>
         <p:nvSpPr>
-          <p:cNvPr id="21" name="Rectangle 20">
-            <a:extLst>
-              <a:ext uri="{FF2B5EF4-FFF2-40B4-BE49-F238E27FC236}">
-                <a16:creationId xmlns:a16="http://schemas.microsoft.com/office/drawing/2014/main" id="{68796E13-8ADE-CC40-A740-9D92390DFB03}"/>
+          <p:cNvPr id="20" name="Rectangle 19">
+            <a:extLst>
+              <a:ext uri="{FF2B5EF4-FFF2-40B4-BE49-F238E27FC236}">
+                <a16:creationId xmlns:a16="http://schemas.microsoft.com/office/drawing/2014/main" id="{05E03B24-459D-9A4E-B8B5-DE7F236335B4}"/>
               </a:ext>
             </a:extLst>
           </p:cNvPr>
@@ -3928,8 +3772,8 @@
         </p:nvSpPr>
         <p:spPr>
           <a:xfrm>
-            <a:off x="4902190" y="4472139"/>
-            <a:ext cx="963725" cy="369332"/>
+            <a:off x="2137502" y="1995831"/>
+            <a:ext cx="542136" cy="219163"/>
           </a:xfrm>
           <a:prstGeom prst="rect">
             <a:avLst/>
@@ -3944,7 +3788,9 @@
             <a:pPr algn="ctr"/>
             <a:r>
               <a:rPr lang="en-US" b="1" dirty="0">
-                <a:latin typeface="PT Sans" panose="020B0503020203020204" pitchFamily="34" charset="77"/>
+                <a:latin typeface="STIXGeneral" pitchFamily="2" charset="2"/>
+                <a:ea typeface="STIXGeneral" pitchFamily="2" charset="2"/>
+                <a:cs typeface="STIXGeneral" pitchFamily="2" charset="2"/>
               </a:rPr>
               <a:t>Execute</a:t>
             </a:r>
@@ -3953,10 +3799,10 @@
       </p:sp>
       <p:sp>
         <p:nvSpPr>
-          <p:cNvPr id="22" name="Rectangle 21">
-            <a:extLst>
-              <a:ext uri="{FF2B5EF4-FFF2-40B4-BE49-F238E27FC236}">
-                <a16:creationId xmlns:a16="http://schemas.microsoft.com/office/drawing/2014/main" id="{CEE17544-F1B1-6C43-B587-8627F7DE63A4}"/>
+          <p:cNvPr id="21" name="Rectangle 20">
+            <a:extLst>
+              <a:ext uri="{FF2B5EF4-FFF2-40B4-BE49-F238E27FC236}">
+                <a16:creationId xmlns:a16="http://schemas.microsoft.com/office/drawing/2014/main" id="{B0F81EDC-201E-FE45-8CCF-BCA4D9CABD9B}"/>
               </a:ext>
             </a:extLst>
           </p:cNvPr>
@@ -3965,8 +3811,8 @@
         </p:nvSpPr>
         <p:spPr>
           <a:xfrm>
-            <a:off x="1655158" y="968485"/>
-            <a:ext cx="1566454" cy="369332"/>
+            <a:off x="670387" y="409059"/>
+            <a:ext cx="808235" cy="219163"/>
           </a:xfrm>
           <a:prstGeom prst="rect">
             <a:avLst/>
@@ -3981,7 +3827,9 @@
             <a:pPr algn="ctr"/>
             <a:r>
               <a:rPr lang="en-US" b="1" dirty="0">
-                <a:latin typeface="PT Sans" panose="020B0503020203020204" pitchFamily="34" charset="77"/>
+                <a:latin typeface="STIXGeneral" pitchFamily="2" charset="2"/>
+                <a:ea typeface="STIXGeneral" pitchFamily="2" charset="2"/>
+                <a:cs typeface="STIXGeneral" pitchFamily="2" charset="2"/>
               </a:rPr>
               <a:t>Completeness</a:t>
             </a:r>
@@ -3990,10 +3838,10 @@
       </p:sp>
       <p:sp>
         <p:nvSpPr>
-          <p:cNvPr id="23" name="Rectangle 22">
-            <a:extLst>
-              <a:ext uri="{FF2B5EF4-FFF2-40B4-BE49-F238E27FC236}">
-                <a16:creationId xmlns:a16="http://schemas.microsoft.com/office/drawing/2014/main" id="{89587F52-6543-B445-8015-0686371277B4}"/>
+          <p:cNvPr id="22" name="Rectangle 21">
+            <a:extLst>
+              <a:ext uri="{FF2B5EF4-FFF2-40B4-BE49-F238E27FC236}">
+                <a16:creationId xmlns:a16="http://schemas.microsoft.com/office/drawing/2014/main" id="{CAAFAB3D-4BAD-1D42-B635-A053CB421E45}"/>
               </a:ext>
             </a:extLst>
           </p:cNvPr>
@@ -4002,8 +3850,8 @@
         </p:nvSpPr>
         <p:spPr>
           <a:xfrm>
-            <a:off x="7400131" y="4158181"/>
-            <a:ext cx="1168910" cy="369332"/>
+            <a:off x="3321632" y="1853642"/>
+            <a:ext cx="529389" cy="167267"/>
           </a:xfrm>
           <a:prstGeom prst="rect">
             <a:avLst/>
@@ -4027,10 +3875,10 @@
       </p:sp>
       <p:grpSp>
         <p:nvGrpSpPr>
-          <p:cNvPr id="24" name="Group 23">
-            <a:extLst>
-              <a:ext uri="{FF2B5EF4-FFF2-40B4-BE49-F238E27FC236}">
-                <a16:creationId xmlns:a16="http://schemas.microsoft.com/office/drawing/2014/main" id="{74769E8C-6C6D-2649-A1A8-9BDFA2F80237}"/>
+          <p:cNvPr id="48" name="Group 47">
+            <a:extLst>
+              <a:ext uri="{FF2B5EF4-FFF2-40B4-BE49-F238E27FC236}">
+                <a16:creationId xmlns:a16="http://schemas.microsoft.com/office/drawing/2014/main" id="{392B3000-073B-CF46-93EA-2948C3173CAB}"/>
               </a:ext>
             </a:extLst>
           </p:cNvPr>
@@ -4039,18 +3887,18 @@
         </p:nvGrpSpPr>
         <p:grpSpPr>
           <a:xfrm>
-            <a:off x="10975780" y="2676424"/>
-            <a:ext cx="1208548" cy="562694"/>
-            <a:chOff x="10938168" y="3751185"/>
-            <a:chExt cx="1208548" cy="562694"/>
+            <a:off x="4928020" y="1135668"/>
+            <a:ext cx="605672" cy="331518"/>
+            <a:chOff x="5000797" y="1134413"/>
+            <a:chExt cx="605672" cy="331518"/>
           </a:xfrm>
         </p:grpSpPr>
         <p:grpSp>
           <p:nvGrpSpPr>
-            <p:cNvPr id="25" name="Google Shape;129;p16">
+            <p:cNvPr id="47" name="Group 46">
               <a:extLst>
                 <a:ext uri="{FF2B5EF4-FFF2-40B4-BE49-F238E27FC236}">
-                  <a16:creationId xmlns:a16="http://schemas.microsoft.com/office/drawing/2014/main" id="{ABB8F6DA-472D-8140-B4FA-BBFE48B3D103}"/>
+                  <a16:creationId xmlns:a16="http://schemas.microsoft.com/office/drawing/2014/main" id="{F3DBBBF6-5E9F-C24C-AEE2-B0710F5B589D}"/>
                 </a:ext>
               </a:extLst>
             </p:cNvPr>
@@ -4059,18 +3907,18 @@
           </p:nvGrpSpPr>
           <p:grpSpPr>
             <a:xfrm>
-              <a:off x="10938168" y="3751185"/>
-              <a:ext cx="1148549" cy="240772"/>
-              <a:chOff x="6413" y="1790700"/>
-              <a:chExt cx="7451663" cy="1562100"/>
+              <a:off x="5000797" y="1134413"/>
+              <a:ext cx="513704" cy="133924"/>
+              <a:chOff x="5000797" y="1134413"/>
+              <a:chExt cx="513704" cy="133924"/>
             </a:xfrm>
           </p:grpSpPr>
           <p:pic>
             <p:nvPicPr>
-              <p:cNvPr id="27" name="Google Shape;130;p16">
+              <p:cNvPr id="43" name="Google Shape;130;p16">
                 <a:extLst>
                   <a:ext uri="{FF2B5EF4-FFF2-40B4-BE49-F238E27FC236}">
-                    <a16:creationId xmlns:a16="http://schemas.microsoft.com/office/drawing/2014/main" id="{A229AADA-9239-9441-AE49-3D06587D8DF7}"/>
+                    <a16:creationId xmlns:a16="http://schemas.microsoft.com/office/drawing/2014/main" id="{752B608B-B7C9-834F-B568-5E8FCEBF6472}"/>
                   </a:ext>
                 </a:extLst>
               </p:cNvPr>
@@ -4087,8 +3935,8 @@
             </p:blipFill>
             <p:spPr>
               <a:xfrm>
-                <a:off x="1685925" y="1790700"/>
-                <a:ext cx="5772150" cy="1562100"/>
+                <a:off x="5158805" y="1144467"/>
+                <a:ext cx="355696" cy="96261"/>
               </a:xfrm>
               <a:prstGeom prst="rect">
                 <a:avLst/>
@@ -4101,10 +3949,10 @@
           </p:pic>
           <p:pic>
             <p:nvPicPr>
-              <p:cNvPr id="28" name="Google Shape;131;p16">
+              <p:cNvPr id="44" name="Google Shape;131;p16">
                 <a:extLst>
                   <a:ext uri="{FF2B5EF4-FFF2-40B4-BE49-F238E27FC236}">
-                    <a16:creationId xmlns:a16="http://schemas.microsoft.com/office/drawing/2014/main" id="{6A62F9F9-AAF6-CF43-B649-EA008CA58690}"/>
+                    <a16:creationId xmlns:a16="http://schemas.microsoft.com/office/drawing/2014/main" id="{AE63D9E6-AF13-1549-A73A-42881D489E8A}"/>
                   </a:ext>
                 </a:extLst>
               </p:cNvPr>
@@ -4121,8 +3969,8 @@
             </p:blipFill>
             <p:spPr>
               <a:xfrm>
-                <a:off x="6413" y="1814500"/>
-                <a:ext cx="1552575" cy="1514475"/>
+                <a:off x="5000797" y="1134413"/>
+                <a:ext cx="137294" cy="133924"/>
               </a:xfrm>
               <a:prstGeom prst="rect">
                 <a:avLst/>
@@ -4136,10 +3984,10 @@
         </p:grpSp>
         <p:sp>
           <p:nvSpPr>
-            <p:cNvPr id="26" name="Rectangle 25">
+            <p:cNvPr id="42" name="Rectangle 41">
               <a:extLst>
                 <a:ext uri="{FF2B5EF4-FFF2-40B4-BE49-F238E27FC236}">
-                  <a16:creationId xmlns:a16="http://schemas.microsoft.com/office/drawing/2014/main" id="{2CEFFC44-57BF-C249-A0A4-090D26DE9358}"/>
+                  <a16:creationId xmlns:a16="http://schemas.microsoft.com/office/drawing/2014/main" id="{7E70E917-87FF-DD45-BA08-411D217C8022}"/>
                 </a:ext>
               </a:extLst>
             </p:cNvPr>
@@ -4148,8 +3996,8 @@
           </p:nvSpPr>
           <p:spPr>
             <a:xfrm>
-              <a:off x="11604580" y="3944547"/>
-              <a:ext cx="542136" cy="369332"/>
+              <a:off x="5227839" y="1246768"/>
+              <a:ext cx="378630" cy="219163"/>
             </a:xfrm>
             <a:prstGeom prst="rect">
               <a:avLst/>
@@ -4163,23 +4011,22 @@
             <a:p>
               <a:r>
                 <a:rPr lang="en-US" b="1" dirty="0">
-                  <a:latin typeface="PT Sans" panose="020B0503020203020204" pitchFamily="34" charset="77"/>
+                  <a:latin typeface="STIXGeneral" pitchFamily="2" charset="2"/>
+                  <a:ea typeface="STIXGeneral" pitchFamily="2" charset="2"/>
+                  <a:cs typeface="STIXGeneral" pitchFamily="2" charset="2"/>
                 </a:rPr>
                 <a:t>LFS</a:t>
               </a:r>
-              <a:endParaRPr lang="en-US" dirty="0">
-                <a:latin typeface="PT Sans" panose="020B0503020203020204" pitchFamily="34" charset="77"/>
-              </a:endParaRPr>
             </a:p>
           </p:txBody>
         </p:sp>
       </p:grpSp>
       <p:sp>
         <p:nvSpPr>
-          <p:cNvPr id="29" name="Rectangle 28">
-            <a:extLst>
-              <a:ext uri="{FF2B5EF4-FFF2-40B4-BE49-F238E27FC236}">
-                <a16:creationId xmlns:a16="http://schemas.microsoft.com/office/drawing/2014/main" id="{9BFE62A9-7E3E-5A45-B4F9-A16E4D9D1554}"/>
+          <p:cNvPr id="24" name="Rectangle 23">
+            <a:extLst>
+              <a:ext uri="{FF2B5EF4-FFF2-40B4-BE49-F238E27FC236}">
+                <a16:creationId xmlns:a16="http://schemas.microsoft.com/office/drawing/2014/main" id="{CB21ED5C-0D55-AE48-8331-ECDA3CDE7F4B}"/>
               </a:ext>
             </a:extLst>
           </p:cNvPr>
@@ -4188,8 +4035,8 @@
         </p:nvSpPr>
         <p:spPr>
           <a:xfrm>
-            <a:off x="9353107" y="551799"/>
-            <a:ext cx="944489" cy="369332"/>
+            <a:off x="4148122" y="220346"/>
+            <a:ext cx="543739" cy="219163"/>
           </a:xfrm>
           <a:prstGeom prst="rect">
             <a:avLst/>
@@ -4204,7 +4051,9 @@
             <a:pPr algn="ctr"/>
             <a:r>
               <a:rPr lang="en-US" b="1" dirty="0">
-                <a:latin typeface="PT Sans" panose="020B0503020203020204" pitchFamily="34" charset="77"/>
+                <a:latin typeface="STIXGeneral" pitchFamily="2" charset="2"/>
+                <a:ea typeface="STIXGeneral" pitchFamily="2" charset="2"/>
+                <a:cs typeface="STIXGeneral" pitchFamily="2" charset="2"/>
               </a:rPr>
               <a:t>Identify</a:t>
             </a:r>
@@ -4213,10 +4062,10 @@
       </p:sp>
       <p:sp>
         <p:nvSpPr>
-          <p:cNvPr id="30" name="Rectangle 29">
-            <a:extLst>
-              <a:ext uri="{FF2B5EF4-FFF2-40B4-BE49-F238E27FC236}">
-                <a16:creationId xmlns:a16="http://schemas.microsoft.com/office/drawing/2014/main" id="{0AD34227-A6E2-2740-A0D5-60D873E5A5F5}"/>
+          <p:cNvPr id="25" name="Rectangle 24">
+            <a:extLst>
+              <a:ext uri="{FF2B5EF4-FFF2-40B4-BE49-F238E27FC236}">
+                <a16:creationId xmlns:a16="http://schemas.microsoft.com/office/drawing/2014/main" id="{EFF0BED6-A413-E143-B12F-3C19DC88069B}"/>
               </a:ext>
             </a:extLst>
           </p:cNvPr>
@@ -4225,8 +4074,8 @@
         </p:nvSpPr>
         <p:spPr>
           <a:xfrm>
-            <a:off x="11171856" y="1304806"/>
-            <a:ext cx="835485" cy="369332"/>
+            <a:off x="4976788" y="561376"/>
+            <a:ext cx="484428" cy="219163"/>
           </a:xfrm>
           <a:prstGeom prst="rect">
             <a:avLst/>
@@ -4241,7 +4090,9 @@
             <a:pPr algn="ctr"/>
             <a:r>
               <a:rPr lang="en-US" b="1" dirty="0">
-                <a:latin typeface="PT Sans" panose="020B0503020203020204" pitchFamily="34" charset="77"/>
+                <a:latin typeface="STIXGeneral" pitchFamily="2" charset="2"/>
+                <a:ea typeface="STIXGeneral" pitchFamily="2" charset="2"/>
+                <a:cs typeface="STIXGeneral" pitchFamily="2" charset="2"/>
               </a:rPr>
               <a:t>Access</a:t>
             </a:r>
@@ -4250,10 +4101,10 @@
       </p:sp>
       <p:sp>
         <p:nvSpPr>
-          <p:cNvPr id="31" name="Rectangle 30">
-            <a:extLst>
-              <a:ext uri="{FF2B5EF4-FFF2-40B4-BE49-F238E27FC236}">
-                <a16:creationId xmlns:a16="http://schemas.microsoft.com/office/drawing/2014/main" id="{7FD2CE6E-D1F4-0A4B-A93F-D24110B3F8B1}"/>
+          <p:cNvPr id="26" name="Rectangle 25">
+            <a:extLst>
+              <a:ext uri="{FF2B5EF4-FFF2-40B4-BE49-F238E27FC236}">
+                <a16:creationId xmlns:a16="http://schemas.microsoft.com/office/drawing/2014/main" id="{A15E2A70-81E6-204B-8E89-E18DA75667F8}"/>
               </a:ext>
             </a:extLst>
           </p:cNvPr>
@@ -4262,8 +4113,8 @@
         </p:nvSpPr>
         <p:spPr>
           <a:xfrm>
-            <a:off x="149681" y="6195271"/>
-            <a:ext cx="1266693" cy="369332"/>
+            <a:off x="-26409" y="2776220"/>
+            <a:ext cx="702436" cy="219163"/>
           </a:xfrm>
           <a:prstGeom prst="rect">
             <a:avLst/>
@@ -4278,7 +4129,9 @@
             <a:pPr algn="ctr"/>
             <a:r>
               <a:rPr lang="en-US" b="1" dirty="0">
-                <a:latin typeface="PT Sans" panose="020B0503020203020204" pitchFamily="34" charset="77"/>
+                <a:latin typeface="STIXGeneral" pitchFamily="2" charset="2"/>
+                <a:ea typeface="STIXGeneral" pitchFamily="2" charset="2"/>
+                <a:cs typeface="STIXGeneral" pitchFamily="2" charset="2"/>
               </a:rPr>
               <a:t>Attribution</a:t>
             </a:r>
@@ -4287,10 +4140,10 @@
       </p:sp>
       <p:sp>
         <p:nvSpPr>
-          <p:cNvPr id="32" name="Rectangle 31">
-            <a:extLst>
-              <a:ext uri="{FF2B5EF4-FFF2-40B4-BE49-F238E27FC236}">
-                <a16:creationId xmlns:a16="http://schemas.microsoft.com/office/drawing/2014/main" id="{6FEB0F97-481E-B847-AF8A-27C90E4F5112}"/>
+          <p:cNvPr id="27" name="Rectangle 26">
+            <a:extLst>
+              <a:ext uri="{FF2B5EF4-FFF2-40B4-BE49-F238E27FC236}">
+                <a16:creationId xmlns:a16="http://schemas.microsoft.com/office/drawing/2014/main" id="{991A7FE1-ACED-8046-873B-EEDD544300A9}"/>
               </a:ext>
             </a:extLst>
           </p:cNvPr>
@@ -4299,8 +4152,8 @@
         </p:nvSpPr>
         <p:spPr>
           <a:xfrm>
-            <a:off x="5016568" y="6544374"/>
-            <a:ext cx="2031326" cy="369332"/>
+            <a:off x="2185796" y="2934326"/>
+            <a:ext cx="1032655" cy="219163"/>
           </a:xfrm>
           <a:prstGeom prst="rect">
             <a:avLst/>
@@ -4315,7 +4168,9 @@
             <a:pPr algn="ctr"/>
             <a:r>
               <a:rPr lang="en-US" b="1" dirty="0">
-                <a:latin typeface="PT Sans" panose="020B0503020203020204" pitchFamily="34" charset="77"/>
+                <a:latin typeface="STIXGeneral" pitchFamily="2" charset="2"/>
+                <a:ea typeface="STIXGeneral" pitchFamily="2" charset="2"/>
+                <a:cs typeface="STIXGeneral" pitchFamily="2" charset="2"/>
               </a:rPr>
               <a:t>Software Packages</a:t>
             </a:r>
@@ -4324,10 +4179,10 @@
       </p:sp>
       <p:cxnSp>
         <p:nvCxnSpPr>
-          <p:cNvPr id="33" name="Straight Arrow Connector 32">
-            <a:extLst>
-              <a:ext uri="{FF2B5EF4-FFF2-40B4-BE49-F238E27FC236}">
-                <a16:creationId xmlns:a16="http://schemas.microsoft.com/office/drawing/2014/main" id="{34610078-EB1E-2C47-892B-9DBC27775AF5}"/>
+          <p:cNvPr id="28" name="Straight Arrow Connector 27">
+            <a:extLst>
+              <a:ext uri="{FF2B5EF4-FFF2-40B4-BE49-F238E27FC236}">
+                <a16:creationId xmlns:a16="http://schemas.microsoft.com/office/drawing/2014/main" id="{A837B5D2-A667-1E44-BE9E-4807B74C3647}"/>
               </a:ext>
             </a:extLst>
           </p:cNvPr>
@@ -4336,8 +4191,8 @@
         </p:nvCxnSpPr>
         <p:spPr>
           <a:xfrm flipV="1">
-            <a:off x="9964877" y="3100030"/>
-            <a:ext cx="1348582" cy="1703955"/>
+            <a:off x="4483180" y="1374415"/>
+            <a:ext cx="610760" cy="771705"/>
           </a:xfrm>
           <a:prstGeom prst="straightConnector1">
             <a:avLst/>
@@ -4363,10 +4218,10 @@
       </p:cxnSp>
       <p:cxnSp>
         <p:nvCxnSpPr>
-          <p:cNvPr id="34" name="Straight Arrow Connector 33">
-            <a:extLst>
-              <a:ext uri="{FF2B5EF4-FFF2-40B4-BE49-F238E27FC236}">
-                <a16:creationId xmlns:a16="http://schemas.microsoft.com/office/drawing/2014/main" id="{E3E4F732-BEC0-DD4A-8DEF-CC9504BF5BC0}"/>
+          <p:cNvPr id="29" name="Straight Arrow Connector 28">
+            <a:extLst>
+              <a:ext uri="{FF2B5EF4-FFF2-40B4-BE49-F238E27FC236}">
+                <a16:creationId xmlns:a16="http://schemas.microsoft.com/office/drawing/2014/main" id="{D8456BC0-1AC7-654A-9F69-FCF1CF52D099}"/>
               </a:ext>
             </a:extLst>
           </p:cNvPr>
@@ -4377,8 +4232,8 @@
         </p:nvCxnSpPr>
         <p:spPr>
           <a:xfrm>
-            <a:off x="4816403" y="5311481"/>
-            <a:ext cx="22298" cy="920105"/>
+            <a:off x="2151486" y="2375960"/>
+            <a:ext cx="10099" cy="416707"/>
           </a:xfrm>
           <a:prstGeom prst="straightConnector1">
             <a:avLst/>
@@ -4404,10 +4259,10 @@
       </p:cxnSp>
       <p:cxnSp>
         <p:nvCxnSpPr>
-          <p:cNvPr id="35" name="Straight Arrow Connector 34">
-            <a:extLst>
-              <a:ext uri="{FF2B5EF4-FFF2-40B4-BE49-F238E27FC236}">
-                <a16:creationId xmlns:a16="http://schemas.microsoft.com/office/drawing/2014/main" id="{A8753409-D1A4-C74B-B0BF-195CDC314E24}"/>
+          <p:cNvPr id="30" name="Straight Arrow Connector 29">
+            <a:extLst>
+              <a:ext uri="{FF2B5EF4-FFF2-40B4-BE49-F238E27FC236}">
+                <a16:creationId xmlns:a16="http://schemas.microsoft.com/office/drawing/2014/main" id="{78F84DE9-1E5E-9A4C-85D8-918E3A40091D}"/>
               </a:ext>
             </a:extLst>
           </p:cNvPr>
@@ -4418,8 +4273,8 @@
         </p:nvCxnSpPr>
         <p:spPr>
           <a:xfrm>
-            <a:off x="5107342" y="5275318"/>
-            <a:ext cx="898755" cy="901005"/>
+            <a:off x="2283249" y="2359582"/>
+            <a:ext cx="407038" cy="408057"/>
           </a:xfrm>
           <a:prstGeom prst="straightConnector1">
             <a:avLst/>
@@ -4445,10 +4300,10 @@
       </p:cxnSp>
       <p:cxnSp>
         <p:nvCxnSpPr>
-          <p:cNvPr id="36" name="Straight Arrow Connector 35">
-            <a:extLst>
-              <a:ext uri="{FF2B5EF4-FFF2-40B4-BE49-F238E27FC236}">
-                <a16:creationId xmlns:a16="http://schemas.microsoft.com/office/drawing/2014/main" id="{EB87D824-AD2D-724A-AEC5-4DAAB56D170B}"/>
+          <p:cNvPr id="31" name="Straight Arrow Connector 30">
+            <a:extLst>
+              <a:ext uri="{FF2B5EF4-FFF2-40B4-BE49-F238E27FC236}">
+                <a16:creationId xmlns:a16="http://schemas.microsoft.com/office/drawing/2014/main" id="{B16CFFAF-92FB-734C-92D6-56B0B38FB284}"/>
               </a:ext>
             </a:extLst>
           </p:cNvPr>
@@ -4459,8 +4314,8 @@
         </p:nvCxnSpPr>
         <p:spPr>
           <a:xfrm>
-            <a:off x="2766634" y="2754538"/>
-            <a:ext cx="2014291" cy="2089944"/>
+            <a:off x="1223165" y="1217945"/>
+            <a:ext cx="912253" cy="946516"/>
           </a:xfrm>
           <a:prstGeom prst="straightConnector1">
             <a:avLst/>
@@ -4486,10 +4341,10 @@
       </p:cxnSp>
       <p:cxnSp>
         <p:nvCxnSpPr>
-          <p:cNvPr id="37" name="Straight Arrow Connector 36">
-            <a:extLst>
-              <a:ext uri="{FF2B5EF4-FFF2-40B4-BE49-F238E27FC236}">
-                <a16:creationId xmlns:a16="http://schemas.microsoft.com/office/drawing/2014/main" id="{2893D4C2-5A3A-9548-B170-C76B4D5EDC19}"/>
+          <p:cNvPr id="32" name="Straight Arrow Connector 31">
+            <a:extLst>
+              <a:ext uri="{FF2B5EF4-FFF2-40B4-BE49-F238E27FC236}">
+                <a16:creationId xmlns:a16="http://schemas.microsoft.com/office/drawing/2014/main" id="{C5BFC8FC-6D52-EE4A-AA20-6F2CBDFB822D}"/>
               </a:ext>
             </a:extLst>
           </p:cNvPr>
@@ -4500,8 +4355,206 @@
         </p:nvCxnSpPr>
         <p:spPr>
           <a:xfrm flipH="1">
-            <a:off x="1685360" y="2793474"/>
-            <a:ext cx="729353" cy="3360206"/>
+            <a:off x="733466" y="1235579"/>
+            <a:ext cx="330317" cy="1521805"/>
+          </a:xfrm>
+          <a:prstGeom prst="straightConnector1">
+            <a:avLst/>
+          </a:prstGeom>
+          <a:ln>
+            <a:tailEnd type="triangle"/>
+          </a:ln>
+        </p:spPr>
+        <p:style>
+          <a:lnRef idx="3">
+            <a:schemeClr val="accent1"/>
+          </a:lnRef>
+          <a:fillRef idx="0">
+            <a:schemeClr val="accent1"/>
+          </a:fillRef>
+          <a:effectRef idx="2">
+            <a:schemeClr val="accent1"/>
+          </a:effectRef>
+          <a:fontRef idx="minor">
+            <a:schemeClr val="tx1"/>
+          </a:fontRef>
+        </p:style>
+      </p:cxnSp>
+      <p:cxnSp>
+        <p:nvCxnSpPr>
+          <p:cNvPr id="33" name="Straight Arrow Connector 32">
+            <a:extLst>
+              <a:ext uri="{FF2B5EF4-FFF2-40B4-BE49-F238E27FC236}">
+                <a16:creationId xmlns:a16="http://schemas.microsoft.com/office/drawing/2014/main" id="{0ACF867F-2AC1-1F4B-A8CD-9C73496393A1}"/>
+              </a:ext>
+            </a:extLst>
+          </p:cNvPr>
+          <p:cNvCxnSpPr>
+            <a:cxnSpLocks/>
+          </p:cNvCxnSpPr>
+          <p:nvPr/>
+        </p:nvCxnSpPr>
+        <p:spPr>
+          <a:xfrm>
+            <a:off x="1794817" y="1102270"/>
+            <a:ext cx="980555" cy="55466"/>
+          </a:xfrm>
+          <a:prstGeom prst="straightConnector1">
+            <a:avLst/>
+          </a:prstGeom>
+          <a:ln>
+            <a:tailEnd type="triangle"/>
+          </a:ln>
+        </p:spPr>
+        <p:style>
+          <a:lnRef idx="3">
+            <a:schemeClr val="accent1"/>
+          </a:lnRef>
+          <a:fillRef idx="0">
+            <a:schemeClr val="accent1"/>
+          </a:fillRef>
+          <a:effectRef idx="2">
+            <a:schemeClr val="accent1"/>
+          </a:effectRef>
+          <a:fontRef idx="minor">
+            <a:schemeClr val="tx1"/>
+          </a:fontRef>
+        </p:style>
+      </p:cxnSp>
+      <p:cxnSp>
+        <p:nvCxnSpPr>
+          <p:cNvPr id="34" name="Straight Arrow Connector 33">
+            <a:extLst>
+              <a:ext uri="{FF2B5EF4-FFF2-40B4-BE49-F238E27FC236}">
+                <a16:creationId xmlns:a16="http://schemas.microsoft.com/office/drawing/2014/main" id="{517F8B1D-331F-544C-BEE7-E0737F932A4D}"/>
+              </a:ext>
+            </a:extLst>
+          </p:cNvPr>
+          <p:cNvCxnSpPr>
+            <a:cxnSpLocks/>
+          </p:cNvCxnSpPr>
+          <p:nvPr/>
+        </p:nvCxnSpPr>
+        <p:spPr>
+          <a:xfrm>
+            <a:off x="1473543" y="1246858"/>
+            <a:ext cx="2192237" cy="561459"/>
+          </a:xfrm>
+          <a:prstGeom prst="straightConnector1">
+            <a:avLst/>
+          </a:prstGeom>
+          <a:ln>
+            <a:tailEnd type="triangle"/>
+          </a:ln>
+        </p:spPr>
+        <p:style>
+          <a:lnRef idx="3">
+            <a:schemeClr val="accent1"/>
+          </a:lnRef>
+          <a:fillRef idx="0">
+            <a:schemeClr val="accent1"/>
+          </a:fillRef>
+          <a:effectRef idx="2">
+            <a:schemeClr val="accent1"/>
+          </a:effectRef>
+          <a:fontRef idx="minor">
+            <a:schemeClr val="tx1"/>
+          </a:fontRef>
+        </p:style>
+      </p:cxnSp>
+      <p:pic>
+        <p:nvPicPr>
+          <p:cNvPr id="35" name="Graphic 34">
+            <a:extLst>
+              <a:ext uri="{FF2B5EF4-FFF2-40B4-BE49-F238E27FC236}">
+                <a16:creationId xmlns:a16="http://schemas.microsoft.com/office/drawing/2014/main" id="{9463653C-575B-A441-9E22-11ADF2E89540}"/>
+              </a:ext>
+            </a:extLst>
+          </p:cNvPr>
+          <p:cNvPicPr>
+            <a:picLocks noChangeAspect="1"/>
+          </p:cNvPicPr>
+          <p:nvPr/>
+        </p:nvPicPr>
+        <p:blipFill>
+          <a:blip r:embed="rId18">
+            <a:extLst>
+              <a:ext uri="{96DAC541-7B7A-43D3-8B79-37D633B846F1}">
+                <asvg:svgBlip xmlns:asvg="http://schemas.microsoft.com/office/drawing/2016/SVG/main" r:embed="rId19"/>
+              </a:ext>
+            </a:extLst>
+          </a:blip>
+          <a:stretch>
+            <a:fillRect/>
+          </a:stretch>
+        </p:blipFill>
+        <p:spPr>
+          <a:xfrm>
+            <a:off x="1272650" y="2756193"/>
+            <a:ext cx="365269" cy="125815"/>
+          </a:xfrm>
+          <a:prstGeom prst="rect">
+            <a:avLst/>
+          </a:prstGeom>
+        </p:spPr>
+      </p:pic>
+      <p:sp>
+        <p:nvSpPr>
+          <p:cNvPr id="36" name="Rectangle 35">
+            <a:extLst>
+              <a:ext uri="{FF2B5EF4-FFF2-40B4-BE49-F238E27FC236}">
+                <a16:creationId xmlns:a16="http://schemas.microsoft.com/office/drawing/2014/main" id="{6D4C24B1-088A-A440-8CD2-5E8D02F93597}"/>
+              </a:ext>
+            </a:extLst>
+          </p:cNvPr>
+          <p:cNvSpPr/>
+          <p:nvPr/>
+        </p:nvSpPr>
+        <p:spPr>
+          <a:xfrm>
+            <a:off x="1193033" y="2920598"/>
+            <a:ext cx="524503" cy="219163"/>
+          </a:xfrm>
+          <a:prstGeom prst="rect">
+            <a:avLst/>
+          </a:prstGeom>
+        </p:spPr>
+        <p:txBody>
+          <a:bodyPr wrap="none">
+            <a:spAutoFit/>
+          </a:bodyPr>
+          <a:lstStyle/>
+          <a:p>
+            <a:pPr algn="ctr"/>
+            <a:r>
+              <a:rPr lang="en-US" b="1" dirty="0">
+                <a:latin typeface="STIXGeneral" pitchFamily="2" charset="2"/>
+                <a:ea typeface="STIXGeneral" pitchFamily="2" charset="2"/>
+                <a:cs typeface="STIXGeneral" pitchFamily="2" charset="2"/>
+              </a:rPr>
+              <a:t>License</a:t>
+            </a:r>
+          </a:p>
+        </p:txBody>
+      </p:sp>
+      <p:cxnSp>
+        <p:nvCxnSpPr>
+          <p:cNvPr id="37" name="Straight Arrow Connector 36">
+            <a:extLst>
+              <a:ext uri="{FF2B5EF4-FFF2-40B4-BE49-F238E27FC236}">
+                <a16:creationId xmlns:a16="http://schemas.microsoft.com/office/drawing/2014/main" id="{19AF6C7F-44DB-F248-AA4B-DAC56CF3E4E6}"/>
+              </a:ext>
+            </a:extLst>
+          </p:cNvPr>
+          <p:cNvCxnSpPr>
+            <a:cxnSpLocks/>
+          </p:cNvCxnSpPr>
+          <p:nvPr/>
+        </p:nvCxnSpPr>
+        <p:spPr>
+          <a:xfrm>
+            <a:off x="1142927" y="1242738"/>
+            <a:ext cx="52620" cy="1430303"/>
           </a:xfrm>
           <a:prstGeom prst="straightConnector1">
             <a:avLst/>
@@ -4530,7 +4583,7 @@
           <p:cNvPr id="38" name="Straight Arrow Connector 37">
             <a:extLst>
               <a:ext uri="{FF2B5EF4-FFF2-40B4-BE49-F238E27FC236}">
-                <a16:creationId xmlns:a16="http://schemas.microsoft.com/office/drawing/2014/main" id="{0C42DAA0-E2FC-2A4E-A2CC-A20CC2AD0F9D}"/>
+                <a16:creationId xmlns:a16="http://schemas.microsoft.com/office/drawing/2014/main" id="{C742A0FB-A519-614A-9231-9EFBD96AE649}"/>
               </a:ext>
             </a:extLst>
           </p:cNvPr>
@@ -4540,205 +4593,9 @@
           <p:nvPr/>
         </p:nvCxnSpPr>
         <p:spPr>
-          <a:xfrm>
-            <a:off x="4028865" y="2499120"/>
-            <a:ext cx="2165104" cy="122471"/>
-          </a:xfrm>
-          <a:prstGeom prst="straightConnector1">
-            <a:avLst/>
-          </a:prstGeom>
-          <a:ln>
-            <a:tailEnd type="triangle"/>
-          </a:ln>
-        </p:spPr>
-        <p:style>
-          <a:lnRef idx="3">
-            <a:schemeClr val="accent1"/>
-          </a:lnRef>
-          <a:fillRef idx="0">
-            <a:schemeClr val="accent1"/>
-          </a:fillRef>
-          <a:effectRef idx="2">
-            <a:schemeClr val="accent1"/>
-          </a:effectRef>
-          <a:fontRef idx="minor">
-            <a:schemeClr val="tx1"/>
-          </a:fontRef>
-        </p:style>
-      </p:cxnSp>
-      <p:cxnSp>
-        <p:nvCxnSpPr>
-          <p:cNvPr id="39" name="Straight Arrow Connector 38">
-            <a:extLst>
-              <a:ext uri="{FF2B5EF4-FFF2-40B4-BE49-F238E27FC236}">
-                <a16:creationId xmlns:a16="http://schemas.microsoft.com/office/drawing/2014/main" id="{3709FE1C-3EA1-784F-B4AD-AD55466AD820}"/>
-              </a:ext>
-            </a:extLst>
-          </p:cNvPr>
-          <p:cNvCxnSpPr>
-            <a:cxnSpLocks/>
-          </p:cNvCxnSpPr>
-          <p:nvPr/>
-        </p:nvCxnSpPr>
-        <p:spPr>
-          <a:xfrm>
-            <a:off x="3319477" y="2818378"/>
-            <a:ext cx="4840547" cy="1239724"/>
-          </a:xfrm>
-          <a:prstGeom prst="straightConnector1">
-            <a:avLst/>
-          </a:prstGeom>
-          <a:ln>
-            <a:tailEnd type="triangle"/>
-          </a:ln>
-        </p:spPr>
-        <p:style>
-          <a:lnRef idx="3">
-            <a:schemeClr val="accent1"/>
-          </a:lnRef>
-          <a:fillRef idx="0">
-            <a:schemeClr val="accent1"/>
-          </a:fillRef>
-          <a:effectRef idx="2">
-            <a:schemeClr val="accent1"/>
-          </a:effectRef>
-          <a:fontRef idx="minor">
-            <a:schemeClr val="tx1"/>
-          </a:fontRef>
-        </p:style>
-      </p:cxnSp>
-      <p:pic>
-        <p:nvPicPr>
-          <p:cNvPr id="40" name="Graphic 39">
-            <a:extLst>
-              <a:ext uri="{FF2B5EF4-FFF2-40B4-BE49-F238E27FC236}">
-                <a16:creationId xmlns:a16="http://schemas.microsoft.com/office/drawing/2014/main" id="{2C8B3647-C4CF-E944-9EEE-341882450331}"/>
-              </a:ext>
-            </a:extLst>
-          </p:cNvPr>
-          <p:cNvPicPr>
-            <a:picLocks noChangeAspect="1"/>
-          </p:cNvPicPr>
-          <p:nvPr/>
-        </p:nvPicPr>
-        <p:blipFill>
-          <a:blip r:embed="rId18">
-            <a:extLst>
-              <a:ext uri="{96DAC541-7B7A-43D3-8B79-37D633B846F1}">
-                <asvg:svgBlip xmlns:asvg="http://schemas.microsoft.com/office/drawing/2016/SVG/main" r:embed="rId19"/>
-              </a:ext>
-            </a:extLst>
-          </a:blip>
-          <a:stretch>
-            <a:fillRect/>
-          </a:stretch>
-        </p:blipFill>
-        <p:spPr>
-          <a:xfrm>
-            <a:off x="2875898" y="6151049"/>
-            <a:ext cx="806528" cy="277804"/>
-          </a:xfrm>
-          <a:prstGeom prst="rect">
-            <a:avLst/>
-          </a:prstGeom>
-        </p:spPr>
-      </p:pic>
-      <p:sp>
-        <p:nvSpPr>
-          <p:cNvPr id="41" name="Rectangle 40">
-            <a:extLst>
-              <a:ext uri="{FF2B5EF4-FFF2-40B4-BE49-F238E27FC236}">
-                <a16:creationId xmlns:a16="http://schemas.microsoft.com/office/drawing/2014/main" id="{E9996B0A-B0DA-B948-96CF-35B67919BF41}"/>
-              </a:ext>
-            </a:extLst>
-          </p:cNvPr>
-          <p:cNvSpPr/>
-          <p:nvPr/>
-        </p:nvSpPr>
-        <p:spPr>
-          <a:xfrm>
-            <a:off x="2818138" y="6514063"/>
-            <a:ext cx="922047" cy="369332"/>
-          </a:xfrm>
-          <a:prstGeom prst="rect">
-            <a:avLst/>
-          </a:prstGeom>
-        </p:spPr>
-        <p:txBody>
-          <a:bodyPr wrap="none">
-            <a:spAutoFit/>
-          </a:bodyPr>
-          <a:lstStyle/>
-          <a:p>
-            <a:pPr algn="ctr"/>
-            <a:r>
-              <a:rPr lang="en-US" b="1" dirty="0">
-                <a:latin typeface="PT Sans" panose="020B0503020203020204" pitchFamily="34" charset="77"/>
-              </a:rPr>
-              <a:t>License</a:t>
-            </a:r>
-          </a:p>
-        </p:txBody>
-      </p:sp>
-      <p:cxnSp>
-        <p:nvCxnSpPr>
-          <p:cNvPr id="42" name="Straight Arrow Connector 41">
-            <a:extLst>
-              <a:ext uri="{FF2B5EF4-FFF2-40B4-BE49-F238E27FC236}">
-                <a16:creationId xmlns:a16="http://schemas.microsoft.com/office/drawing/2014/main" id="{5376ADAA-A7B2-4546-9755-346282068924}"/>
-              </a:ext>
-            </a:extLst>
-          </p:cNvPr>
-          <p:cNvCxnSpPr>
-            <a:cxnSpLocks/>
-          </p:cNvCxnSpPr>
-          <p:nvPr/>
-        </p:nvCxnSpPr>
-        <p:spPr>
-          <a:xfrm>
-            <a:off x="2589466" y="2809281"/>
-            <a:ext cx="116186" cy="3158165"/>
-          </a:xfrm>
-          <a:prstGeom prst="straightConnector1">
-            <a:avLst/>
-          </a:prstGeom>
-          <a:ln>
-            <a:tailEnd type="triangle"/>
-          </a:ln>
-        </p:spPr>
-        <p:style>
-          <a:lnRef idx="3">
-            <a:schemeClr val="accent1"/>
-          </a:lnRef>
-          <a:fillRef idx="0">
-            <a:schemeClr val="accent1"/>
-          </a:fillRef>
-          <a:effectRef idx="2">
-            <a:schemeClr val="accent1"/>
-          </a:effectRef>
-          <a:fontRef idx="minor">
-            <a:schemeClr val="tx1"/>
-          </a:fontRef>
-        </p:style>
-      </p:cxnSp>
-      <p:cxnSp>
-        <p:nvCxnSpPr>
-          <p:cNvPr id="43" name="Straight Arrow Connector 42">
-            <a:extLst>
-              <a:ext uri="{FF2B5EF4-FFF2-40B4-BE49-F238E27FC236}">
-                <a16:creationId xmlns:a16="http://schemas.microsoft.com/office/drawing/2014/main" id="{F0BF4437-4130-C94F-BECB-BF686EB1E9FE}"/>
-              </a:ext>
-            </a:extLst>
-          </p:cNvPr>
-          <p:cNvCxnSpPr>
-            <a:cxnSpLocks/>
-          </p:cNvCxnSpPr>
-          <p:nvPr/>
-        </p:nvCxnSpPr>
-        <p:spPr>
           <a:xfrm flipH="1">
-            <a:off x="5849262" y="2900993"/>
-            <a:ext cx="1326652" cy="1632381"/>
+            <a:off x="2619258" y="1284274"/>
+            <a:ext cx="600828" cy="739290"/>
           </a:xfrm>
           <a:prstGeom prst="straightConnector1">
             <a:avLst/>
@@ -4764,10 +4621,10 @@
       </p:cxnSp>
       <p:cxnSp>
         <p:nvCxnSpPr>
-          <p:cNvPr id="44" name="Straight Arrow Connector 43">
-            <a:extLst>
-              <a:ext uri="{FF2B5EF4-FFF2-40B4-BE49-F238E27FC236}">
-                <a16:creationId xmlns:a16="http://schemas.microsoft.com/office/drawing/2014/main" id="{3FB4C3BB-13C6-7B4E-BA51-721A8EB3CFE7}"/>
+          <p:cNvPr id="39" name="Straight Arrow Connector 38">
+            <a:extLst>
+              <a:ext uri="{FF2B5EF4-FFF2-40B4-BE49-F238E27FC236}">
+                <a16:creationId xmlns:a16="http://schemas.microsoft.com/office/drawing/2014/main" id="{B6249E13-BA12-9342-A961-95A2911D065C}"/>
               </a:ext>
             </a:extLst>
           </p:cNvPr>
@@ -4778,8 +4635,8 @@
         </p:nvCxnSpPr>
         <p:spPr>
           <a:xfrm flipH="1">
-            <a:off x="6370869" y="2999390"/>
-            <a:ext cx="901380" cy="3176933"/>
+            <a:off x="2855488" y="1328837"/>
+            <a:ext cx="408226" cy="1438803"/>
           </a:xfrm>
           <a:prstGeom prst="straightConnector1">
             <a:avLst/>
@@ -4805,10 +4662,10 @@
       </p:cxnSp>
       <p:cxnSp>
         <p:nvCxnSpPr>
-          <p:cNvPr id="45" name="Straight Arrow Connector 44">
-            <a:extLst>
-              <a:ext uri="{FF2B5EF4-FFF2-40B4-BE49-F238E27FC236}">
-                <a16:creationId xmlns:a16="http://schemas.microsoft.com/office/drawing/2014/main" id="{69FD80AB-EC9D-EE4F-8213-730CB6FDFF3D}"/>
+          <p:cNvPr id="40" name="Straight Arrow Connector 39">
+            <a:extLst>
+              <a:ext uri="{FF2B5EF4-FFF2-40B4-BE49-F238E27FC236}">
+                <a16:creationId xmlns:a16="http://schemas.microsoft.com/office/drawing/2014/main" id="{5C8263B8-B9B5-B34D-B03D-53689A900F6C}"/>
               </a:ext>
             </a:extLst>
           </p:cNvPr>
@@ -4819,8 +4676,8 @@
         </p:nvCxnSpPr>
         <p:spPr>
           <a:xfrm>
-            <a:off x="7899688" y="3081280"/>
-            <a:ext cx="507345" cy="804311"/>
+            <a:off x="3547877" y="1365925"/>
+            <a:ext cx="229772" cy="364265"/>
           </a:xfrm>
           <a:prstGeom prst="straightConnector1">
             <a:avLst/>
@@ -4847,1954 +4704,7 @@
     </p:spTree>
     <p:extLst>
       <p:ext uri="{BB962C8B-B14F-4D97-AF65-F5344CB8AC3E}">
-        <p14:creationId xmlns:p14="http://schemas.microsoft.com/office/powerpoint/2010/main" val="2908084112"/>
-      </p:ext>
-    </p:extLst>
-  </p:cSld>
-  <p:clrMapOvr>
-    <a:masterClrMapping/>
-  </p:clrMapOvr>
-</p:sld>
-</file>
-
-<file path=ppt/slides/slide2.xml><?xml version="1.0" encoding="utf-8"?>
-<p:sld xmlns:a="http://schemas.openxmlformats.org/drawingml/2006/main" xmlns:r="http://schemas.openxmlformats.org/officeDocument/2006/relationships" xmlns:p="http://schemas.openxmlformats.org/presentationml/2006/main" show="0">
-  <p:cSld>
-    <p:spTree>
-      <p:nvGrpSpPr>
-        <p:cNvPr id="1" name="Shape 105"/>
-        <p:cNvGrpSpPr/>
-        <p:nvPr/>
-      </p:nvGrpSpPr>
-      <p:grpSpPr>
-        <a:xfrm>
-          <a:off x="0" y="0"/>
-          <a:ext cx="0" cy="0"/>
-          <a:chOff x="0" y="0"/>
-          <a:chExt cx="0" cy="0"/>
-        </a:xfrm>
-      </p:grpSpPr>
-      <p:grpSp>
-        <p:nvGrpSpPr>
-          <p:cNvPr id="5" name="Group 4">
-            <a:extLst>
-              <a:ext uri="{FF2B5EF4-FFF2-40B4-BE49-F238E27FC236}">
-                <a16:creationId xmlns:a16="http://schemas.microsoft.com/office/drawing/2014/main" id="{99A5DD78-88E8-734F-9A40-0029755F0EBD}"/>
-              </a:ext>
-            </a:extLst>
-          </p:cNvPr>
-          <p:cNvGrpSpPr/>
-          <p:nvPr/>
-        </p:nvGrpSpPr>
-        <p:grpSpPr>
-          <a:xfrm>
-            <a:off x="258117" y="890282"/>
-            <a:ext cx="10660301" cy="5145246"/>
-            <a:chOff x="363611" y="1360324"/>
-            <a:chExt cx="10660301" cy="5070509"/>
-          </a:xfrm>
-        </p:grpSpPr>
-        <p:sp>
-          <p:nvSpPr>
-            <p:cNvPr id="3" name="Rounded Rectangle 2">
-              <a:extLst>
-                <a:ext uri="{FF2B5EF4-FFF2-40B4-BE49-F238E27FC236}">
-                  <a16:creationId xmlns:a16="http://schemas.microsoft.com/office/drawing/2014/main" id="{1A8020E4-1EDC-B441-B587-BCE279E6DAF9}"/>
-                </a:ext>
-              </a:extLst>
-            </p:cNvPr>
-            <p:cNvSpPr/>
-            <p:nvPr/>
-          </p:nvSpPr>
-          <p:spPr>
-            <a:xfrm>
-              <a:off x="383177" y="1360589"/>
-              <a:ext cx="10640735" cy="5070244"/>
-            </a:xfrm>
-            <a:prstGeom prst="roundRect">
-              <a:avLst/>
-            </a:prstGeom>
-          </p:spPr>
-          <p:style>
-            <a:lnRef idx="1">
-              <a:schemeClr val="accent2"/>
-            </a:lnRef>
-            <a:fillRef idx="2">
-              <a:schemeClr val="accent2"/>
-            </a:fillRef>
-            <a:effectRef idx="1">
-              <a:schemeClr val="accent2"/>
-            </a:effectRef>
-            <a:fontRef idx="minor">
-              <a:schemeClr val="dk1"/>
-            </a:fontRef>
-          </p:style>
-          <p:txBody>
-            <a:bodyPr rtlCol="0" anchor="ctr"/>
-            <a:lstStyle/>
-            <a:p>
-              <a:pPr algn="ctr"/>
-              <a:endParaRPr lang="en-US" dirty="0">
-                <a:latin typeface="PT Sans" panose="020B0503020203020204" pitchFamily="34" charset="77"/>
-              </a:endParaRPr>
-            </a:p>
-          </p:txBody>
-        </p:sp>
-        <p:pic>
-          <p:nvPicPr>
-            <p:cNvPr id="133" name="Google Shape;133;p16"/>
-            <p:cNvPicPr preferRelativeResize="0"/>
-            <p:nvPr/>
-          </p:nvPicPr>
-          <p:blipFill>
-            <a:blip r:embed="rId3">
-              <a:alphaModFix/>
-            </a:blip>
-            <a:stretch>
-              <a:fillRect/>
-            </a:stretch>
-          </p:blipFill>
-          <p:spPr>
-            <a:xfrm>
-              <a:off x="363611" y="1360324"/>
-              <a:ext cx="1276470" cy="361667"/>
-            </a:xfrm>
-            <a:prstGeom prst="rect">
-              <a:avLst/>
-            </a:prstGeom>
-            <a:noFill/>
-            <a:ln>
-              <a:noFill/>
-            </a:ln>
-          </p:spPr>
-        </p:pic>
-      </p:grpSp>
-      <p:sp>
-        <p:nvSpPr>
-          <p:cNvPr id="4" name="Rounded Rectangle 3">
-            <a:extLst>
-              <a:ext uri="{FF2B5EF4-FFF2-40B4-BE49-F238E27FC236}">
-                <a16:creationId xmlns:a16="http://schemas.microsoft.com/office/drawing/2014/main" id="{33B36A9B-99DE-DF44-8740-CA693F630360}"/>
-              </a:ext>
-            </a:extLst>
-          </p:cNvPr>
-          <p:cNvSpPr/>
-          <p:nvPr/>
-        </p:nvSpPr>
-        <p:spPr>
-          <a:xfrm>
-            <a:off x="678277" y="1453338"/>
-            <a:ext cx="9286600" cy="4545875"/>
-          </a:xfrm>
-          <a:prstGeom prst="roundRect">
-            <a:avLst/>
-          </a:prstGeom>
-          <a:solidFill>
-            <a:schemeClr val="tx2">
-              <a:lumMod val="20000"/>
-              <a:lumOff val="80000"/>
-            </a:schemeClr>
-          </a:solidFill>
-        </p:spPr>
-        <p:style>
-          <a:lnRef idx="1">
-            <a:schemeClr val="accent3"/>
-          </a:lnRef>
-          <a:fillRef idx="2">
-            <a:schemeClr val="accent3"/>
-          </a:fillRef>
-          <a:effectRef idx="1">
-            <a:schemeClr val="accent3"/>
-          </a:effectRef>
-          <a:fontRef idx="minor">
-            <a:schemeClr val="dk1"/>
-          </a:fontRef>
-        </p:style>
-        <p:txBody>
-          <a:bodyPr rtlCol="0" anchor="ctr"/>
-          <a:lstStyle/>
-          <a:p>
-            <a:pPr algn="ctr"/>
-            <a:endParaRPr lang="en-US" sz="2000" b="1" dirty="0">
-              <a:latin typeface="PT Sans" panose="020B0503020203020204" pitchFamily="34" charset="77"/>
-            </a:endParaRPr>
-          </a:p>
-        </p:txBody>
-      </p:sp>
-      <p:pic>
-        <p:nvPicPr>
-          <p:cNvPr id="108" name="Google Shape;108;p16"/>
-          <p:cNvPicPr preferRelativeResize="0"/>
-          <p:nvPr/>
-        </p:nvPicPr>
-        <p:blipFill>
-          <a:blip r:embed="rId4">
-            <a:alphaModFix/>
-          </a:blip>
-          <a:stretch>
-            <a:fillRect/>
-          </a:stretch>
-        </p:blipFill>
-        <p:spPr>
-          <a:xfrm>
-            <a:off x="1025343" y="1453338"/>
-            <a:ext cx="2403559" cy="722300"/>
-          </a:xfrm>
-          <a:prstGeom prst="rect">
-            <a:avLst/>
-          </a:prstGeom>
-          <a:noFill/>
-          <a:ln>
-            <a:noFill/>
-          </a:ln>
-        </p:spPr>
-      </p:pic>
-      <p:pic>
-        <p:nvPicPr>
-          <p:cNvPr id="109" name="Google Shape;109;p16"/>
-          <p:cNvPicPr preferRelativeResize="0"/>
-          <p:nvPr/>
-        </p:nvPicPr>
-        <p:blipFill>
-          <a:blip r:embed="rId5">
-            <a:alphaModFix/>
-          </a:blip>
-          <a:stretch>
-            <a:fillRect/>
-          </a:stretch>
-        </p:blipFill>
-        <p:spPr>
-          <a:xfrm>
-            <a:off x="4033968" y="4946247"/>
-            <a:ext cx="988321" cy="624758"/>
-          </a:xfrm>
-          <a:prstGeom prst="rect">
-            <a:avLst/>
-          </a:prstGeom>
-          <a:noFill/>
-          <a:ln>
-            <a:noFill/>
-          </a:ln>
-        </p:spPr>
-      </p:pic>
-      <p:pic>
-        <p:nvPicPr>
-          <p:cNvPr id="110" name="Google Shape;110;p16"/>
-          <p:cNvPicPr preferRelativeResize="0"/>
-          <p:nvPr/>
-        </p:nvPicPr>
-        <p:blipFill>
-          <a:blip r:embed="rId6">
-            <a:alphaModFix/>
-          </a:blip>
-          <a:stretch>
-            <a:fillRect/>
-          </a:stretch>
-        </p:blipFill>
-        <p:spPr>
-          <a:xfrm>
-            <a:off x="6549648" y="1402072"/>
-            <a:ext cx="2215341" cy="722300"/>
-          </a:xfrm>
-          <a:prstGeom prst="rect">
-            <a:avLst/>
-          </a:prstGeom>
-          <a:noFill/>
-          <a:ln>
-            <a:noFill/>
-          </a:ln>
-        </p:spPr>
-      </p:pic>
-      <p:pic>
-        <p:nvPicPr>
-          <p:cNvPr id="111" name="Google Shape;111;p16"/>
-          <p:cNvPicPr preferRelativeResize="0"/>
-          <p:nvPr/>
-        </p:nvPicPr>
-        <p:blipFill>
-          <a:blip r:embed="rId7">
-            <a:alphaModFix/>
-          </a:blip>
-          <a:stretch>
-            <a:fillRect/>
-          </a:stretch>
-        </p:blipFill>
-        <p:spPr>
-          <a:xfrm>
-            <a:off x="5965331" y="6285431"/>
-            <a:ext cx="1667207" cy="271208"/>
-          </a:xfrm>
-          <a:prstGeom prst="rect">
-            <a:avLst/>
-          </a:prstGeom>
-          <a:noFill/>
-          <a:ln>
-            <a:noFill/>
-          </a:ln>
-        </p:spPr>
-      </p:pic>
-      <p:pic>
-        <p:nvPicPr>
-          <p:cNvPr id="113" name="Google Shape;113;p16"/>
-          <p:cNvPicPr preferRelativeResize="0"/>
-          <p:nvPr/>
-        </p:nvPicPr>
-        <p:blipFill>
-          <a:blip r:embed="rId8">
-            <a:alphaModFix/>
-          </a:blip>
-          <a:stretch>
-            <a:fillRect/>
-          </a:stretch>
-        </p:blipFill>
-        <p:spPr>
-          <a:xfrm>
-            <a:off x="3687200" y="6176323"/>
-            <a:ext cx="1918303" cy="461433"/>
-          </a:xfrm>
-          <a:prstGeom prst="rect">
-            <a:avLst/>
-          </a:prstGeom>
-          <a:noFill/>
-          <a:ln>
-            <a:noFill/>
-          </a:ln>
-        </p:spPr>
-      </p:pic>
-      <p:pic>
-        <p:nvPicPr>
-          <p:cNvPr id="114" name="Google Shape;114;p16"/>
-          <p:cNvPicPr preferRelativeResize="0"/>
-          <p:nvPr/>
-        </p:nvPicPr>
-        <p:blipFill>
-          <a:blip r:embed="rId9">
-            <a:alphaModFix/>
-          </a:blip>
-          <a:stretch>
-            <a:fillRect/>
-          </a:stretch>
-        </p:blipFill>
-        <p:spPr>
-          <a:xfrm>
-            <a:off x="5277658" y="4982033"/>
-            <a:ext cx="567224" cy="657400"/>
-          </a:xfrm>
-          <a:prstGeom prst="rect">
-            <a:avLst/>
-          </a:prstGeom>
-          <a:noFill/>
-          <a:ln>
-            <a:noFill/>
-          </a:ln>
-        </p:spPr>
-      </p:pic>
-      <p:pic>
-        <p:nvPicPr>
-          <p:cNvPr id="115" name="Google Shape;115;p16"/>
-          <p:cNvPicPr preferRelativeResize="0"/>
-          <p:nvPr/>
-        </p:nvPicPr>
-        <p:blipFill>
-          <a:blip r:embed="rId10">
-            <a:alphaModFix/>
-          </a:blip>
-          <a:stretch>
-            <a:fillRect/>
-          </a:stretch>
-        </p:blipFill>
-        <p:spPr>
-          <a:xfrm>
-            <a:off x="5494012" y="4642628"/>
-            <a:ext cx="912270" cy="322715"/>
-          </a:xfrm>
-          <a:prstGeom prst="rect">
-            <a:avLst/>
-          </a:prstGeom>
-          <a:noFill/>
-          <a:ln>
-            <a:noFill/>
-          </a:ln>
-        </p:spPr>
-      </p:pic>
-      <p:pic>
-        <p:nvPicPr>
-          <p:cNvPr id="125" name="Google Shape;125;p16"/>
-          <p:cNvPicPr preferRelativeResize="0"/>
-          <p:nvPr/>
-        </p:nvPicPr>
-        <p:blipFill>
-          <a:blip r:embed="rId11">
-            <a:alphaModFix/>
-          </a:blip>
-          <a:stretch>
-            <a:fillRect/>
-          </a:stretch>
-        </p:blipFill>
-        <p:spPr>
-          <a:xfrm>
-            <a:off x="4033968" y="4651571"/>
-            <a:ext cx="1352820" cy="271233"/>
-          </a:xfrm>
-          <a:prstGeom prst="rect">
-            <a:avLst/>
-          </a:prstGeom>
-          <a:noFill/>
-          <a:ln>
-            <a:noFill/>
-          </a:ln>
-        </p:spPr>
-      </p:pic>
-      <p:pic>
-        <p:nvPicPr>
-          <p:cNvPr id="127" name="Google Shape;127;p16"/>
-          <p:cNvPicPr preferRelativeResize="0"/>
-          <p:nvPr/>
-        </p:nvPicPr>
-        <p:blipFill>
-          <a:blip r:embed="rId12">
-            <a:alphaModFix/>
-          </a:blip>
-          <a:stretch>
-            <a:fillRect/>
-          </a:stretch>
-        </p:blipFill>
-        <p:spPr>
-          <a:xfrm>
-            <a:off x="7053487" y="277950"/>
-            <a:ext cx="1429400" cy="416543"/>
-          </a:xfrm>
-          <a:prstGeom prst="rect">
-            <a:avLst/>
-          </a:prstGeom>
-          <a:noFill/>
-          <a:ln>
-            <a:noFill/>
-          </a:ln>
-        </p:spPr>
-      </p:pic>
-      <p:pic>
-        <p:nvPicPr>
-          <p:cNvPr id="128" name="Google Shape;128;p16"/>
-          <p:cNvPicPr preferRelativeResize="0"/>
-          <p:nvPr/>
-        </p:nvPicPr>
-        <p:blipFill>
-          <a:blip r:embed="rId13">
-            <a:alphaModFix/>
-          </a:blip>
-          <a:stretch>
-            <a:fillRect/>
-          </a:stretch>
-        </p:blipFill>
-        <p:spPr>
-          <a:xfrm>
-            <a:off x="11053967" y="764918"/>
-            <a:ext cx="958533" cy="416533"/>
-          </a:xfrm>
-          <a:prstGeom prst="rect">
-            <a:avLst/>
-          </a:prstGeom>
-          <a:noFill/>
-          <a:ln>
-            <a:noFill/>
-          </a:ln>
-        </p:spPr>
-      </p:pic>
-      <p:grpSp>
-        <p:nvGrpSpPr>
-          <p:cNvPr id="129" name="Google Shape;129;p16"/>
-          <p:cNvGrpSpPr/>
-          <p:nvPr/>
-        </p:nvGrpSpPr>
-        <p:grpSpPr>
-          <a:xfrm>
-            <a:off x="10980710" y="4724116"/>
-            <a:ext cx="1148549" cy="240772"/>
-            <a:chOff x="6413" y="1790700"/>
-            <a:chExt cx="7451663" cy="1562100"/>
-          </a:xfrm>
-        </p:grpSpPr>
-        <p:pic>
-          <p:nvPicPr>
-            <p:cNvPr id="130" name="Google Shape;130;p16"/>
-            <p:cNvPicPr preferRelativeResize="0"/>
-            <p:nvPr/>
-          </p:nvPicPr>
-          <p:blipFill>
-            <a:blip r:embed="rId14">
-              <a:alphaModFix/>
-            </a:blip>
-            <a:stretch>
-              <a:fillRect/>
-            </a:stretch>
-          </p:blipFill>
-          <p:spPr>
-            <a:xfrm>
-              <a:off x="1685925" y="1790700"/>
-              <a:ext cx="5772150" cy="1562100"/>
-            </a:xfrm>
-            <a:prstGeom prst="rect">
-              <a:avLst/>
-            </a:prstGeom>
-            <a:noFill/>
-            <a:ln>
-              <a:noFill/>
-            </a:ln>
-          </p:spPr>
-        </p:pic>
-        <p:pic>
-          <p:nvPicPr>
-            <p:cNvPr id="131" name="Google Shape;131;p16"/>
-            <p:cNvPicPr preferRelativeResize="0"/>
-            <p:nvPr/>
-          </p:nvPicPr>
-          <p:blipFill>
-            <a:blip r:embed="rId15">
-              <a:alphaModFix/>
-            </a:blip>
-            <a:stretch>
-              <a:fillRect/>
-            </a:stretch>
-          </p:blipFill>
-          <p:spPr>
-            <a:xfrm>
-              <a:off x="6413" y="1814500"/>
-              <a:ext cx="1552575" cy="1514475"/>
-            </a:xfrm>
-            <a:prstGeom prst="rect">
-              <a:avLst/>
-            </a:prstGeom>
-            <a:noFill/>
-            <a:ln>
-              <a:noFill/>
-            </a:ln>
-          </p:spPr>
-        </p:pic>
-      </p:grpSp>
-      <p:pic>
-        <p:nvPicPr>
-          <p:cNvPr id="135" name="Google Shape;135;p16"/>
-          <p:cNvPicPr preferRelativeResize="0"/>
-          <p:nvPr/>
-        </p:nvPicPr>
-        <p:blipFill>
-          <a:blip r:embed="rId16">
-            <a:alphaModFix/>
-          </a:blip>
-          <a:stretch>
-            <a:fillRect/>
-          </a:stretch>
-        </p:blipFill>
-        <p:spPr>
-          <a:xfrm>
-            <a:off x="11155557" y="-9"/>
-            <a:ext cx="722400" cy="722400"/>
-          </a:xfrm>
-          <a:prstGeom prst="rect">
-            <a:avLst/>
-          </a:prstGeom>
-          <a:noFill/>
-          <a:ln>
-            <a:noFill/>
-          </a:ln>
-        </p:spPr>
-      </p:pic>
-      <p:pic>
-        <p:nvPicPr>
-          <p:cNvPr id="141" name="Google Shape;141;p16"/>
-          <p:cNvPicPr preferRelativeResize="0"/>
-          <p:nvPr/>
-        </p:nvPicPr>
-        <p:blipFill>
-          <a:blip r:embed="rId17">
-            <a:alphaModFix/>
-          </a:blip>
-          <a:stretch>
-            <a:fillRect/>
-          </a:stretch>
-        </p:blipFill>
-        <p:spPr>
-          <a:xfrm>
-            <a:off x="10399880" y="53027"/>
-            <a:ext cx="657400" cy="657400"/>
-          </a:xfrm>
-          <a:prstGeom prst="rect">
-            <a:avLst/>
-          </a:prstGeom>
-          <a:noFill/>
-          <a:ln>
-            <a:noFill/>
-          </a:ln>
-        </p:spPr>
-      </p:pic>
-      <p:pic>
-        <p:nvPicPr>
-          <p:cNvPr id="107" name="Google Shape;107;p16"/>
-          <p:cNvPicPr preferRelativeResize="0"/>
-          <p:nvPr/>
-        </p:nvPicPr>
-        <p:blipFill>
-          <a:blip r:embed="rId18">
-            <a:alphaModFix/>
-          </a:blip>
-          <a:stretch>
-            <a:fillRect/>
-          </a:stretch>
-        </p:blipFill>
-        <p:spPr>
-          <a:xfrm>
-            <a:off x="9964877" y="881573"/>
-            <a:ext cx="988716" cy="1208448"/>
-          </a:xfrm>
-          <a:prstGeom prst="rect">
-            <a:avLst/>
-          </a:prstGeom>
-          <a:noFill/>
-          <a:ln>
-            <a:noFill/>
-          </a:ln>
-        </p:spPr>
-      </p:pic>
-      <p:sp>
-        <p:nvSpPr>
-          <p:cNvPr id="46" name="Google Shape;145;p16">
-            <a:extLst>
-              <a:ext uri="{FF2B5EF4-FFF2-40B4-BE49-F238E27FC236}">
-                <a16:creationId xmlns:a16="http://schemas.microsoft.com/office/drawing/2014/main" id="{C944D140-C9B8-5A4D-B034-3B2F3639C743}"/>
-              </a:ext>
-            </a:extLst>
-          </p:cNvPr>
-          <p:cNvSpPr txBox="1"/>
-          <p:nvPr/>
-        </p:nvSpPr>
-        <p:spPr>
-          <a:xfrm>
-            <a:off x="1843477" y="781668"/>
-            <a:ext cx="2952000" cy="693200"/>
-          </a:xfrm>
-          <a:prstGeom prst="rect">
-            <a:avLst/>
-          </a:prstGeom>
-          <a:noFill/>
-          <a:ln>
-            <a:noFill/>
-          </a:ln>
-        </p:spPr>
-        <p:txBody>
-          <a:bodyPr spcFirstLastPara="1" wrap="square" lIns="121900" tIns="121900" rIns="121900" bIns="121900" anchor="t" anchorCtr="0">
-            <a:noAutofit/>
-          </a:bodyPr>
-          <a:lstStyle/>
-          <a:p>
-            <a:r>
-              <a:rPr lang="en" sz="800" b="1" dirty="0">
-                <a:latin typeface="Consolas" panose="020B0609020204030204" pitchFamily="49" charset="0"/>
-                <a:ea typeface="Roboto Mono"/>
-                <a:cs typeface="Consolas" panose="020B0609020204030204" pitchFamily="49" charset="0"/>
-                <a:sym typeface="Roboto Mono"/>
-              </a:rPr>
-              <a:t>manifest-sha512.txt</a:t>
-            </a:r>
-            <a:endParaRPr sz="800" b="1" dirty="0">
-              <a:latin typeface="Consolas" panose="020B0609020204030204" pitchFamily="49" charset="0"/>
-              <a:ea typeface="Roboto Mono"/>
-              <a:cs typeface="Consolas" panose="020B0609020204030204" pitchFamily="49" charset="0"/>
-              <a:sym typeface="Roboto Mono"/>
-            </a:endParaRPr>
-          </a:p>
-          <a:p>
-            <a:r>
-              <a:rPr lang="en" sz="800" dirty="0">
-                <a:latin typeface="Consolas" panose="020B0609020204030204" pitchFamily="49" charset="0"/>
-                <a:ea typeface="Roboto Mono"/>
-                <a:cs typeface="Consolas" panose="020B0609020204030204" pitchFamily="49" charset="0"/>
-                <a:sym typeface="Roboto Mono"/>
-              </a:rPr>
-              <a:t>a0ae93…77fb  data/</a:t>
-            </a:r>
-            <a:r>
-              <a:rPr lang="en" sz="800" dirty="0" err="1">
-                <a:latin typeface="Consolas" panose="020B0609020204030204" pitchFamily="49" charset="0"/>
-                <a:ea typeface="Roboto Mono"/>
-                <a:cs typeface="Consolas" panose="020B0609020204030204" pitchFamily="49" charset="0"/>
-                <a:sym typeface="Roboto Mono"/>
-              </a:rPr>
-              <a:t>ro</a:t>
-            </a:r>
-            <a:r>
-              <a:rPr lang="en" sz="800" dirty="0">
-                <a:latin typeface="Consolas" panose="020B0609020204030204" pitchFamily="49" charset="0"/>
-                <a:ea typeface="Roboto Mono"/>
-                <a:cs typeface="Consolas" panose="020B0609020204030204" pitchFamily="49" charset="0"/>
-                <a:sym typeface="Roboto Mono"/>
-              </a:rPr>
-              <a:t>-crate-</a:t>
-            </a:r>
-            <a:r>
-              <a:rPr lang="en" sz="800" dirty="0" err="1">
-                <a:latin typeface="Consolas" panose="020B0609020204030204" pitchFamily="49" charset="0"/>
-                <a:ea typeface="Roboto Mono"/>
-                <a:cs typeface="Consolas" panose="020B0609020204030204" pitchFamily="49" charset="0"/>
-                <a:sym typeface="Roboto Mono"/>
-              </a:rPr>
-              <a:t>metadata.json</a:t>
-            </a:r>
-            <a:endParaRPr sz="800" dirty="0">
-              <a:latin typeface="Consolas" panose="020B0609020204030204" pitchFamily="49" charset="0"/>
-              <a:ea typeface="Roboto Mono"/>
-              <a:cs typeface="Consolas" panose="020B0609020204030204" pitchFamily="49" charset="0"/>
-              <a:sym typeface="Roboto Mono"/>
-            </a:endParaRPr>
-          </a:p>
-          <a:p>
-            <a:pPr>
-              <a:buClr>
-                <a:schemeClr val="dk1"/>
-              </a:buClr>
-              <a:buSzPts val="1100"/>
-            </a:pPr>
-            <a:r>
-              <a:rPr lang="en" sz="800" dirty="0">
-                <a:solidFill>
-                  <a:schemeClr val="dk1"/>
-                </a:solidFill>
-                <a:latin typeface="Consolas" panose="020B0609020204030204" pitchFamily="49" charset="0"/>
-                <a:ea typeface="Roboto Mono"/>
-                <a:cs typeface="Consolas" panose="020B0609020204030204" pitchFamily="49" charset="0"/>
-                <a:sym typeface="Roboto Mono"/>
-              </a:rPr>
-              <a:t>a2f562…f3fa  data/</a:t>
-            </a:r>
-            <a:r>
-              <a:rPr lang="en" sz="800" dirty="0" err="1">
-                <a:solidFill>
-                  <a:schemeClr val="dk1"/>
-                </a:solidFill>
-                <a:latin typeface="Consolas" panose="020B0609020204030204" pitchFamily="49" charset="0"/>
-                <a:ea typeface="Roboto Mono"/>
-                <a:cs typeface="Consolas" panose="020B0609020204030204" pitchFamily="49" charset="0"/>
-                <a:sym typeface="Roboto Mono"/>
-              </a:rPr>
-              <a:t>workflow.cwl</a:t>
-            </a:r>
-            <a:br>
-              <a:rPr lang="en" sz="800" dirty="0">
-                <a:solidFill>
-                  <a:schemeClr val="dk1"/>
-                </a:solidFill>
-                <a:latin typeface="Consolas" panose="020B0609020204030204" pitchFamily="49" charset="0"/>
-                <a:ea typeface="Roboto Mono"/>
-                <a:cs typeface="Consolas" panose="020B0609020204030204" pitchFamily="49" charset="0"/>
-                <a:sym typeface="Roboto Mono"/>
-              </a:rPr>
-            </a:br>
-            <a:r>
-              <a:rPr lang="en" sz="800" dirty="0">
-                <a:solidFill>
-                  <a:schemeClr val="dk1"/>
-                </a:solidFill>
-                <a:latin typeface="Consolas" panose="020B0609020204030204" pitchFamily="49" charset="0"/>
-                <a:ea typeface="Roboto Mono"/>
-                <a:cs typeface="Consolas" panose="020B0609020204030204" pitchFamily="49" charset="0"/>
-                <a:sym typeface="Roboto Mono"/>
-              </a:rPr>
-              <a:t>481bb7…10b7  data/chipseq_20200910.json</a:t>
-            </a:r>
-            <a:endParaRPr sz="800" dirty="0">
-              <a:solidFill>
-                <a:schemeClr val="dk1"/>
-              </a:solidFill>
-              <a:latin typeface="Consolas" panose="020B0609020204030204" pitchFamily="49" charset="0"/>
-              <a:ea typeface="Roboto Mono"/>
-              <a:cs typeface="Consolas" panose="020B0609020204030204" pitchFamily="49" charset="0"/>
-              <a:sym typeface="Roboto Mono"/>
-            </a:endParaRPr>
-          </a:p>
-        </p:txBody>
-      </p:sp>
-      <p:sp>
-        <p:nvSpPr>
-          <p:cNvPr id="47" name="Google Shape;144;p16">
-            <a:extLst>
-              <a:ext uri="{FF2B5EF4-FFF2-40B4-BE49-F238E27FC236}">
-                <a16:creationId xmlns:a16="http://schemas.microsoft.com/office/drawing/2014/main" id="{2DDB6181-7D07-C54F-A497-41C6A51DD476}"/>
-              </a:ext>
-            </a:extLst>
-          </p:cNvPr>
-          <p:cNvSpPr txBox="1"/>
-          <p:nvPr/>
-        </p:nvSpPr>
-        <p:spPr>
-          <a:xfrm>
-            <a:off x="820035" y="2064330"/>
-            <a:ext cx="4202253" cy="1839907"/>
-          </a:xfrm>
-          <a:prstGeom prst="rect">
-            <a:avLst/>
-          </a:prstGeom>
-          <a:noFill/>
-          <a:ln>
-            <a:noFill/>
-          </a:ln>
-        </p:spPr>
-        <p:txBody>
-          <a:bodyPr spcFirstLastPara="1" wrap="square" lIns="121900" tIns="121900" rIns="121900" bIns="121900" anchor="t" anchorCtr="0">
-            <a:noAutofit/>
-          </a:bodyPr>
-          <a:lstStyle/>
-          <a:p>
-            <a:r>
-              <a:rPr lang="en-GB" sz="1000" b="1" dirty="0">
-                <a:solidFill>
-                  <a:schemeClr val="dk1"/>
-                </a:solidFill>
-                <a:latin typeface="Consolas" panose="020B0609020204030204" pitchFamily="49" charset="0"/>
-                <a:ea typeface="Roboto Mono"/>
-                <a:cs typeface="Consolas" panose="020B0609020204030204" pitchFamily="49" charset="0"/>
-                <a:sym typeface="Roboto Mono"/>
-              </a:rPr>
-              <a:t>r</a:t>
-            </a:r>
-            <a:r>
-              <a:rPr lang="en" sz="1000" b="1" dirty="0">
-                <a:solidFill>
-                  <a:schemeClr val="dk1"/>
-                </a:solidFill>
-                <a:latin typeface="Consolas" panose="020B0609020204030204" pitchFamily="49" charset="0"/>
-                <a:ea typeface="Roboto Mono"/>
-                <a:cs typeface="Consolas" panose="020B0609020204030204" pitchFamily="49" charset="0"/>
-                <a:sym typeface="Roboto Mono"/>
-              </a:rPr>
-              <a:t>o-crate-</a:t>
-            </a:r>
-            <a:r>
-              <a:rPr lang="en" sz="1000" b="1" dirty="0" err="1">
-                <a:solidFill>
-                  <a:schemeClr val="dk1"/>
-                </a:solidFill>
-                <a:latin typeface="Consolas" panose="020B0609020204030204" pitchFamily="49" charset="0"/>
-                <a:ea typeface="Roboto Mono"/>
-                <a:cs typeface="Consolas" panose="020B0609020204030204" pitchFamily="49" charset="0"/>
-                <a:sym typeface="Roboto Mono"/>
-              </a:rPr>
-              <a:t>metadata.json</a:t>
-            </a:r>
-            <a:endParaRPr lang="en" sz="1000" b="1" dirty="0">
-              <a:solidFill>
-                <a:schemeClr val="dk1"/>
-              </a:solidFill>
-              <a:latin typeface="Consolas" panose="020B0609020204030204" pitchFamily="49" charset="0"/>
-              <a:ea typeface="Roboto Mono"/>
-              <a:cs typeface="Consolas" panose="020B0609020204030204" pitchFamily="49" charset="0"/>
-              <a:sym typeface="Roboto Mono"/>
-            </a:endParaRPr>
-          </a:p>
-          <a:p>
-            <a:r>
-              <a:rPr lang="en-GB" sz="1000" dirty="0">
-                <a:solidFill>
-                  <a:schemeClr val="dk1"/>
-                </a:solidFill>
-                <a:latin typeface="Consolas" panose="020B0609020204030204" pitchFamily="49" charset="0"/>
-                <a:ea typeface="Roboto Mono"/>
-                <a:cs typeface="Consolas" panose="020B0609020204030204" pitchFamily="49" charset="0"/>
-                <a:sym typeface="Roboto Mono"/>
-              </a:rPr>
-              <a:t>{ "@context": "https://w3id.org/</a:t>
-            </a:r>
-            <a:r>
-              <a:rPr lang="en-GB" sz="1000" dirty="0" err="1">
-                <a:solidFill>
-                  <a:schemeClr val="dk1"/>
-                </a:solidFill>
-                <a:latin typeface="Consolas" panose="020B0609020204030204" pitchFamily="49" charset="0"/>
-                <a:ea typeface="Roboto Mono"/>
-                <a:cs typeface="Consolas" panose="020B0609020204030204" pitchFamily="49" charset="0"/>
-                <a:sym typeface="Roboto Mono"/>
-              </a:rPr>
-              <a:t>ro</a:t>
-            </a:r>
-            <a:r>
-              <a:rPr lang="en-GB" sz="1000" dirty="0">
-                <a:solidFill>
-                  <a:schemeClr val="dk1"/>
-                </a:solidFill>
-                <a:latin typeface="Consolas" panose="020B0609020204030204" pitchFamily="49" charset="0"/>
-                <a:ea typeface="Roboto Mono"/>
-                <a:cs typeface="Consolas" panose="020B0609020204030204" pitchFamily="49" charset="0"/>
-                <a:sym typeface="Roboto Mono"/>
-              </a:rPr>
-              <a:t>/crate/1.1/context", </a:t>
-            </a:r>
-          </a:p>
-          <a:p>
-            <a:r>
-              <a:rPr lang="en-GB" sz="1000" dirty="0">
-                <a:solidFill>
-                  <a:schemeClr val="dk1"/>
-                </a:solidFill>
-                <a:latin typeface="Consolas" panose="020B0609020204030204" pitchFamily="49" charset="0"/>
-                <a:ea typeface="Roboto Mono"/>
-                <a:cs typeface="Consolas" panose="020B0609020204030204" pitchFamily="49" charset="0"/>
-                <a:sym typeface="Roboto Mono"/>
-              </a:rPr>
-              <a:t>  "@graph": [</a:t>
-            </a:r>
-          </a:p>
-          <a:p>
-            <a:r>
-              <a:rPr lang="en-GB" sz="1000" dirty="0">
-                <a:solidFill>
-                  <a:schemeClr val="dk1"/>
-                </a:solidFill>
-                <a:latin typeface="Consolas" panose="020B0609020204030204" pitchFamily="49" charset="0"/>
-                <a:ea typeface="Roboto Mono"/>
-                <a:cs typeface="Consolas" panose="020B0609020204030204" pitchFamily="49" charset="0"/>
-                <a:sym typeface="Roboto Mono"/>
-              </a:rPr>
-              <a:t>    {</a:t>
-            </a:r>
-          </a:p>
-          <a:p>
-            <a:r>
-              <a:rPr lang="en-GB" sz="1000" dirty="0">
-                <a:solidFill>
-                  <a:schemeClr val="dk1"/>
-                </a:solidFill>
-                <a:latin typeface="Consolas" panose="020B0609020204030204" pitchFamily="49" charset="0"/>
-                <a:ea typeface="Roboto Mono"/>
-                <a:cs typeface="Consolas" panose="020B0609020204030204" pitchFamily="49" charset="0"/>
-                <a:sym typeface="Roboto Mono"/>
-              </a:rPr>
-              <a:t>        </a:t>
-            </a:r>
-            <a:r>
-              <a:rPr lang="en-GB" sz="1000" b="1" dirty="0">
-                <a:solidFill>
-                  <a:schemeClr val="dk1"/>
-                </a:solidFill>
-                <a:latin typeface="Consolas" panose="020B0609020204030204" pitchFamily="49" charset="0"/>
-                <a:ea typeface="Roboto Mono"/>
-                <a:cs typeface="Consolas" panose="020B0609020204030204" pitchFamily="49" charset="0"/>
-                <a:sym typeface="Roboto Mono"/>
-              </a:rPr>
-              <a:t>"@type</a:t>
-            </a:r>
-            <a:r>
-              <a:rPr lang="en-GB" sz="1000" dirty="0">
-                <a:solidFill>
-                  <a:schemeClr val="dk1"/>
-                </a:solidFill>
-                <a:latin typeface="Consolas" panose="020B0609020204030204" pitchFamily="49" charset="0"/>
-                <a:ea typeface="Roboto Mono"/>
-                <a:cs typeface="Consolas" panose="020B0609020204030204" pitchFamily="49" charset="0"/>
-                <a:sym typeface="Roboto Mono"/>
-              </a:rPr>
-              <a:t>": "</a:t>
-            </a:r>
-            <a:r>
-              <a:rPr lang="en-GB" sz="1000" dirty="0" err="1">
-                <a:solidFill>
-                  <a:schemeClr val="dk1"/>
-                </a:solidFill>
-                <a:latin typeface="Consolas" panose="020B0609020204030204" pitchFamily="49" charset="0"/>
-                <a:ea typeface="Roboto Mono"/>
-                <a:cs typeface="Consolas" panose="020B0609020204030204" pitchFamily="49" charset="0"/>
-                <a:sym typeface="Roboto Mono"/>
-              </a:rPr>
-              <a:t>CreativeWork</a:t>
-            </a:r>
-            <a:r>
-              <a:rPr lang="en-GB" sz="1000" dirty="0">
-                <a:solidFill>
-                  <a:schemeClr val="dk1"/>
-                </a:solidFill>
-                <a:latin typeface="Consolas" panose="020B0609020204030204" pitchFamily="49" charset="0"/>
-                <a:ea typeface="Roboto Mono"/>
-                <a:cs typeface="Consolas" panose="020B0609020204030204" pitchFamily="49" charset="0"/>
-                <a:sym typeface="Roboto Mono"/>
-              </a:rPr>
-              <a:t>",</a:t>
-            </a:r>
-          </a:p>
-          <a:p>
-            <a:r>
-              <a:rPr lang="en-GB" sz="1000" dirty="0">
-                <a:solidFill>
-                  <a:schemeClr val="dk1"/>
-                </a:solidFill>
-                <a:latin typeface="Consolas" panose="020B0609020204030204" pitchFamily="49" charset="0"/>
-                <a:ea typeface="Roboto Mono"/>
-                <a:cs typeface="Consolas" panose="020B0609020204030204" pitchFamily="49" charset="0"/>
-                <a:sym typeface="Roboto Mono"/>
-              </a:rPr>
-              <a:t>        "</a:t>
-            </a:r>
-            <a:r>
-              <a:rPr lang="en-GB" sz="1000" b="1" dirty="0">
-                <a:solidFill>
-                  <a:schemeClr val="dk1"/>
-                </a:solidFill>
-                <a:latin typeface="Consolas" panose="020B0609020204030204" pitchFamily="49" charset="0"/>
-                <a:ea typeface="Roboto Mono"/>
-                <a:cs typeface="Consolas" panose="020B0609020204030204" pitchFamily="49" charset="0"/>
-                <a:sym typeface="Roboto Mono"/>
-              </a:rPr>
-              <a:t>@id</a:t>
-            </a:r>
-            <a:r>
-              <a:rPr lang="en-GB" sz="1000" dirty="0">
-                <a:solidFill>
-                  <a:schemeClr val="dk1"/>
-                </a:solidFill>
-                <a:latin typeface="Consolas" panose="020B0609020204030204" pitchFamily="49" charset="0"/>
-                <a:ea typeface="Roboto Mono"/>
-                <a:cs typeface="Consolas" panose="020B0609020204030204" pitchFamily="49" charset="0"/>
-                <a:sym typeface="Roboto Mono"/>
-              </a:rPr>
-              <a:t>": "</a:t>
-            </a:r>
-            <a:r>
-              <a:rPr lang="en-GB" sz="1000" dirty="0" err="1">
-                <a:solidFill>
-                  <a:schemeClr val="dk1"/>
-                </a:solidFill>
-                <a:latin typeface="Consolas" panose="020B0609020204030204" pitchFamily="49" charset="0"/>
-                <a:ea typeface="Roboto Mono"/>
-                <a:cs typeface="Consolas" panose="020B0609020204030204" pitchFamily="49" charset="0"/>
-                <a:sym typeface="Roboto Mono"/>
-              </a:rPr>
-              <a:t>ro</a:t>
-            </a:r>
-            <a:r>
-              <a:rPr lang="en-GB" sz="1000" dirty="0">
-                <a:solidFill>
-                  <a:schemeClr val="dk1"/>
-                </a:solidFill>
-                <a:latin typeface="Consolas" panose="020B0609020204030204" pitchFamily="49" charset="0"/>
-                <a:ea typeface="Roboto Mono"/>
-                <a:cs typeface="Consolas" panose="020B0609020204030204" pitchFamily="49" charset="0"/>
-                <a:sym typeface="Roboto Mono"/>
-              </a:rPr>
-              <a:t>-crate-</a:t>
-            </a:r>
-            <a:r>
-              <a:rPr lang="en-GB" sz="1000" dirty="0" err="1">
-                <a:solidFill>
-                  <a:schemeClr val="dk1"/>
-                </a:solidFill>
-                <a:latin typeface="Consolas" panose="020B0609020204030204" pitchFamily="49" charset="0"/>
-                <a:ea typeface="Roboto Mono"/>
-                <a:cs typeface="Consolas" panose="020B0609020204030204" pitchFamily="49" charset="0"/>
-                <a:sym typeface="Roboto Mono"/>
-              </a:rPr>
-              <a:t>metadata.json</a:t>
-            </a:r>
-            <a:r>
-              <a:rPr lang="en-GB" sz="1000" dirty="0">
-                <a:solidFill>
-                  <a:schemeClr val="dk1"/>
-                </a:solidFill>
-                <a:latin typeface="Consolas" panose="020B0609020204030204" pitchFamily="49" charset="0"/>
-                <a:ea typeface="Roboto Mono"/>
-                <a:cs typeface="Consolas" panose="020B0609020204030204" pitchFamily="49" charset="0"/>
-                <a:sym typeface="Roboto Mono"/>
-              </a:rPr>
-              <a:t>",</a:t>
-            </a:r>
-          </a:p>
-          <a:p>
-            <a:r>
-              <a:rPr lang="en-GB" sz="1000" dirty="0">
-                <a:solidFill>
-                  <a:schemeClr val="dk1"/>
-                </a:solidFill>
-                <a:latin typeface="Consolas" panose="020B0609020204030204" pitchFamily="49" charset="0"/>
-                <a:ea typeface="Roboto Mono"/>
-                <a:cs typeface="Consolas" panose="020B0609020204030204" pitchFamily="49" charset="0"/>
-                <a:sym typeface="Roboto Mono"/>
-              </a:rPr>
-              <a:t>        "</a:t>
-            </a:r>
-            <a:r>
-              <a:rPr lang="en-GB" sz="1000" dirty="0" err="1">
-                <a:solidFill>
-                  <a:schemeClr val="dk1"/>
-                </a:solidFill>
-                <a:latin typeface="Consolas" panose="020B0609020204030204" pitchFamily="49" charset="0"/>
-                <a:ea typeface="Roboto Mono"/>
-                <a:cs typeface="Consolas" panose="020B0609020204030204" pitchFamily="49" charset="0"/>
-                <a:sym typeface="Roboto Mono"/>
-              </a:rPr>
-              <a:t>conformsTo</a:t>
-            </a:r>
-            <a:r>
-              <a:rPr lang="en-GB" sz="1000" dirty="0">
-                <a:solidFill>
-                  <a:schemeClr val="dk1"/>
-                </a:solidFill>
-                <a:latin typeface="Consolas" panose="020B0609020204030204" pitchFamily="49" charset="0"/>
-                <a:ea typeface="Roboto Mono"/>
-                <a:cs typeface="Consolas" panose="020B0609020204030204" pitchFamily="49" charset="0"/>
-                <a:sym typeface="Roboto Mono"/>
-              </a:rPr>
-              <a:t>": </a:t>
-            </a:r>
-            <a:br>
-              <a:rPr lang="en-GB" sz="1000" dirty="0">
-                <a:solidFill>
-                  <a:schemeClr val="dk1"/>
-                </a:solidFill>
-                <a:latin typeface="Consolas" panose="020B0609020204030204" pitchFamily="49" charset="0"/>
-                <a:ea typeface="Roboto Mono"/>
-                <a:cs typeface="Consolas" panose="020B0609020204030204" pitchFamily="49" charset="0"/>
-                <a:sym typeface="Roboto Mono"/>
-              </a:rPr>
-            </a:br>
-            <a:r>
-              <a:rPr lang="en-GB" sz="1000" dirty="0">
-                <a:solidFill>
-                  <a:schemeClr val="dk1"/>
-                </a:solidFill>
-                <a:latin typeface="Consolas" panose="020B0609020204030204" pitchFamily="49" charset="0"/>
-                <a:ea typeface="Roboto Mono"/>
-                <a:cs typeface="Consolas" panose="020B0609020204030204" pitchFamily="49" charset="0"/>
-                <a:sym typeface="Roboto Mono"/>
-              </a:rPr>
-              <a:t>            {"@id": "https://w3id.org/</a:t>
-            </a:r>
-            <a:r>
-              <a:rPr lang="en-GB" sz="1000" dirty="0" err="1">
-                <a:solidFill>
-                  <a:schemeClr val="dk1"/>
-                </a:solidFill>
-                <a:latin typeface="Consolas" panose="020B0609020204030204" pitchFamily="49" charset="0"/>
-                <a:ea typeface="Roboto Mono"/>
-                <a:cs typeface="Consolas" panose="020B0609020204030204" pitchFamily="49" charset="0"/>
-                <a:sym typeface="Roboto Mono"/>
-              </a:rPr>
-              <a:t>ro</a:t>
-            </a:r>
-            <a:r>
-              <a:rPr lang="en-GB" sz="1000" dirty="0">
-                <a:solidFill>
-                  <a:schemeClr val="dk1"/>
-                </a:solidFill>
-                <a:latin typeface="Consolas" panose="020B0609020204030204" pitchFamily="49" charset="0"/>
-                <a:ea typeface="Roboto Mono"/>
-                <a:cs typeface="Consolas" panose="020B0609020204030204" pitchFamily="49" charset="0"/>
-                <a:sym typeface="Roboto Mono"/>
-              </a:rPr>
-              <a:t>/crate/1.1"},</a:t>
-            </a:r>
-          </a:p>
-          <a:p>
-            <a:r>
-              <a:rPr lang="en-GB" sz="1000" dirty="0">
-                <a:solidFill>
-                  <a:schemeClr val="dk1"/>
-                </a:solidFill>
-                <a:latin typeface="Consolas" panose="020B0609020204030204" pitchFamily="49" charset="0"/>
-                <a:ea typeface="Roboto Mono"/>
-                <a:cs typeface="Consolas" panose="020B0609020204030204" pitchFamily="49" charset="0"/>
-                <a:sym typeface="Roboto Mono"/>
-              </a:rPr>
-              <a:t>        "about": {"@id": "./"}</a:t>
-            </a:r>
-          </a:p>
-          <a:p>
-            <a:r>
-              <a:rPr lang="en-GB" sz="1000" dirty="0">
-                <a:solidFill>
-                  <a:schemeClr val="dk1"/>
-                </a:solidFill>
-                <a:latin typeface="Consolas" panose="020B0609020204030204" pitchFamily="49" charset="0"/>
-                <a:ea typeface="Roboto Mono"/>
-                <a:cs typeface="Consolas" panose="020B0609020204030204" pitchFamily="49" charset="0"/>
-                <a:sym typeface="Roboto Mono"/>
-              </a:rPr>
-              <a:t>    },</a:t>
-            </a:r>
-            <a:br>
-              <a:rPr lang="en-GB" sz="1000" dirty="0">
-                <a:solidFill>
-                  <a:schemeClr val="dk1"/>
-                </a:solidFill>
-                <a:latin typeface="Consolas" panose="020B0609020204030204" pitchFamily="49" charset="0"/>
-                <a:ea typeface="Roboto Mono"/>
-                <a:cs typeface="Consolas" panose="020B0609020204030204" pitchFamily="49" charset="0"/>
-                <a:sym typeface="Roboto Mono"/>
-              </a:rPr>
-            </a:br>
-            <a:r>
-              <a:rPr lang="en-GB" sz="1000" dirty="0">
-                <a:solidFill>
-                  <a:schemeClr val="dk1"/>
-                </a:solidFill>
-                <a:latin typeface="Consolas" panose="020B0609020204030204" pitchFamily="49" charset="0"/>
-                <a:ea typeface="Roboto Mono"/>
-                <a:cs typeface="Consolas" panose="020B0609020204030204" pitchFamily="49" charset="0"/>
-                <a:sym typeface="Roboto Mono"/>
-              </a:rPr>
-              <a:t>    {…}</a:t>
-            </a:r>
-            <a:br>
-              <a:rPr lang="en-GB" sz="1000" dirty="0">
-                <a:solidFill>
-                  <a:schemeClr val="dk1"/>
-                </a:solidFill>
-                <a:latin typeface="Consolas" panose="020B0609020204030204" pitchFamily="49" charset="0"/>
-                <a:ea typeface="Roboto Mono"/>
-                <a:cs typeface="Consolas" panose="020B0609020204030204" pitchFamily="49" charset="0"/>
-                <a:sym typeface="Roboto Mono"/>
-              </a:rPr>
-            </a:br>
-            <a:r>
-              <a:rPr lang="en-GB" sz="1000" dirty="0">
-                <a:solidFill>
-                  <a:schemeClr val="dk1"/>
-                </a:solidFill>
-                <a:latin typeface="Consolas" panose="020B0609020204030204" pitchFamily="49" charset="0"/>
-                <a:ea typeface="Roboto Mono"/>
-                <a:cs typeface="Consolas" panose="020B0609020204030204" pitchFamily="49" charset="0"/>
-                <a:sym typeface="Roboto Mono"/>
-              </a:rPr>
-              <a:t>]}</a:t>
-            </a:r>
-            <a:endParaRPr sz="1000" dirty="0">
-              <a:solidFill>
-                <a:schemeClr val="dk1"/>
-              </a:solidFill>
-              <a:latin typeface="Consolas" panose="020B0609020204030204" pitchFamily="49" charset="0"/>
-              <a:ea typeface="Roboto Mono"/>
-              <a:cs typeface="Consolas" panose="020B0609020204030204" pitchFamily="49" charset="0"/>
-              <a:sym typeface="Roboto Mono"/>
-            </a:endParaRPr>
-          </a:p>
-        </p:txBody>
-      </p:sp>
-      <p:sp>
-        <p:nvSpPr>
-          <p:cNvPr id="8" name="Rectangle 7">
-            <a:extLst>
-              <a:ext uri="{FF2B5EF4-FFF2-40B4-BE49-F238E27FC236}">
-                <a16:creationId xmlns:a16="http://schemas.microsoft.com/office/drawing/2014/main" id="{9428C9A5-1102-6344-B730-6348A2C2E7B0}"/>
-              </a:ext>
-            </a:extLst>
-          </p:cNvPr>
-          <p:cNvSpPr/>
-          <p:nvPr/>
-        </p:nvSpPr>
-        <p:spPr>
-          <a:xfrm>
-            <a:off x="6507075" y="2018680"/>
-            <a:ext cx="4602998" cy="1785104"/>
-          </a:xfrm>
-          <a:prstGeom prst="rect">
-            <a:avLst/>
-          </a:prstGeom>
-        </p:spPr>
-        <p:txBody>
-          <a:bodyPr wrap="square">
-            <a:spAutoFit/>
-          </a:bodyPr>
-          <a:lstStyle/>
-          <a:p>
-            <a:r>
-              <a:rPr lang="en-US" sz="1000" b="1" dirty="0">
-                <a:latin typeface="Consolas" panose="020B0609020204030204" pitchFamily="49" charset="0"/>
-                <a:cs typeface="Consolas" panose="020B0609020204030204" pitchFamily="49" charset="0"/>
-              </a:rPr>
-              <a:t>chipseq_20200924.json</a:t>
-            </a:r>
-          </a:p>
-          <a:p>
-            <a:r>
-              <a:rPr lang="en-US" sz="1000" dirty="0">
-                <a:latin typeface="Consolas" panose="020B0609020204030204" pitchFamily="49" charset="0"/>
-                <a:cs typeface="Consolas" panose="020B0609020204030204" pitchFamily="49" charset="0"/>
-              </a:rPr>
-              <a:t>{</a:t>
-            </a:r>
-          </a:p>
-          <a:p>
-            <a:r>
-              <a:rPr lang="en-US" sz="1000" dirty="0">
-                <a:latin typeface="Consolas" panose="020B0609020204030204" pitchFamily="49" charset="0"/>
-                <a:cs typeface="Consolas" panose="020B0609020204030204" pitchFamily="49" charset="0"/>
-              </a:rPr>
-              <a:t>    "</a:t>
-            </a:r>
-            <a:r>
-              <a:rPr lang="en-US" sz="1000" b="1" dirty="0" err="1">
-                <a:latin typeface="Consolas" panose="020B0609020204030204" pitchFamily="49" charset="0"/>
-                <a:cs typeface="Consolas" panose="020B0609020204030204" pitchFamily="49" charset="0"/>
-              </a:rPr>
-              <a:t>object_id</a:t>
-            </a:r>
-            <a:r>
-              <a:rPr lang="en-US" sz="1000" dirty="0">
-                <a:latin typeface="Consolas" panose="020B0609020204030204" pitchFamily="49" charset="0"/>
-                <a:cs typeface="Consolas" panose="020B0609020204030204" pitchFamily="49" charset="0"/>
-              </a:rPr>
-              <a:t>": "chipseq_20200924",</a:t>
-            </a:r>
-          </a:p>
-          <a:p>
-            <a:r>
-              <a:rPr lang="en-US" sz="1000" dirty="0">
-                <a:latin typeface="Consolas" panose="020B0609020204030204" pitchFamily="49" charset="0"/>
-                <a:cs typeface="Consolas" panose="020B0609020204030204" pitchFamily="49" charset="0"/>
-              </a:rPr>
-              <a:t>    "</a:t>
-            </a:r>
-            <a:r>
-              <a:rPr lang="en-US" sz="1000" b="1" dirty="0" err="1">
-                <a:latin typeface="Consolas" panose="020B0609020204030204" pitchFamily="49" charset="0"/>
-                <a:cs typeface="Consolas" panose="020B0609020204030204" pitchFamily="49" charset="0"/>
-              </a:rPr>
-              <a:t>spec_version</a:t>
-            </a:r>
-            <a:r>
-              <a:rPr lang="en-US" sz="1000" dirty="0">
-                <a:latin typeface="Consolas" panose="020B0609020204030204" pitchFamily="49" charset="0"/>
-                <a:cs typeface="Consolas" panose="020B0609020204030204" pitchFamily="49" charset="0"/>
-              </a:rPr>
-              <a:t>": "https://w3id.org/</a:t>
-            </a:r>
-            <a:r>
-              <a:rPr lang="en-US" sz="1000" dirty="0" err="1">
-                <a:latin typeface="Consolas" panose="020B0609020204030204" pitchFamily="49" charset="0"/>
-                <a:cs typeface="Consolas" panose="020B0609020204030204" pitchFamily="49" charset="0"/>
-              </a:rPr>
-              <a:t>ieee</a:t>
-            </a:r>
-            <a:r>
-              <a:rPr lang="en-US" sz="1000" dirty="0">
-                <a:latin typeface="Consolas" panose="020B0609020204030204" pitchFamily="49" charset="0"/>
-                <a:cs typeface="Consolas" panose="020B0609020204030204" pitchFamily="49" charset="0"/>
-              </a:rPr>
-              <a:t>/ieee-2791-schema/",</a:t>
-            </a:r>
-          </a:p>
-          <a:p>
-            <a:r>
-              <a:rPr lang="en-US" sz="1000" dirty="0">
-                <a:latin typeface="Consolas" panose="020B0609020204030204" pitchFamily="49" charset="0"/>
-                <a:cs typeface="Consolas" panose="020B0609020204030204" pitchFamily="49" charset="0"/>
-              </a:rPr>
-              <a:t>    "</a:t>
-            </a:r>
-            <a:r>
-              <a:rPr lang="en-US" sz="1000" dirty="0" err="1">
-                <a:latin typeface="Consolas" panose="020B0609020204030204" pitchFamily="49" charset="0"/>
-                <a:cs typeface="Consolas" panose="020B0609020204030204" pitchFamily="49" charset="0"/>
-              </a:rPr>
-              <a:t>etag</a:t>
-            </a:r>
-            <a:r>
-              <a:rPr lang="en-US" sz="1000" dirty="0">
-                <a:latin typeface="Consolas" panose="020B0609020204030204" pitchFamily="49" charset="0"/>
-                <a:cs typeface="Consolas" panose="020B0609020204030204" pitchFamily="49" charset="0"/>
-              </a:rPr>
-              <a:t>": "</a:t>
-            </a:r>
-            <a:r>
-              <a:rPr lang="en-US" sz="1000" dirty="0" err="1">
-                <a:latin typeface="Consolas" panose="020B0609020204030204" pitchFamily="49" charset="0"/>
-                <a:cs typeface="Consolas" panose="020B0609020204030204" pitchFamily="49" charset="0"/>
-              </a:rPr>
-              <a:t>abcd</a:t>
-            </a:r>
-            <a:r>
-              <a:rPr lang="en-US" sz="1000" dirty="0">
-                <a:latin typeface="Consolas" panose="020B0609020204030204" pitchFamily="49" charset="0"/>
-                <a:cs typeface="Consolas" panose="020B0609020204030204" pitchFamily="49" charset="0"/>
-              </a:rPr>
-              <a:t>",</a:t>
-            </a:r>
-          </a:p>
-          <a:p>
-            <a:r>
-              <a:rPr lang="en-US" sz="1000" dirty="0">
-                <a:latin typeface="Consolas" panose="020B0609020204030204" pitchFamily="49" charset="0"/>
-                <a:cs typeface="Consolas" panose="020B0609020204030204" pitchFamily="49" charset="0"/>
-              </a:rPr>
-              <a:t>    "</a:t>
-            </a:r>
-            <a:r>
-              <a:rPr lang="en-US" sz="1000" dirty="0" err="1">
-                <a:latin typeface="Consolas" panose="020B0609020204030204" pitchFamily="49" charset="0"/>
-                <a:cs typeface="Consolas" panose="020B0609020204030204" pitchFamily="49" charset="0"/>
-              </a:rPr>
-              <a:t>provenance_domain</a:t>
-            </a:r>
-            <a:r>
-              <a:rPr lang="en-US" sz="1000" dirty="0">
-                <a:latin typeface="Consolas" panose="020B0609020204030204" pitchFamily="49" charset="0"/>
-                <a:cs typeface="Consolas" panose="020B0609020204030204" pitchFamily="49" charset="0"/>
-              </a:rPr>
-              <a:t>": {…},</a:t>
-            </a:r>
-          </a:p>
-          <a:p>
-            <a:r>
-              <a:rPr lang="en-US" sz="1000" dirty="0">
-                <a:latin typeface="Consolas" panose="020B0609020204030204" pitchFamily="49" charset="0"/>
-                <a:cs typeface="Consolas" panose="020B0609020204030204" pitchFamily="49" charset="0"/>
-              </a:rPr>
-              <a:t>    "</a:t>
-            </a:r>
-            <a:r>
-              <a:rPr lang="en-US" sz="1000" dirty="0" err="1">
-                <a:latin typeface="Consolas" panose="020B0609020204030204" pitchFamily="49" charset="0"/>
-                <a:cs typeface="Consolas" panose="020B0609020204030204" pitchFamily="49" charset="0"/>
-              </a:rPr>
-              <a:t>usability_domain</a:t>
-            </a:r>
-            <a:r>
-              <a:rPr lang="en-US" sz="1000" dirty="0">
-                <a:latin typeface="Consolas" panose="020B0609020204030204" pitchFamily="49" charset="0"/>
-                <a:cs typeface="Consolas" panose="020B0609020204030204" pitchFamily="49" charset="0"/>
-              </a:rPr>
-              <a:t>": […],</a:t>
-            </a:r>
-          </a:p>
-          <a:p>
-            <a:r>
-              <a:rPr lang="en-US" sz="1000" dirty="0">
-                <a:latin typeface="Consolas" panose="020B0609020204030204" pitchFamily="49" charset="0"/>
-                <a:cs typeface="Consolas" panose="020B0609020204030204" pitchFamily="49" charset="0"/>
-              </a:rPr>
-              <a:t>    "</a:t>
-            </a:r>
-            <a:r>
-              <a:rPr lang="en-US" sz="1000" dirty="0" err="1">
-                <a:latin typeface="Consolas" panose="020B0609020204030204" pitchFamily="49" charset="0"/>
-                <a:cs typeface="Consolas" panose="020B0609020204030204" pitchFamily="49" charset="0"/>
-              </a:rPr>
-              <a:t>description_domain</a:t>
-            </a:r>
-            <a:r>
-              <a:rPr lang="en-US" sz="1000" dirty="0">
-                <a:latin typeface="Consolas" panose="020B0609020204030204" pitchFamily="49" charset="0"/>
-                <a:cs typeface="Consolas" panose="020B0609020204030204" pitchFamily="49" charset="0"/>
-              </a:rPr>
-              <a:t>": {…},</a:t>
-            </a:r>
-          </a:p>
-          <a:p>
-            <a:r>
-              <a:rPr lang="en-US" sz="1000" dirty="0">
-                <a:latin typeface="Consolas" panose="020B0609020204030204" pitchFamily="49" charset="0"/>
-                <a:cs typeface="Consolas" panose="020B0609020204030204" pitchFamily="49" charset="0"/>
-              </a:rPr>
-              <a:t>    "</a:t>
-            </a:r>
-            <a:r>
-              <a:rPr lang="en-US" sz="1000" dirty="0" err="1">
-                <a:latin typeface="Consolas" panose="020B0609020204030204" pitchFamily="49" charset="0"/>
-                <a:cs typeface="Consolas" panose="020B0609020204030204" pitchFamily="49" charset="0"/>
-              </a:rPr>
-              <a:t>execution_domain</a:t>
-            </a:r>
-            <a:r>
-              <a:rPr lang="en-US" sz="1000" dirty="0">
-                <a:latin typeface="Consolas" panose="020B0609020204030204" pitchFamily="49" charset="0"/>
-                <a:cs typeface="Consolas" panose="020B0609020204030204" pitchFamily="49" charset="0"/>
-              </a:rPr>
-              <a:t>": {…},</a:t>
-            </a:r>
-          </a:p>
-          <a:p>
-            <a:r>
-              <a:rPr lang="en-US" sz="1000" dirty="0">
-                <a:latin typeface="Consolas" panose="020B0609020204030204" pitchFamily="49" charset="0"/>
-                <a:cs typeface="Consolas" panose="020B0609020204030204" pitchFamily="49" charset="0"/>
-              </a:rPr>
-              <a:t>    "</a:t>
-            </a:r>
-            <a:r>
-              <a:rPr lang="en-US" sz="1000" dirty="0" err="1">
-                <a:latin typeface="Consolas" panose="020B0609020204030204" pitchFamily="49" charset="0"/>
-                <a:cs typeface="Consolas" panose="020B0609020204030204" pitchFamily="49" charset="0"/>
-              </a:rPr>
-              <a:t>io_domain</a:t>
-            </a:r>
-            <a:r>
-              <a:rPr lang="en-US" sz="1000" dirty="0">
-                <a:latin typeface="Consolas" panose="020B0609020204030204" pitchFamily="49" charset="0"/>
-                <a:cs typeface="Consolas" panose="020B0609020204030204" pitchFamily="49" charset="0"/>
-              </a:rPr>
-              <a:t>": {…}</a:t>
-            </a:r>
-          </a:p>
-          <a:p>
-            <a:r>
-              <a:rPr lang="en-US" sz="1000" dirty="0">
-                <a:latin typeface="Consolas" panose="020B0609020204030204" pitchFamily="49" charset="0"/>
-                <a:cs typeface="Consolas" panose="020B0609020204030204" pitchFamily="49" charset="0"/>
-              </a:rPr>
-              <a:t>}</a:t>
-            </a:r>
-          </a:p>
-        </p:txBody>
-      </p:sp>
-      <p:sp>
-        <p:nvSpPr>
-          <p:cNvPr id="9" name="Rectangle 8">
-            <a:extLst>
-              <a:ext uri="{FF2B5EF4-FFF2-40B4-BE49-F238E27FC236}">
-                <a16:creationId xmlns:a16="http://schemas.microsoft.com/office/drawing/2014/main" id="{62C89308-B538-1A48-A513-4796905561AD}"/>
-              </a:ext>
-            </a:extLst>
-          </p:cNvPr>
-          <p:cNvSpPr/>
-          <p:nvPr/>
-        </p:nvSpPr>
-        <p:spPr>
-          <a:xfrm>
-            <a:off x="9923310" y="2091890"/>
-            <a:ext cx="2534194" cy="338554"/>
-          </a:xfrm>
-          <a:prstGeom prst="rect">
-            <a:avLst/>
-          </a:prstGeom>
-        </p:spPr>
-        <p:txBody>
-          <a:bodyPr wrap="square">
-            <a:spAutoFit/>
-          </a:bodyPr>
-          <a:lstStyle/>
-          <a:p>
-            <a:r>
-              <a:rPr lang="en-GB" sz="800" b="1" dirty="0">
-                <a:latin typeface="Consolas" panose="020B0609020204030204" pitchFamily="49" charset="0"/>
-                <a:ea typeface="Roboto Mono"/>
-                <a:cs typeface="Consolas" panose="020B0609020204030204" pitchFamily="49" charset="0"/>
-                <a:sym typeface="Roboto Mono"/>
-              </a:rPr>
-              <a:t>f</a:t>
-            </a:r>
-            <a:r>
-              <a:rPr lang="en" sz="800" b="1" dirty="0" err="1">
-                <a:latin typeface="Consolas" panose="020B0609020204030204" pitchFamily="49" charset="0"/>
-                <a:ea typeface="Roboto Mono"/>
-                <a:cs typeface="Consolas" panose="020B0609020204030204" pitchFamily="49" charset="0"/>
-                <a:sym typeface="Roboto Mono"/>
-              </a:rPr>
-              <a:t>etch.txt</a:t>
-            </a:r>
-            <a:endParaRPr lang="en" sz="800" b="1" dirty="0">
-              <a:latin typeface="Consolas" panose="020B0609020204030204" pitchFamily="49" charset="0"/>
-              <a:ea typeface="Roboto Mono"/>
-              <a:cs typeface="Consolas" panose="020B0609020204030204" pitchFamily="49" charset="0"/>
-              <a:sym typeface="Roboto Mono"/>
-            </a:endParaRPr>
-          </a:p>
-          <a:p>
-            <a:r>
-              <a:rPr lang="en-US" sz="800" dirty="0">
-                <a:latin typeface="Consolas" panose="020B0609020204030204" pitchFamily="49" charset="0"/>
-                <a:cs typeface="Consolas" panose="020B0609020204030204" pitchFamily="49" charset="0"/>
-              </a:rPr>
-              <a:t>data/</a:t>
-            </a:r>
-            <a:r>
-              <a:rPr lang="en-US" sz="800" dirty="0" err="1">
-                <a:latin typeface="Consolas" panose="020B0609020204030204" pitchFamily="49" charset="0"/>
-                <a:cs typeface="Consolas" panose="020B0609020204030204" pitchFamily="49" charset="0"/>
-              </a:rPr>
-              <a:t>seq.fasta</a:t>
-            </a:r>
-            <a:r>
-              <a:rPr lang="en-US" sz="800" dirty="0">
-                <a:latin typeface="Consolas" panose="020B0609020204030204" pitchFamily="49" charset="0"/>
-                <a:cs typeface="Consolas" panose="020B0609020204030204" pitchFamily="49" charset="0"/>
-              </a:rPr>
-              <a:t>   ark:/57799/b9dd5t</a:t>
-            </a:r>
-          </a:p>
-        </p:txBody>
-      </p:sp>
-      <p:pic>
-        <p:nvPicPr>
-          <p:cNvPr id="10" name="Picture 9">
-            <a:extLst>
-              <a:ext uri="{FF2B5EF4-FFF2-40B4-BE49-F238E27FC236}">
-                <a16:creationId xmlns:a16="http://schemas.microsoft.com/office/drawing/2014/main" id="{A3D7F394-F416-4541-B749-7FAF5D4FB8F9}"/>
-              </a:ext>
-            </a:extLst>
-          </p:cNvPr>
-          <p:cNvPicPr>
-            <a:picLocks noChangeAspect="1"/>
-          </p:cNvPicPr>
-          <p:nvPr/>
-        </p:nvPicPr>
-        <p:blipFill>
-          <a:blip r:embed="rId19"/>
-          <a:stretch>
-            <a:fillRect/>
-          </a:stretch>
-        </p:blipFill>
-        <p:spPr>
-          <a:xfrm>
-            <a:off x="8558544" y="4152992"/>
-            <a:ext cx="1406333" cy="1839906"/>
-          </a:xfrm>
-          <a:prstGeom prst="rect">
-            <a:avLst/>
-          </a:prstGeom>
-        </p:spPr>
-      </p:pic>
-      <p:sp>
-        <p:nvSpPr>
-          <p:cNvPr id="11" name="Rectangle 10">
-            <a:extLst>
-              <a:ext uri="{FF2B5EF4-FFF2-40B4-BE49-F238E27FC236}">
-                <a16:creationId xmlns:a16="http://schemas.microsoft.com/office/drawing/2014/main" id="{9F620C3B-8458-834F-A852-5E205544E58E}"/>
-              </a:ext>
-            </a:extLst>
-          </p:cNvPr>
-          <p:cNvSpPr/>
-          <p:nvPr/>
-        </p:nvSpPr>
-        <p:spPr>
-          <a:xfrm>
-            <a:off x="8735766" y="3885591"/>
-            <a:ext cx="864339" cy="276999"/>
-          </a:xfrm>
-          <a:prstGeom prst="rect">
-            <a:avLst/>
-          </a:prstGeom>
-        </p:spPr>
-        <p:txBody>
-          <a:bodyPr wrap="none">
-            <a:spAutoFit/>
-          </a:bodyPr>
-          <a:lstStyle/>
-          <a:p>
-            <a:pPr algn="ctr"/>
-            <a:r>
-              <a:rPr lang="en-GB" sz="1200" b="1" dirty="0">
-                <a:latin typeface="Consolas" panose="020B0609020204030204" pitchFamily="49" charset="0"/>
-                <a:ea typeface="Roboto Mono"/>
-                <a:cs typeface="Consolas" panose="020B0609020204030204" pitchFamily="49" charset="0"/>
-                <a:sym typeface="Roboto Mono"/>
-              </a:rPr>
-              <a:t>results/</a:t>
-            </a:r>
-            <a:endParaRPr lang="en-US" sz="1200" dirty="0">
-              <a:latin typeface="PT Sans" panose="020B0503020203020204" pitchFamily="34" charset="77"/>
-            </a:endParaRPr>
-          </a:p>
-        </p:txBody>
-      </p:sp>
-      <p:sp>
-        <p:nvSpPr>
-          <p:cNvPr id="12" name="Rectangle 11">
-            <a:extLst>
-              <a:ext uri="{FF2B5EF4-FFF2-40B4-BE49-F238E27FC236}">
-                <a16:creationId xmlns:a16="http://schemas.microsoft.com/office/drawing/2014/main" id="{9E94D5FD-B5F3-F349-97F5-58E034CED523}"/>
-              </a:ext>
-            </a:extLst>
-          </p:cNvPr>
-          <p:cNvSpPr/>
-          <p:nvPr/>
-        </p:nvSpPr>
-        <p:spPr>
-          <a:xfrm>
-            <a:off x="3953417" y="4348939"/>
-            <a:ext cx="2648482" cy="276999"/>
-          </a:xfrm>
-          <a:prstGeom prst="rect">
-            <a:avLst/>
-          </a:prstGeom>
-        </p:spPr>
-        <p:txBody>
-          <a:bodyPr wrap="none">
-            <a:spAutoFit/>
-          </a:bodyPr>
-          <a:lstStyle/>
-          <a:p>
-            <a:pPr algn="ctr"/>
-            <a:r>
-              <a:rPr lang="en-GB" sz="1200" b="1" dirty="0" err="1">
-                <a:latin typeface="Consolas" panose="020B0609020204030204" pitchFamily="49" charset="0"/>
-                <a:ea typeface="Roboto Mono"/>
-                <a:cs typeface="Consolas" panose="020B0609020204030204" pitchFamily="49" charset="0"/>
-                <a:sym typeface="Roboto Mono"/>
-              </a:rPr>
-              <a:t>nf</a:t>
-            </a:r>
-            <a:r>
-              <a:rPr lang="en-GB" sz="1200" b="1" dirty="0">
-                <a:latin typeface="Consolas" panose="020B0609020204030204" pitchFamily="49" charset="0"/>
-                <a:ea typeface="Roboto Mono"/>
-                <a:cs typeface="Consolas" panose="020B0609020204030204" pitchFamily="49" charset="0"/>
-                <a:sym typeface="Roboto Mono"/>
-              </a:rPr>
-              <a:t>-core/</a:t>
-            </a:r>
-            <a:r>
-              <a:rPr lang="en-GB" sz="1200" b="1" dirty="0" err="1">
-                <a:latin typeface="Consolas" panose="020B0609020204030204" pitchFamily="49" charset="0"/>
-                <a:ea typeface="Roboto Mono"/>
-                <a:cs typeface="Consolas" panose="020B0609020204030204" pitchFamily="49" charset="0"/>
-                <a:sym typeface="Roboto Mono"/>
-              </a:rPr>
-              <a:t>chipseq</a:t>
-            </a:r>
-            <a:r>
-              <a:rPr lang="en-GB" sz="1200" b="1" dirty="0">
-                <a:latin typeface="Consolas" panose="020B0609020204030204" pitchFamily="49" charset="0"/>
-                <a:ea typeface="Roboto Mono"/>
-                <a:cs typeface="Consolas" panose="020B0609020204030204" pitchFamily="49" charset="0"/>
-                <a:sym typeface="Roboto Mono"/>
-              </a:rPr>
-              <a:t>/1.2.1/</a:t>
-            </a:r>
-            <a:r>
-              <a:rPr lang="en-GB" sz="1200" b="1" dirty="0" err="1">
-                <a:latin typeface="Consolas" panose="020B0609020204030204" pitchFamily="49" charset="0"/>
-                <a:ea typeface="Roboto Mono"/>
-                <a:cs typeface="Consolas" panose="020B0609020204030204" pitchFamily="49" charset="0"/>
-                <a:sym typeface="Roboto Mono"/>
-              </a:rPr>
-              <a:t>main.nf</a:t>
-            </a:r>
-            <a:endParaRPr lang="en-US" sz="1200" dirty="0">
-              <a:latin typeface="PT Sans" panose="020B0503020203020204" pitchFamily="34" charset="77"/>
-            </a:endParaRPr>
-          </a:p>
-        </p:txBody>
-      </p:sp>
-      <p:pic>
-        <p:nvPicPr>
-          <p:cNvPr id="6" name="Graphic 5">
-            <a:extLst>
-              <a:ext uri="{FF2B5EF4-FFF2-40B4-BE49-F238E27FC236}">
-                <a16:creationId xmlns:a16="http://schemas.microsoft.com/office/drawing/2014/main" id="{2236DA18-1467-3343-938F-E1A85A19FC03}"/>
-              </a:ext>
-            </a:extLst>
-          </p:cNvPr>
-          <p:cNvPicPr>
-            <a:picLocks noChangeAspect="1"/>
-          </p:cNvPicPr>
-          <p:nvPr/>
-        </p:nvPicPr>
-        <p:blipFill>
-          <a:blip r:embed="rId20">
-            <a:extLst>
-              <a:ext uri="{96DAC541-7B7A-43D3-8B79-37D633B846F1}">
-                <asvg:svgBlip xmlns:asvg="http://schemas.microsoft.com/office/drawing/2016/SVG/main" r:embed="rId21"/>
-              </a:ext>
-            </a:extLst>
-          </a:blip>
-          <a:stretch>
-            <a:fillRect/>
-          </a:stretch>
-        </p:blipFill>
-        <p:spPr>
-          <a:xfrm>
-            <a:off x="861781" y="6302556"/>
-            <a:ext cx="849274" cy="286119"/>
-          </a:xfrm>
-          <a:prstGeom prst="rect">
-            <a:avLst/>
-          </a:prstGeom>
-        </p:spPr>
-      </p:pic>
-      <p:sp>
-        <p:nvSpPr>
-          <p:cNvPr id="7" name="Rectangle 6">
-            <a:extLst>
-              <a:ext uri="{FF2B5EF4-FFF2-40B4-BE49-F238E27FC236}">
-                <a16:creationId xmlns:a16="http://schemas.microsoft.com/office/drawing/2014/main" id="{7CD8CC94-6C01-E64C-9FF2-3BE1C4A4596F}"/>
-              </a:ext>
-            </a:extLst>
-          </p:cNvPr>
-          <p:cNvSpPr/>
-          <p:nvPr/>
-        </p:nvSpPr>
-        <p:spPr>
-          <a:xfrm>
-            <a:off x="5814078" y="2686246"/>
-            <a:ext cx="920445" cy="369332"/>
-          </a:xfrm>
-          <a:prstGeom prst="rect">
-            <a:avLst/>
-          </a:prstGeom>
-        </p:spPr>
-        <p:txBody>
-          <a:bodyPr wrap="none">
-            <a:spAutoFit/>
-          </a:bodyPr>
-          <a:lstStyle/>
-          <a:p>
-            <a:pPr algn="ctr"/>
-            <a:r>
-              <a:rPr lang="en-US" b="1" dirty="0">
-                <a:latin typeface="PT Sans" panose="020B0503020203020204" pitchFamily="34" charset="77"/>
-              </a:rPr>
-              <a:t>Explain</a:t>
-            </a:r>
-          </a:p>
-        </p:txBody>
-      </p:sp>
-      <p:sp>
-        <p:nvSpPr>
-          <p:cNvPr id="13" name="Rectangle 12">
-            <a:extLst>
-              <a:ext uri="{FF2B5EF4-FFF2-40B4-BE49-F238E27FC236}">
-                <a16:creationId xmlns:a16="http://schemas.microsoft.com/office/drawing/2014/main" id="{A88A92A3-2AB4-C647-8C40-52BBE476F7CB}"/>
-              </a:ext>
-            </a:extLst>
-          </p:cNvPr>
-          <p:cNvSpPr/>
-          <p:nvPr/>
-        </p:nvSpPr>
-        <p:spPr>
-          <a:xfrm>
-            <a:off x="3850229" y="2686246"/>
-            <a:ext cx="808363" cy="369332"/>
-          </a:xfrm>
-          <a:prstGeom prst="rect">
-            <a:avLst/>
-          </a:prstGeom>
-        </p:spPr>
-        <p:txBody>
-          <a:bodyPr wrap="none">
-            <a:spAutoFit/>
-          </a:bodyPr>
-          <a:lstStyle/>
-          <a:p>
-            <a:pPr algn="r"/>
-            <a:r>
-              <a:rPr lang="en-US" b="1" dirty="0">
-                <a:latin typeface="PT Sans" panose="020B0503020203020204" pitchFamily="34" charset="77"/>
-              </a:rPr>
-              <a:t>Relate</a:t>
-            </a:r>
-          </a:p>
-        </p:txBody>
-      </p:sp>
-      <p:sp>
-        <p:nvSpPr>
-          <p:cNvPr id="14" name="Rectangle 13">
-            <a:extLst>
-              <a:ext uri="{FF2B5EF4-FFF2-40B4-BE49-F238E27FC236}">
-                <a16:creationId xmlns:a16="http://schemas.microsoft.com/office/drawing/2014/main" id="{8778FD66-D740-F047-A128-F5F60D58EEF7}"/>
-              </a:ext>
-            </a:extLst>
-          </p:cNvPr>
-          <p:cNvSpPr/>
-          <p:nvPr/>
-        </p:nvSpPr>
-        <p:spPr>
-          <a:xfrm>
-            <a:off x="5633082" y="4020228"/>
-            <a:ext cx="963725" cy="369332"/>
-          </a:xfrm>
-          <a:prstGeom prst="rect">
-            <a:avLst/>
-          </a:prstGeom>
-        </p:spPr>
-        <p:txBody>
-          <a:bodyPr wrap="none">
-            <a:spAutoFit/>
-          </a:bodyPr>
-          <a:lstStyle/>
-          <a:p>
-            <a:pPr algn="ctr"/>
-            <a:r>
-              <a:rPr lang="en-US" b="1" dirty="0">
-                <a:latin typeface="PT Sans" panose="020B0503020203020204" pitchFamily="34" charset="77"/>
-              </a:rPr>
-              <a:t>Execute</a:t>
-            </a:r>
-          </a:p>
-        </p:txBody>
-      </p:sp>
-      <p:sp>
-        <p:nvSpPr>
-          <p:cNvPr id="35" name="Rectangle 34">
-            <a:extLst>
-              <a:ext uri="{FF2B5EF4-FFF2-40B4-BE49-F238E27FC236}">
-                <a16:creationId xmlns:a16="http://schemas.microsoft.com/office/drawing/2014/main" id="{CE547003-01A1-3E43-840C-166DB8FD1A3F}"/>
-              </a:ext>
-            </a:extLst>
-          </p:cNvPr>
-          <p:cNvSpPr/>
-          <p:nvPr/>
-        </p:nvSpPr>
-        <p:spPr>
-          <a:xfrm>
-            <a:off x="4182452" y="987279"/>
-            <a:ext cx="1566454" cy="369332"/>
-          </a:xfrm>
-          <a:prstGeom prst="rect">
-            <a:avLst/>
-          </a:prstGeom>
-        </p:spPr>
-        <p:txBody>
-          <a:bodyPr wrap="none">
-            <a:spAutoFit/>
-          </a:bodyPr>
-          <a:lstStyle/>
-          <a:p>
-            <a:pPr algn="ctr"/>
-            <a:r>
-              <a:rPr lang="en-US" b="1" dirty="0">
-                <a:latin typeface="PT Sans" panose="020B0503020203020204" pitchFamily="34" charset="77"/>
-              </a:rPr>
-              <a:t>Completeness</a:t>
-            </a:r>
-          </a:p>
-        </p:txBody>
-      </p:sp>
-      <p:sp>
-        <p:nvSpPr>
-          <p:cNvPr id="36" name="Rectangle 35">
-            <a:extLst>
-              <a:ext uri="{FF2B5EF4-FFF2-40B4-BE49-F238E27FC236}">
-                <a16:creationId xmlns:a16="http://schemas.microsoft.com/office/drawing/2014/main" id="{976099D6-CB5E-A944-A4D5-33BDB121CEA5}"/>
-              </a:ext>
-            </a:extLst>
-          </p:cNvPr>
-          <p:cNvSpPr/>
-          <p:nvPr/>
-        </p:nvSpPr>
-        <p:spPr>
-          <a:xfrm>
-            <a:off x="7401733" y="4158181"/>
-            <a:ext cx="1165705" cy="369332"/>
-          </a:xfrm>
-          <a:prstGeom prst="rect">
-            <a:avLst/>
-          </a:prstGeom>
-        </p:spPr>
-        <p:txBody>
-          <a:bodyPr wrap="none">
-            <a:spAutoFit/>
-          </a:bodyPr>
-          <a:lstStyle/>
-          <a:p>
-            <a:pPr algn="ctr"/>
-            <a:r>
-              <a:rPr lang="en-US" b="1" dirty="0">
-                <a:latin typeface="PT Sans" panose="020B0503020203020204" pitchFamily="34" charset="77"/>
-              </a:rPr>
-              <a:t>Exemplify</a:t>
-            </a:r>
-          </a:p>
-        </p:txBody>
-      </p:sp>
-    </p:spTree>
-    <p:extLst>
-      <p:ext uri="{BB962C8B-B14F-4D97-AF65-F5344CB8AC3E}">
-        <p14:creationId xmlns:p14="http://schemas.microsoft.com/office/powerpoint/2010/main" val="308790297"/>
+        <p14:creationId xmlns:p14="http://schemas.microsoft.com/office/powerpoint/2010/main" val="1615486179"/>
       </p:ext>
     </p:extLst>
   </p:cSld>
